--- a/SEM 5/OSY/PPT/OSY_PPT_(3).pptx
+++ b/SEM 5/OSY/PPT/OSY_PPT_(3).pptx
@@ -5,7 +5,7 @@
     <p:sldMasterId id="2147483648" r:id="rId1"/>
   </p:sldMasterIdLst>
   <p:notesMasterIdLst>
-    <p:notesMasterId r:id="rId59"/>
+    <p:notesMasterId r:id="rId40"/>
   </p:notesMasterIdLst>
   <p:sldIdLst>
     <p:sldId id="257" r:id="rId2"/>
@@ -46,27 +46,8 @@
     <p:sldId id="291" r:id="rId37"/>
     <p:sldId id="293" r:id="rId38"/>
     <p:sldId id="294" r:id="rId39"/>
-    <p:sldId id="295" r:id="rId40"/>
-    <p:sldId id="296" r:id="rId41"/>
-    <p:sldId id="297" r:id="rId42"/>
-    <p:sldId id="298" r:id="rId43"/>
-    <p:sldId id="299" r:id="rId44"/>
-    <p:sldId id="300" r:id="rId45"/>
-    <p:sldId id="301" r:id="rId46"/>
-    <p:sldId id="302" r:id="rId47"/>
-    <p:sldId id="303" r:id="rId48"/>
-    <p:sldId id="304" r:id="rId49"/>
-    <p:sldId id="305" r:id="rId50"/>
-    <p:sldId id="306" r:id="rId51"/>
-    <p:sldId id="307" r:id="rId52"/>
-    <p:sldId id="308" r:id="rId53"/>
-    <p:sldId id="309" r:id="rId54"/>
-    <p:sldId id="310" r:id="rId55"/>
-    <p:sldId id="311" r:id="rId56"/>
-    <p:sldId id="312" r:id="rId57"/>
-    <p:sldId id="313" r:id="rId58"/>
   </p:sldIdLst>
-  <p:sldSz cx="9144000" cy="6858000" type="screen4x3"/>
+  <p:sldSz cx="12192000" cy="6858000"/>
   <p:notesSz cx="6858000" cy="9144000"/>
   <p:defaultTextStyle>
     <a:defPPr>
@@ -166,12 +147,12 @@
   <p:extLst>
     <p:ext uri="{EFAFB233-063F-42B5-8137-9DF3F51BA10A}">
       <p15:sldGuideLst xmlns:p15="http://schemas.microsoft.com/office/powerpoint/2012/main">
-        <p15:guide id="1" orient="horz" pos="2160">
+        <p15:guide id="1" orient="horz" pos="2160" userDrawn="1">
           <p15:clr>
             <a:srgbClr val="A4A3A4"/>
           </p15:clr>
         </p15:guide>
-        <p15:guide id="2" pos="2880">
+        <p15:guide id="2" pos="3840" userDrawn="1">
           <p15:clr>
             <a:srgbClr val="A4A3A4"/>
           </p15:clr>
@@ -264,7 +245,7 @@
           <a:p>
             <a:fld id="{BFE6568C-BC11-46A0-8C39-51623FE21FE2}" type="datetimeFigureOut">
               <a:rPr lang="en-US" smtClean="0"/>
-              <a:t>10/9/2021</a:t>
+              <a:t>11/28/2023</a:t>
             </a:fld>
             <a:endParaRPr lang="en-US"/>
           </a:p>
@@ -282,8 +263,8 @@
         </p:nvSpPr>
         <p:spPr>
           <a:xfrm>
-            <a:off x="1143000" y="685800"/>
-            <a:ext cx="4572000" cy="3429000"/>
+            <a:off x="381000" y="685800"/>
+            <a:ext cx="6096000" cy="3429000"/>
           </a:xfrm>
           <a:prstGeom prst="rect">
             <a:avLst/>
@@ -598,8 +579,8 @@
         </p:nvSpPr>
         <p:spPr>
           <a:xfrm>
-            <a:off x="1143000" y="685800"/>
-            <a:ext cx="4572000" cy="3429000"/>
+            <a:off x="381000" y="685800"/>
+            <a:ext cx="6096000" cy="3429000"/>
           </a:xfrm>
           <a:custGeom>
             <a:avLst/>
@@ -702,8 +683,8 @@
         </p:nvSpPr>
         <p:spPr>
           <a:xfrm>
-            <a:off x="1143000" y="685800"/>
-            <a:ext cx="4572000" cy="3429000"/>
+            <a:off x="381000" y="685800"/>
+            <a:ext cx="6096000" cy="3429000"/>
           </a:xfrm>
           <a:custGeom>
             <a:avLst/>
@@ -806,8 +787,8 @@
         </p:nvSpPr>
         <p:spPr>
           <a:xfrm>
-            <a:off x="1143000" y="685800"/>
-            <a:ext cx="4572000" cy="3429000"/>
+            <a:off x="381000" y="685800"/>
+            <a:ext cx="6096000" cy="3429000"/>
           </a:xfrm>
           <a:custGeom>
             <a:avLst/>
@@ -910,8 +891,8 @@
         </p:nvSpPr>
         <p:spPr>
           <a:xfrm>
-            <a:off x="1143000" y="685800"/>
-            <a:ext cx="4572000" cy="3429000"/>
+            <a:off x="381000" y="685800"/>
+            <a:ext cx="6096000" cy="3429000"/>
           </a:xfrm>
           <a:custGeom>
             <a:avLst/>
@@ -1014,8 +995,8 @@
         </p:nvSpPr>
         <p:spPr>
           <a:xfrm>
-            <a:off x="1143000" y="685800"/>
-            <a:ext cx="4572000" cy="3429000"/>
+            <a:off x="381000" y="685800"/>
+            <a:ext cx="6096000" cy="3429000"/>
           </a:xfrm>
           <a:custGeom>
             <a:avLst/>
@@ -1118,8 +1099,8 @@
         </p:nvSpPr>
         <p:spPr>
           <a:xfrm>
-            <a:off x="1143000" y="685800"/>
-            <a:ext cx="4572000" cy="3429000"/>
+            <a:off x="381000" y="685800"/>
+            <a:ext cx="6096000" cy="3429000"/>
           </a:xfrm>
           <a:custGeom>
             <a:avLst/>
@@ -1222,8 +1203,8 @@
         </p:nvSpPr>
         <p:spPr>
           <a:xfrm>
-            <a:off x="1143000" y="685800"/>
-            <a:ext cx="4572000" cy="3429000"/>
+            <a:off x="381000" y="685800"/>
+            <a:ext cx="6096000" cy="3429000"/>
           </a:xfrm>
           <a:custGeom>
             <a:avLst/>
@@ -1326,8 +1307,8 @@
         </p:nvSpPr>
         <p:spPr>
           <a:xfrm>
-            <a:off x="1143000" y="685800"/>
-            <a:ext cx="4572000" cy="3429000"/>
+            <a:off x="381000" y="685800"/>
+            <a:ext cx="6096000" cy="3429000"/>
           </a:xfrm>
           <a:custGeom>
             <a:avLst/>
@@ -1430,8 +1411,8 @@
         </p:nvSpPr>
         <p:spPr>
           <a:xfrm>
-            <a:off x="1143000" y="685800"/>
-            <a:ext cx="4572000" cy="3429000"/>
+            <a:off x="381000" y="685800"/>
+            <a:ext cx="6096000" cy="3429000"/>
           </a:xfrm>
           <a:custGeom>
             <a:avLst/>
@@ -1534,8 +1515,8 @@
         </p:nvSpPr>
         <p:spPr>
           <a:xfrm>
-            <a:off x="1143000" y="685800"/>
-            <a:ext cx="4572000" cy="3429000"/>
+            <a:off x="381000" y="685800"/>
+            <a:ext cx="6096000" cy="3429000"/>
           </a:xfrm>
           <a:custGeom>
             <a:avLst/>
@@ -1638,8 +1619,8 @@
         </p:nvSpPr>
         <p:spPr>
           <a:xfrm>
-            <a:off x="1143000" y="685800"/>
-            <a:ext cx="4572000" cy="3429000"/>
+            <a:off x="381000" y="685800"/>
+            <a:ext cx="6096000" cy="3429000"/>
           </a:xfrm>
           <a:custGeom>
             <a:avLst/>
@@ -1742,8 +1723,8 @@
         </p:nvSpPr>
         <p:spPr>
           <a:xfrm>
-            <a:off x="1143000" y="685800"/>
-            <a:ext cx="4572000" cy="3429000"/>
+            <a:off x="381000" y="685800"/>
+            <a:ext cx="6096000" cy="3429000"/>
           </a:xfrm>
           <a:custGeom>
             <a:avLst/>
@@ -1846,8 +1827,8 @@
         </p:nvSpPr>
         <p:spPr>
           <a:xfrm>
-            <a:off x="1143000" y="685800"/>
-            <a:ext cx="4572000" cy="3429000"/>
+            <a:off x="381000" y="685800"/>
+            <a:ext cx="6096000" cy="3429000"/>
           </a:xfrm>
           <a:custGeom>
             <a:avLst/>
@@ -1950,8 +1931,8 @@
         </p:nvSpPr>
         <p:spPr>
           <a:xfrm>
-            <a:off x="1143000" y="685800"/>
-            <a:ext cx="4572000" cy="3429000"/>
+            <a:off x="381000" y="685800"/>
+            <a:ext cx="6096000" cy="3429000"/>
           </a:xfrm>
           <a:custGeom>
             <a:avLst/>
@@ -2054,8 +2035,8 @@
         </p:nvSpPr>
         <p:spPr>
           <a:xfrm>
-            <a:off x="1143000" y="685800"/>
-            <a:ext cx="4572000" cy="3429000"/>
+            <a:off x="381000" y="685800"/>
+            <a:ext cx="6096000" cy="3429000"/>
           </a:xfrm>
           <a:custGeom>
             <a:avLst/>
@@ -2158,8 +2139,8 @@
         </p:nvSpPr>
         <p:spPr>
           <a:xfrm>
-            <a:off x="1143000" y="685800"/>
-            <a:ext cx="4572000" cy="3429000"/>
+            <a:off x="381000" y="685800"/>
+            <a:ext cx="6096000" cy="3429000"/>
           </a:xfrm>
           <a:custGeom>
             <a:avLst/>
@@ -2262,8 +2243,8 @@
         </p:nvSpPr>
         <p:spPr>
           <a:xfrm>
-            <a:off x="1143000" y="685800"/>
-            <a:ext cx="4572000" cy="3429000"/>
+            <a:off x="381000" y="685800"/>
+            <a:ext cx="6096000" cy="3429000"/>
           </a:xfrm>
           <a:custGeom>
             <a:avLst/>
@@ -2366,8 +2347,8 @@
         </p:nvSpPr>
         <p:spPr>
           <a:xfrm>
-            <a:off x="1143000" y="685800"/>
-            <a:ext cx="4572000" cy="3429000"/>
+            <a:off x="381000" y="685800"/>
+            <a:ext cx="6096000" cy="3429000"/>
           </a:xfrm>
           <a:custGeom>
             <a:avLst/>
@@ -2470,8 +2451,8 @@
         </p:nvSpPr>
         <p:spPr>
           <a:xfrm>
-            <a:off x="1143000" y="685800"/>
-            <a:ext cx="4572000" cy="3429000"/>
+            <a:off x="381000" y="685800"/>
+            <a:ext cx="6096000" cy="3429000"/>
           </a:xfrm>
           <a:custGeom>
             <a:avLst/>
@@ -2574,8 +2555,8 @@
         </p:nvSpPr>
         <p:spPr>
           <a:xfrm>
-            <a:off x="1143000" y="685800"/>
-            <a:ext cx="4572000" cy="3429000"/>
+            <a:off x="381000" y="685800"/>
+            <a:ext cx="6096000" cy="3429000"/>
           </a:xfrm>
           <a:custGeom>
             <a:avLst/>
@@ -2678,8 +2659,8 @@
         </p:nvSpPr>
         <p:spPr>
           <a:xfrm>
-            <a:off x="1143000" y="685800"/>
-            <a:ext cx="4572000" cy="3429000"/>
+            <a:off x="381000" y="685800"/>
+            <a:ext cx="6096000" cy="3429000"/>
           </a:xfrm>
           <a:custGeom>
             <a:avLst/>
@@ -2782,8 +2763,8 @@
         </p:nvSpPr>
         <p:spPr>
           <a:xfrm>
-            <a:off x="1143000" y="685800"/>
-            <a:ext cx="4572000" cy="3429000"/>
+            <a:off x="381000" y="685800"/>
+            <a:ext cx="6096000" cy="3429000"/>
           </a:xfrm>
           <a:custGeom>
             <a:avLst/>
@@ -2886,8 +2867,8 @@
         </p:nvSpPr>
         <p:spPr>
           <a:xfrm>
-            <a:off x="1143000" y="685800"/>
-            <a:ext cx="4572000" cy="3429000"/>
+            <a:off x="381000" y="685800"/>
+            <a:ext cx="6096000" cy="3429000"/>
           </a:xfrm>
           <a:custGeom>
             <a:avLst/>
@@ -2990,8 +2971,8 @@
         </p:nvSpPr>
         <p:spPr>
           <a:xfrm>
-            <a:off x="1143000" y="685800"/>
-            <a:ext cx="4572000" cy="3429000"/>
+            <a:off x="381000" y="685800"/>
+            <a:ext cx="6096000" cy="3429000"/>
           </a:xfrm>
           <a:custGeom>
             <a:avLst/>
@@ -3094,8 +3075,8 @@
         </p:nvSpPr>
         <p:spPr>
           <a:xfrm>
-            <a:off x="1143000" y="685800"/>
-            <a:ext cx="4572000" cy="3429000"/>
+            <a:off x="381000" y="685800"/>
+            <a:ext cx="6096000" cy="3429000"/>
           </a:xfrm>
           <a:custGeom>
             <a:avLst/>
@@ -3198,8 +3179,8 @@
         </p:nvSpPr>
         <p:spPr>
           <a:xfrm>
-            <a:off x="1143000" y="685800"/>
-            <a:ext cx="4572000" cy="3429000"/>
+            <a:off x="381000" y="685800"/>
+            <a:ext cx="6096000" cy="3429000"/>
           </a:xfrm>
           <a:custGeom>
             <a:avLst/>
@@ -3302,8 +3283,8 @@
         </p:nvSpPr>
         <p:spPr>
           <a:xfrm>
-            <a:off x="1143000" y="685800"/>
-            <a:ext cx="4572000" cy="3429000"/>
+            <a:off x="381000" y="685800"/>
+            <a:ext cx="6096000" cy="3429000"/>
           </a:xfrm>
           <a:custGeom>
             <a:avLst/>
@@ -3406,8 +3387,8 @@
         </p:nvSpPr>
         <p:spPr>
           <a:xfrm>
-            <a:off x="1143000" y="685800"/>
-            <a:ext cx="4572000" cy="3429000"/>
+            <a:off x="381000" y="685800"/>
+            <a:ext cx="6096000" cy="3429000"/>
           </a:xfrm>
           <a:custGeom>
             <a:avLst/>
@@ -3510,8 +3491,8 @@
         </p:nvSpPr>
         <p:spPr>
           <a:xfrm>
-            <a:off x="1143000" y="685800"/>
-            <a:ext cx="4572000" cy="3429000"/>
+            <a:off x="381000" y="685800"/>
+            <a:ext cx="6096000" cy="3429000"/>
           </a:xfrm>
           <a:custGeom>
             <a:avLst/>
@@ -3614,8 +3595,8 @@
         </p:nvSpPr>
         <p:spPr>
           <a:xfrm>
-            <a:off x="1143000" y="685800"/>
-            <a:ext cx="4572000" cy="3429000"/>
+            <a:off x="381000" y="685800"/>
+            <a:ext cx="6096000" cy="3429000"/>
           </a:xfrm>
           <a:custGeom>
             <a:avLst/>
@@ -3718,8 +3699,8 @@
         </p:nvSpPr>
         <p:spPr>
           <a:xfrm>
-            <a:off x="1143000" y="685800"/>
-            <a:ext cx="4572000" cy="3429000"/>
+            <a:off x="381000" y="685800"/>
+            <a:ext cx="6096000" cy="3429000"/>
           </a:xfrm>
           <a:custGeom>
             <a:avLst/>
@@ -3822,112 +3803,8 @@
         </p:nvSpPr>
         <p:spPr>
           <a:xfrm>
-            <a:off x="1143000" y="685800"/>
-            <a:ext cx="4572000" cy="3429000"/>
-          </a:xfrm>
-          <a:custGeom>
-            <a:avLst/>
-            <a:gdLst/>
-            <a:ahLst/>
-            <a:cxnLst/>
-            <a:rect l="l" t="t" r="r" b="b"/>
-            <a:pathLst>
-              <a:path w="120000" h="120000" extrusionOk="0">
-                <a:moveTo>
-                  <a:pt x="0" y="0"/>
-                </a:moveTo>
-                <a:lnTo>
-                  <a:pt x="120000" y="0"/>
-                </a:lnTo>
-                <a:lnTo>
-                  <a:pt x="120000" y="120000"/>
-                </a:lnTo>
-                <a:lnTo>
-                  <a:pt x="0" y="120000"/>
-                </a:lnTo>
-                <a:close/>
-              </a:path>
-            </a:pathLst>
-          </a:custGeom>
-        </p:spPr>
-      </p:sp>
-    </p:spTree>
-  </p:cSld>
-  <p:clrMapOvr>
-    <a:masterClrMapping/>
-  </p:clrMapOvr>
-</p:notes>
-</file>
-
-<file path=ppt/notesSlides/notesSlide39.xml><?xml version="1.0" encoding="utf-8"?>
-<p:notes xmlns:a="http://schemas.openxmlformats.org/drawingml/2006/main" xmlns:r="http://schemas.openxmlformats.org/officeDocument/2006/relationships" xmlns:p="http://schemas.openxmlformats.org/presentationml/2006/main" showMasterSp="0" showMasterPhAnim="0">
-  <p:cSld>
-    <p:spTree>
-      <p:nvGrpSpPr>
-        <p:cNvPr id="1" name="Shape 131"/>
-        <p:cNvGrpSpPr/>
-        <p:nvPr/>
-      </p:nvGrpSpPr>
-      <p:grpSpPr>
-        <a:xfrm>
-          <a:off x="0" y="0"/>
-          <a:ext cx="0" cy="0"/>
-          <a:chOff x="0" y="0"/>
-          <a:chExt cx="0" cy="0"/>
-        </a:xfrm>
-      </p:grpSpPr>
-      <p:sp>
-        <p:nvSpPr>
-          <p:cNvPr id="132" name="Google Shape;132;p6:notes"/>
-          <p:cNvSpPr txBox="1">
-            <a:spLocks noGrp="1"/>
-          </p:cNvSpPr>
-          <p:nvPr>
-            <p:ph type="body" idx="1"/>
-          </p:nvPr>
-        </p:nvSpPr>
-        <p:spPr>
-          <a:xfrm>
-            <a:off x="685800" y="4343400"/>
-            <a:ext cx="5486400" cy="4114800"/>
-          </a:xfrm>
-          <a:prstGeom prst="rect">
-            <a:avLst/>
-          </a:prstGeom>
-        </p:spPr>
-        <p:txBody>
-          <a:bodyPr spcFirstLastPara="1" wrap="square" lIns="91425" tIns="45700" rIns="91425" bIns="45700" anchor="t" anchorCtr="0">
-            <a:noAutofit/>
-          </a:bodyPr>
-          <a:lstStyle/>
-          <a:p>
-            <a:pPr marL="0" lvl="0" indent="0" algn="l" rtl="0">
-              <a:spcBef>
-                <a:spcPts val="0"/>
-              </a:spcBef>
-              <a:spcAft>
-                <a:spcPts val="0"/>
-              </a:spcAft>
-              <a:buNone/>
-            </a:pPr>
-            <a:endParaRPr/>
-          </a:p>
-        </p:txBody>
-      </p:sp>
-      <p:sp>
-        <p:nvSpPr>
-          <p:cNvPr id="133" name="Google Shape;133;p6:notes"/>
-          <p:cNvSpPr>
-            <a:spLocks noGrp="1" noRot="1" noChangeAspect="1"/>
-          </p:cNvSpPr>
-          <p:nvPr>
-            <p:ph type="sldImg" idx="2"/>
-          </p:nvPr>
-        </p:nvSpPr>
-        <p:spPr>
-          <a:xfrm>
-            <a:off x="1143000" y="685800"/>
-            <a:ext cx="4572000" cy="3429000"/>
+            <a:off x="381000" y="685800"/>
+            <a:ext cx="6096000" cy="3429000"/>
           </a:xfrm>
           <a:custGeom>
             <a:avLst/>
@@ -4030,1048 +3907,8 @@
         </p:nvSpPr>
         <p:spPr>
           <a:xfrm>
-            <a:off x="1143000" y="685800"/>
-            <a:ext cx="4572000" cy="3429000"/>
-          </a:xfrm>
-          <a:custGeom>
-            <a:avLst/>
-            <a:gdLst/>
-            <a:ahLst/>
-            <a:cxnLst/>
-            <a:rect l="l" t="t" r="r" b="b"/>
-            <a:pathLst>
-              <a:path w="120000" h="120000" extrusionOk="0">
-                <a:moveTo>
-                  <a:pt x="0" y="0"/>
-                </a:moveTo>
-                <a:lnTo>
-                  <a:pt x="120000" y="0"/>
-                </a:lnTo>
-                <a:lnTo>
-                  <a:pt x="120000" y="120000"/>
-                </a:lnTo>
-                <a:lnTo>
-                  <a:pt x="0" y="120000"/>
-                </a:lnTo>
-                <a:close/>
-              </a:path>
-            </a:pathLst>
-          </a:custGeom>
-        </p:spPr>
-      </p:sp>
-    </p:spTree>
-  </p:cSld>
-  <p:clrMapOvr>
-    <a:masterClrMapping/>
-  </p:clrMapOvr>
-</p:notes>
-</file>
-
-<file path=ppt/notesSlides/notesSlide40.xml><?xml version="1.0" encoding="utf-8"?>
-<p:notes xmlns:a="http://schemas.openxmlformats.org/drawingml/2006/main" xmlns:r="http://schemas.openxmlformats.org/officeDocument/2006/relationships" xmlns:p="http://schemas.openxmlformats.org/presentationml/2006/main" showMasterSp="0" showMasterPhAnim="0">
-  <p:cSld>
-    <p:spTree>
-      <p:nvGrpSpPr>
-        <p:cNvPr id="1" name="Shape 131"/>
-        <p:cNvGrpSpPr/>
-        <p:nvPr/>
-      </p:nvGrpSpPr>
-      <p:grpSpPr>
-        <a:xfrm>
-          <a:off x="0" y="0"/>
-          <a:ext cx="0" cy="0"/>
-          <a:chOff x="0" y="0"/>
-          <a:chExt cx="0" cy="0"/>
-        </a:xfrm>
-      </p:grpSpPr>
-      <p:sp>
-        <p:nvSpPr>
-          <p:cNvPr id="132" name="Google Shape;132;p6:notes"/>
-          <p:cNvSpPr txBox="1">
-            <a:spLocks noGrp="1"/>
-          </p:cNvSpPr>
-          <p:nvPr>
-            <p:ph type="body" idx="1"/>
-          </p:nvPr>
-        </p:nvSpPr>
-        <p:spPr>
-          <a:xfrm>
-            <a:off x="685800" y="4343400"/>
-            <a:ext cx="5486400" cy="4114800"/>
-          </a:xfrm>
-          <a:prstGeom prst="rect">
-            <a:avLst/>
-          </a:prstGeom>
-        </p:spPr>
-        <p:txBody>
-          <a:bodyPr spcFirstLastPara="1" wrap="square" lIns="91425" tIns="45700" rIns="91425" bIns="45700" anchor="t" anchorCtr="0">
-            <a:noAutofit/>
-          </a:bodyPr>
-          <a:lstStyle/>
-          <a:p>
-            <a:pPr marL="0" lvl="0" indent="0" algn="l" rtl="0">
-              <a:spcBef>
-                <a:spcPts val="0"/>
-              </a:spcBef>
-              <a:spcAft>
-                <a:spcPts val="0"/>
-              </a:spcAft>
-              <a:buNone/>
-            </a:pPr>
-            <a:endParaRPr/>
-          </a:p>
-        </p:txBody>
-      </p:sp>
-      <p:sp>
-        <p:nvSpPr>
-          <p:cNvPr id="133" name="Google Shape;133;p6:notes"/>
-          <p:cNvSpPr>
-            <a:spLocks noGrp="1" noRot="1" noChangeAspect="1"/>
-          </p:cNvSpPr>
-          <p:nvPr>
-            <p:ph type="sldImg" idx="2"/>
-          </p:nvPr>
-        </p:nvSpPr>
-        <p:spPr>
-          <a:xfrm>
-            <a:off x="1143000" y="685800"/>
-            <a:ext cx="4572000" cy="3429000"/>
-          </a:xfrm>
-          <a:custGeom>
-            <a:avLst/>
-            <a:gdLst/>
-            <a:ahLst/>
-            <a:cxnLst/>
-            <a:rect l="l" t="t" r="r" b="b"/>
-            <a:pathLst>
-              <a:path w="120000" h="120000" extrusionOk="0">
-                <a:moveTo>
-                  <a:pt x="0" y="0"/>
-                </a:moveTo>
-                <a:lnTo>
-                  <a:pt x="120000" y="0"/>
-                </a:lnTo>
-                <a:lnTo>
-                  <a:pt x="120000" y="120000"/>
-                </a:lnTo>
-                <a:lnTo>
-                  <a:pt x="0" y="120000"/>
-                </a:lnTo>
-                <a:close/>
-              </a:path>
-            </a:pathLst>
-          </a:custGeom>
-        </p:spPr>
-      </p:sp>
-    </p:spTree>
-  </p:cSld>
-  <p:clrMapOvr>
-    <a:masterClrMapping/>
-  </p:clrMapOvr>
-</p:notes>
-</file>
-
-<file path=ppt/notesSlides/notesSlide41.xml><?xml version="1.0" encoding="utf-8"?>
-<p:notes xmlns:a="http://schemas.openxmlformats.org/drawingml/2006/main" xmlns:r="http://schemas.openxmlformats.org/officeDocument/2006/relationships" xmlns:p="http://schemas.openxmlformats.org/presentationml/2006/main" showMasterSp="0" showMasterPhAnim="0">
-  <p:cSld>
-    <p:spTree>
-      <p:nvGrpSpPr>
-        <p:cNvPr id="1" name="Shape 131"/>
-        <p:cNvGrpSpPr/>
-        <p:nvPr/>
-      </p:nvGrpSpPr>
-      <p:grpSpPr>
-        <a:xfrm>
-          <a:off x="0" y="0"/>
-          <a:ext cx="0" cy="0"/>
-          <a:chOff x="0" y="0"/>
-          <a:chExt cx="0" cy="0"/>
-        </a:xfrm>
-      </p:grpSpPr>
-      <p:sp>
-        <p:nvSpPr>
-          <p:cNvPr id="132" name="Google Shape;132;p6:notes"/>
-          <p:cNvSpPr txBox="1">
-            <a:spLocks noGrp="1"/>
-          </p:cNvSpPr>
-          <p:nvPr>
-            <p:ph type="body" idx="1"/>
-          </p:nvPr>
-        </p:nvSpPr>
-        <p:spPr>
-          <a:xfrm>
-            <a:off x="685800" y="4343400"/>
-            <a:ext cx="5486400" cy="4114800"/>
-          </a:xfrm>
-          <a:prstGeom prst="rect">
-            <a:avLst/>
-          </a:prstGeom>
-        </p:spPr>
-        <p:txBody>
-          <a:bodyPr spcFirstLastPara="1" wrap="square" lIns="91425" tIns="45700" rIns="91425" bIns="45700" anchor="t" anchorCtr="0">
-            <a:noAutofit/>
-          </a:bodyPr>
-          <a:lstStyle/>
-          <a:p>
-            <a:pPr marL="0" lvl="0" indent="0" algn="l" rtl="0">
-              <a:spcBef>
-                <a:spcPts val="0"/>
-              </a:spcBef>
-              <a:spcAft>
-                <a:spcPts val="0"/>
-              </a:spcAft>
-              <a:buNone/>
-            </a:pPr>
-            <a:endParaRPr/>
-          </a:p>
-        </p:txBody>
-      </p:sp>
-      <p:sp>
-        <p:nvSpPr>
-          <p:cNvPr id="133" name="Google Shape;133;p6:notes"/>
-          <p:cNvSpPr>
-            <a:spLocks noGrp="1" noRot="1" noChangeAspect="1"/>
-          </p:cNvSpPr>
-          <p:nvPr>
-            <p:ph type="sldImg" idx="2"/>
-          </p:nvPr>
-        </p:nvSpPr>
-        <p:spPr>
-          <a:xfrm>
-            <a:off x="1143000" y="685800"/>
-            <a:ext cx="4572000" cy="3429000"/>
-          </a:xfrm>
-          <a:custGeom>
-            <a:avLst/>
-            <a:gdLst/>
-            <a:ahLst/>
-            <a:cxnLst/>
-            <a:rect l="l" t="t" r="r" b="b"/>
-            <a:pathLst>
-              <a:path w="120000" h="120000" extrusionOk="0">
-                <a:moveTo>
-                  <a:pt x="0" y="0"/>
-                </a:moveTo>
-                <a:lnTo>
-                  <a:pt x="120000" y="0"/>
-                </a:lnTo>
-                <a:lnTo>
-                  <a:pt x="120000" y="120000"/>
-                </a:lnTo>
-                <a:lnTo>
-                  <a:pt x="0" y="120000"/>
-                </a:lnTo>
-                <a:close/>
-              </a:path>
-            </a:pathLst>
-          </a:custGeom>
-        </p:spPr>
-      </p:sp>
-    </p:spTree>
-  </p:cSld>
-  <p:clrMapOvr>
-    <a:masterClrMapping/>
-  </p:clrMapOvr>
-</p:notes>
-</file>
-
-<file path=ppt/notesSlides/notesSlide42.xml><?xml version="1.0" encoding="utf-8"?>
-<p:notes xmlns:a="http://schemas.openxmlformats.org/drawingml/2006/main" xmlns:r="http://schemas.openxmlformats.org/officeDocument/2006/relationships" xmlns:p="http://schemas.openxmlformats.org/presentationml/2006/main" showMasterSp="0" showMasterPhAnim="0">
-  <p:cSld>
-    <p:spTree>
-      <p:nvGrpSpPr>
-        <p:cNvPr id="1" name="Shape 131"/>
-        <p:cNvGrpSpPr/>
-        <p:nvPr/>
-      </p:nvGrpSpPr>
-      <p:grpSpPr>
-        <a:xfrm>
-          <a:off x="0" y="0"/>
-          <a:ext cx="0" cy="0"/>
-          <a:chOff x="0" y="0"/>
-          <a:chExt cx="0" cy="0"/>
-        </a:xfrm>
-      </p:grpSpPr>
-      <p:sp>
-        <p:nvSpPr>
-          <p:cNvPr id="132" name="Google Shape;132;p6:notes"/>
-          <p:cNvSpPr txBox="1">
-            <a:spLocks noGrp="1"/>
-          </p:cNvSpPr>
-          <p:nvPr>
-            <p:ph type="body" idx="1"/>
-          </p:nvPr>
-        </p:nvSpPr>
-        <p:spPr>
-          <a:xfrm>
-            <a:off x="685800" y="4343400"/>
-            <a:ext cx="5486400" cy="4114800"/>
-          </a:xfrm>
-          <a:prstGeom prst="rect">
-            <a:avLst/>
-          </a:prstGeom>
-        </p:spPr>
-        <p:txBody>
-          <a:bodyPr spcFirstLastPara="1" wrap="square" lIns="91425" tIns="45700" rIns="91425" bIns="45700" anchor="t" anchorCtr="0">
-            <a:noAutofit/>
-          </a:bodyPr>
-          <a:lstStyle/>
-          <a:p>
-            <a:pPr marL="0" lvl="0" indent="0" algn="l" rtl="0">
-              <a:spcBef>
-                <a:spcPts val="0"/>
-              </a:spcBef>
-              <a:spcAft>
-                <a:spcPts val="0"/>
-              </a:spcAft>
-              <a:buNone/>
-            </a:pPr>
-            <a:endParaRPr/>
-          </a:p>
-        </p:txBody>
-      </p:sp>
-      <p:sp>
-        <p:nvSpPr>
-          <p:cNvPr id="133" name="Google Shape;133;p6:notes"/>
-          <p:cNvSpPr>
-            <a:spLocks noGrp="1" noRot="1" noChangeAspect="1"/>
-          </p:cNvSpPr>
-          <p:nvPr>
-            <p:ph type="sldImg" idx="2"/>
-          </p:nvPr>
-        </p:nvSpPr>
-        <p:spPr>
-          <a:xfrm>
-            <a:off x="1143000" y="685800"/>
-            <a:ext cx="4572000" cy="3429000"/>
-          </a:xfrm>
-          <a:custGeom>
-            <a:avLst/>
-            <a:gdLst/>
-            <a:ahLst/>
-            <a:cxnLst/>
-            <a:rect l="l" t="t" r="r" b="b"/>
-            <a:pathLst>
-              <a:path w="120000" h="120000" extrusionOk="0">
-                <a:moveTo>
-                  <a:pt x="0" y="0"/>
-                </a:moveTo>
-                <a:lnTo>
-                  <a:pt x="120000" y="0"/>
-                </a:lnTo>
-                <a:lnTo>
-                  <a:pt x="120000" y="120000"/>
-                </a:lnTo>
-                <a:lnTo>
-                  <a:pt x="0" y="120000"/>
-                </a:lnTo>
-                <a:close/>
-              </a:path>
-            </a:pathLst>
-          </a:custGeom>
-        </p:spPr>
-      </p:sp>
-    </p:spTree>
-  </p:cSld>
-  <p:clrMapOvr>
-    <a:masterClrMapping/>
-  </p:clrMapOvr>
-</p:notes>
-</file>
-
-<file path=ppt/notesSlides/notesSlide43.xml><?xml version="1.0" encoding="utf-8"?>
-<p:notes xmlns:a="http://schemas.openxmlformats.org/drawingml/2006/main" xmlns:r="http://schemas.openxmlformats.org/officeDocument/2006/relationships" xmlns:p="http://schemas.openxmlformats.org/presentationml/2006/main" showMasterSp="0" showMasterPhAnim="0">
-  <p:cSld>
-    <p:spTree>
-      <p:nvGrpSpPr>
-        <p:cNvPr id="1" name="Shape 131"/>
-        <p:cNvGrpSpPr/>
-        <p:nvPr/>
-      </p:nvGrpSpPr>
-      <p:grpSpPr>
-        <a:xfrm>
-          <a:off x="0" y="0"/>
-          <a:ext cx="0" cy="0"/>
-          <a:chOff x="0" y="0"/>
-          <a:chExt cx="0" cy="0"/>
-        </a:xfrm>
-      </p:grpSpPr>
-      <p:sp>
-        <p:nvSpPr>
-          <p:cNvPr id="132" name="Google Shape;132;p6:notes"/>
-          <p:cNvSpPr txBox="1">
-            <a:spLocks noGrp="1"/>
-          </p:cNvSpPr>
-          <p:nvPr>
-            <p:ph type="body" idx="1"/>
-          </p:nvPr>
-        </p:nvSpPr>
-        <p:spPr>
-          <a:xfrm>
-            <a:off x="685800" y="4343400"/>
-            <a:ext cx="5486400" cy="4114800"/>
-          </a:xfrm>
-          <a:prstGeom prst="rect">
-            <a:avLst/>
-          </a:prstGeom>
-        </p:spPr>
-        <p:txBody>
-          <a:bodyPr spcFirstLastPara="1" wrap="square" lIns="91425" tIns="45700" rIns="91425" bIns="45700" anchor="t" anchorCtr="0">
-            <a:noAutofit/>
-          </a:bodyPr>
-          <a:lstStyle/>
-          <a:p>
-            <a:pPr marL="0" lvl="0" indent="0" algn="l" rtl="0">
-              <a:spcBef>
-                <a:spcPts val="0"/>
-              </a:spcBef>
-              <a:spcAft>
-                <a:spcPts val="0"/>
-              </a:spcAft>
-              <a:buNone/>
-            </a:pPr>
-            <a:endParaRPr/>
-          </a:p>
-        </p:txBody>
-      </p:sp>
-      <p:sp>
-        <p:nvSpPr>
-          <p:cNvPr id="133" name="Google Shape;133;p6:notes"/>
-          <p:cNvSpPr>
-            <a:spLocks noGrp="1" noRot="1" noChangeAspect="1"/>
-          </p:cNvSpPr>
-          <p:nvPr>
-            <p:ph type="sldImg" idx="2"/>
-          </p:nvPr>
-        </p:nvSpPr>
-        <p:spPr>
-          <a:xfrm>
-            <a:off x="1143000" y="685800"/>
-            <a:ext cx="4572000" cy="3429000"/>
-          </a:xfrm>
-          <a:custGeom>
-            <a:avLst/>
-            <a:gdLst/>
-            <a:ahLst/>
-            <a:cxnLst/>
-            <a:rect l="l" t="t" r="r" b="b"/>
-            <a:pathLst>
-              <a:path w="120000" h="120000" extrusionOk="0">
-                <a:moveTo>
-                  <a:pt x="0" y="0"/>
-                </a:moveTo>
-                <a:lnTo>
-                  <a:pt x="120000" y="0"/>
-                </a:lnTo>
-                <a:lnTo>
-                  <a:pt x="120000" y="120000"/>
-                </a:lnTo>
-                <a:lnTo>
-                  <a:pt x="0" y="120000"/>
-                </a:lnTo>
-                <a:close/>
-              </a:path>
-            </a:pathLst>
-          </a:custGeom>
-        </p:spPr>
-      </p:sp>
-    </p:spTree>
-  </p:cSld>
-  <p:clrMapOvr>
-    <a:masterClrMapping/>
-  </p:clrMapOvr>
-</p:notes>
-</file>
-
-<file path=ppt/notesSlides/notesSlide44.xml><?xml version="1.0" encoding="utf-8"?>
-<p:notes xmlns:a="http://schemas.openxmlformats.org/drawingml/2006/main" xmlns:r="http://schemas.openxmlformats.org/officeDocument/2006/relationships" xmlns:p="http://schemas.openxmlformats.org/presentationml/2006/main" showMasterSp="0" showMasterPhAnim="0">
-  <p:cSld>
-    <p:spTree>
-      <p:nvGrpSpPr>
-        <p:cNvPr id="1" name="Shape 131"/>
-        <p:cNvGrpSpPr/>
-        <p:nvPr/>
-      </p:nvGrpSpPr>
-      <p:grpSpPr>
-        <a:xfrm>
-          <a:off x="0" y="0"/>
-          <a:ext cx="0" cy="0"/>
-          <a:chOff x="0" y="0"/>
-          <a:chExt cx="0" cy="0"/>
-        </a:xfrm>
-      </p:grpSpPr>
-      <p:sp>
-        <p:nvSpPr>
-          <p:cNvPr id="132" name="Google Shape;132;p6:notes"/>
-          <p:cNvSpPr txBox="1">
-            <a:spLocks noGrp="1"/>
-          </p:cNvSpPr>
-          <p:nvPr>
-            <p:ph type="body" idx="1"/>
-          </p:nvPr>
-        </p:nvSpPr>
-        <p:spPr>
-          <a:xfrm>
-            <a:off x="685800" y="4343400"/>
-            <a:ext cx="5486400" cy="4114800"/>
-          </a:xfrm>
-          <a:prstGeom prst="rect">
-            <a:avLst/>
-          </a:prstGeom>
-        </p:spPr>
-        <p:txBody>
-          <a:bodyPr spcFirstLastPara="1" wrap="square" lIns="91425" tIns="45700" rIns="91425" bIns="45700" anchor="t" anchorCtr="0">
-            <a:noAutofit/>
-          </a:bodyPr>
-          <a:lstStyle/>
-          <a:p>
-            <a:pPr marL="0" lvl="0" indent="0" algn="l" rtl="0">
-              <a:spcBef>
-                <a:spcPts val="0"/>
-              </a:spcBef>
-              <a:spcAft>
-                <a:spcPts val="0"/>
-              </a:spcAft>
-              <a:buNone/>
-            </a:pPr>
-            <a:endParaRPr/>
-          </a:p>
-        </p:txBody>
-      </p:sp>
-      <p:sp>
-        <p:nvSpPr>
-          <p:cNvPr id="133" name="Google Shape;133;p6:notes"/>
-          <p:cNvSpPr>
-            <a:spLocks noGrp="1" noRot="1" noChangeAspect="1"/>
-          </p:cNvSpPr>
-          <p:nvPr>
-            <p:ph type="sldImg" idx="2"/>
-          </p:nvPr>
-        </p:nvSpPr>
-        <p:spPr>
-          <a:xfrm>
-            <a:off x="1143000" y="685800"/>
-            <a:ext cx="4572000" cy="3429000"/>
-          </a:xfrm>
-          <a:custGeom>
-            <a:avLst/>
-            <a:gdLst/>
-            <a:ahLst/>
-            <a:cxnLst/>
-            <a:rect l="l" t="t" r="r" b="b"/>
-            <a:pathLst>
-              <a:path w="120000" h="120000" extrusionOk="0">
-                <a:moveTo>
-                  <a:pt x="0" y="0"/>
-                </a:moveTo>
-                <a:lnTo>
-                  <a:pt x="120000" y="0"/>
-                </a:lnTo>
-                <a:lnTo>
-                  <a:pt x="120000" y="120000"/>
-                </a:lnTo>
-                <a:lnTo>
-                  <a:pt x="0" y="120000"/>
-                </a:lnTo>
-                <a:close/>
-              </a:path>
-            </a:pathLst>
-          </a:custGeom>
-        </p:spPr>
-      </p:sp>
-    </p:spTree>
-  </p:cSld>
-  <p:clrMapOvr>
-    <a:masterClrMapping/>
-  </p:clrMapOvr>
-</p:notes>
-</file>
-
-<file path=ppt/notesSlides/notesSlide45.xml><?xml version="1.0" encoding="utf-8"?>
-<p:notes xmlns:a="http://schemas.openxmlformats.org/drawingml/2006/main" xmlns:r="http://schemas.openxmlformats.org/officeDocument/2006/relationships" xmlns:p="http://schemas.openxmlformats.org/presentationml/2006/main" showMasterSp="0" showMasterPhAnim="0">
-  <p:cSld>
-    <p:spTree>
-      <p:nvGrpSpPr>
-        <p:cNvPr id="1" name="Shape 131"/>
-        <p:cNvGrpSpPr/>
-        <p:nvPr/>
-      </p:nvGrpSpPr>
-      <p:grpSpPr>
-        <a:xfrm>
-          <a:off x="0" y="0"/>
-          <a:ext cx="0" cy="0"/>
-          <a:chOff x="0" y="0"/>
-          <a:chExt cx="0" cy="0"/>
-        </a:xfrm>
-      </p:grpSpPr>
-      <p:sp>
-        <p:nvSpPr>
-          <p:cNvPr id="132" name="Google Shape;132;p6:notes"/>
-          <p:cNvSpPr txBox="1">
-            <a:spLocks noGrp="1"/>
-          </p:cNvSpPr>
-          <p:nvPr>
-            <p:ph type="body" idx="1"/>
-          </p:nvPr>
-        </p:nvSpPr>
-        <p:spPr>
-          <a:xfrm>
-            <a:off x="685800" y="4343400"/>
-            <a:ext cx="5486400" cy="4114800"/>
-          </a:xfrm>
-          <a:prstGeom prst="rect">
-            <a:avLst/>
-          </a:prstGeom>
-        </p:spPr>
-        <p:txBody>
-          <a:bodyPr spcFirstLastPara="1" wrap="square" lIns="91425" tIns="45700" rIns="91425" bIns="45700" anchor="t" anchorCtr="0">
-            <a:noAutofit/>
-          </a:bodyPr>
-          <a:lstStyle/>
-          <a:p>
-            <a:pPr marL="0" lvl="0" indent="0" algn="l" rtl="0">
-              <a:spcBef>
-                <a:spcPts val="0"/>
-              </a:spcBef>
-              <a:spcAft>
-                <a:spcPts val="0"/>
-              </a:spcAft>
-              <a:buNone/>
-            </a:pPr>
-            <a:endParaRPr/>
-          </a:p>
-        </p:txBody>
-      </p:sp>
-      <p:sp>
-        <p:nvSpPr>
-          <p:cNvPr id="133" name="Google Shape;133;p6:notes"/>
-          <p:cNvSpPr>
-            <a:spLocks noGrp="1" noRot="1" noChangeAspect="1"/>
-          </p:cNvSpPr>
-          <p:nvPr>
-            <p:ph type="sldImg" idx="2"/>
-          </p:nvPr>
-        </p:nvSpPr>
-        <p:spPr>
-          <a:xfrm>
-            <a:off x="1143000" y="685800"/>
-            <a:ext cx="4572000" cy="3429000"/>
-          </a:xfrm>
-          <a:custGeom>
-            <a:avLst/>
-            <a:gdLst/>
-            <a:ahLst/>
-            <a:cxnLst/>
-            <a:rect l="l" t="t" r="r" b="b"/>
-            <a:pathLst>
-              <a:path w="120000" h="120000" extrusionOk="0">
-                <a:moveTo>
-                  <a:pt x="0" y="0"/>
-                </a:moveTo>
-                <a:lnTo>
-                  <a:pt x="120000" y="0"/>
-                </a:lnTo>
-                <a:lnTo>
-                  <a:pt x="120000" y="120000"/>
-                </a:lnTo>
-                <a:lnTo>
-                  <a:pt x="0" y="120000"/>
-                </a:lnTo>
-                <a:close/>
-              </a:path>
-            </a:pathLst>
-          </a:custGeom>
-        </p:spPr>
-      </p:sp>
-    </p:spTree>
-  </p:cSld>
-  <p:clrMapOvr>
-    <a:masterClrMapping/>
-  </p:clrMapOvr>
-</p:notes>
-</file>
-
-<file path=ppt/notesSlides/notesSlide46.xml><?xml version="1.0" encoding="utf-8"?>
-<p:notes xmlns:a="http://schemas.openxmlformats.org/drawingml/2006/main" xmlns:r="http://schemas.openxmlformats.org/officeDocument/2006/relationships" xmlns:p="http://schemas.openxmlformats.org/presentationml/2006/main" showMasterSp="0" showMasterPhAnim="0">
-  <p:cSld>
-    <p:spTree>
-      <p:nvGrpSpPr>
-        <p:cNvPr id="1" name="Shape 131"/>
-        <p:cNvGrpSpPr/>
-        <p:nvPr/>
-      </p:nvGrpSpPr>
-      <p:grpSpPr>
-        <a:xfrm>
-          <a:off x="0" y="0"/>
-          <a:ext cx="0" cy="0"/>
-          <a:chOff x="0" y="0"/>
-          <a:chExt cx="0" cy="0"/>
-        </a:xfrm>
-      </p:grpSpPr>
-      <p:sp>
-        <p:nvSpPr>
-          <p:cNvPr id="132" name="Google Shape;132;p6:notes"/>
-          <p:cNvSpPr txBox="1">
-            <a:spLocks noGrp="1"/>
-          </p:cNvSpPr>
-          <p:nvPr>
-            <p:ph type="body" idx="1"/>
-          </p:nvPr>
-        </p:nvSpPr>
-        <p:spPr>
-          <a:xfrm>
-            <a:off x="685800" y="4343400"/>
-            <a:ext cx="5486400" cy="4114800"/>
-          </a:xfrm>
-          <a:prstGeom prst="rect">
-            <a:avLst/>
-          </a:prstGeom>
-        </p:spPr>
-        <p:txBody>
-          <a:bodyPr spcFirstLastPara="1" wrap="square" lIns="91425" tIns="45700" rIns="91425" bIns="45700" anchor="t" anchorCtr="0">
-            <a:noAutofit/>
-          </a:bodyPr>
-          <a:lstStyle/>
-          <a:p>
-            <a:pPr marL="0" lvl="0" indent="0" algn="l" rtl="0">
-              <a:spcBef>
-                <a:spcPts val="0"/>
-              </a:spcBef>
-              <a:spcAft>
-                <a:spcPts val="0"/>
-              </a:spcAft>
-              <a:buNone/>
-            </a:pPr>
-            <a:endParaRPr/>
-          </a:p>
-        </p:txBody>
-      </p:sp>
-      <p:sp>
-        <p:nvSpPr>
-          <p:cNvPr id="133" name="Google Shape;133;p6:notes"/>
-          <p:cNvSpPr>
-            <a:spLocks noGrp="1" noRot="1" noChangeAspect="1"/>
-          </p:cNvSpPr>
-          <p:nvPr>
-            <p:ph type="sldImg" idx="2"/>
-          </p:nvPr>
-        </p:nvSpPr>
-        <p:spPr>
-          <a:xfrm>
-            <a:off x="1143000" y="685800"/>
-            <a:ext cx="4572000" cy="3429000"/>
-          </a:xfrm>
-          <a:custGeom>
-            <a:avLst/>
-            <a:gdLst/>
-            <a:ahLst/>
-            <a:cxnLst/>
-            <a:rect l="l" t="t" r="r" b="b"/>
-            <a:pathLst>
-              <a:path w="120000" h="120000" extrusionOk="0">
-                <a:moveTo>
-                  <a:pt x="0" y="0"/>
-                </a:moveTo>
-                <a:lnTo>
-                  <a:pt x="120000" y="0"/>
-                </a:lnTo>
-                <a:lnTo>
-                  <a:pt x="120000" y="120000"/>
-                </a:lnTo>
-                <a:lnTo>
-                  <a:pt x="0" y="120000"/>
-                </a:lnTo>
-                <a:close/>
-              </a:path>
-            </a:pathLst>
-          </a:custGeom>
-        </p:spPr>
-      </p:sp>
-    </p:spTree>
-  </p:cSld>
-  <p:clrMapOvr>
-    <a:masterClrMapping/>
-  </p:clrMapOvr>
-</p:notes>
-</file>
-
-<file path=ppt/notesSlides/notesSlide47.xml><?xml version="1.0" encoding="utf-8"?>
-<p:notes xmlns:a="http://schemas.openxmlformats.org/drawingml/2006/main" xmlns:r="http://schemas.openxmlformats.org/officeDocument/2006/relationships" xmlns:p="http://schemas.openxmlformats.org/presentationml/2006/main" showMasterSp="0" showMasterPhAnim="0">
-  <p:cSld>
-    <p:spTree>
-      <p:nvGrpSpPr>
-        <p:cNvPr id="1" name="Shape 131"/>
-        <p:cNvGrpSpPr/>
-        <p:nvPr/>
-      </p:nvGrpSpPr>
-      <p:grpSpPr>
-        <a:xfrm>
-          <a:off x="0" y="0"/>
-          <a:ext cx="0" cy="0"/>
-          <a:chOff x="0" y="0"/>
-          <a:chExt cx="0" cy="0"/>
-        </a:xfrm>
-      </p:grpSpPr>
-      <p:sp>
-        <p:nvSpPr>
-          <p:cNvPr id="132" name="Google Shape;132;p6:notes"/>
-          <p:cNvSpPr txBox="1">
-            <a:spLocks noGrp="1"/>
-          </p:cNvSpPr>
-          <p:nvPr>
-            <p:ph type="body" idx="1"/>
-          </p:nvPr>
-        </p:nvSpPr>
-        <p:spPr>
-          <a:xfrm>
-            <a:off x="685800" y="4343400"/>
-            <a:ext cx="5486400" cy="4114800"/>
-          </a:xfrm>
-          <a:prstGeom prst="rect">
-            <a:avLst/>
-          </a:prstGeom>
-        </p:spPr>
-        <p:txBody>
-          <a:bodyPr spcFirstLastPara="1" wrap="square" lIns="91425" tIns="45700" rIns="91425" bIns="45700" anchor="t" anchorCtr="0">
-            <a:noAutofit/>
-          </a:bodyPr>
-          <a:lstStyle/>
-          <a:p>
-            <a:pPr marL="0" lvl="0" indent="0" algn="l" rtl="0">
-              <a:spcBef>
-                <a:spcPts val="0"/>
-              </a:spcBef>
-              <a:spcAft>
-                <a:spcPts val="0"/>
-              </a:spcAft>
-              <a:buNone/>
-            </a:pPr>
-            <a:endParaRPr/>
-          </a:p>
-        </p:txBody>
-      </p:sp>
-      <p:sp>
-        <p:nvSpPr>
-          <p:cNvPr id="133" name="Google Shape;133;p6:notes"/>
-          <p:cNvSpPr>
-            <a:spLocks noGrp="1" noRot="1" noChangeAspect="1"/>
-          </p:cNvSpPr>
-          <p:nvPr>
-            <p:ph type="sldImg" idx="2"/>
-          </p:nvPr>
-        </p:nvSpPr>
-        <p:spPr>
-          <a:xfrm>
-            <a:off x="1143000" y="685800"/>
-            <a:ext cx="4572000" cy="3429000"/>
-          </a:xfrm>
-          <a:custGeom>
-            <a:avLst/>
-            <a:gdLst/>
-            <a:ahLst/>
-            <a:cxnLst/>
-            <a:rect l="l" t="t" r="r" b="b"/>
-            <a:pathLst>
-              <a:path w="120000" h="120000" extrusionOk="0">
-                <a:moveTo>
-                  <a:pt x="0" y="0"/>
-                </a:moveTo>
-                <a:lnTo>
-                  <a:pt x="120000" y="0"/>
-                </a:lnTo>
-                <a:lnTo>
-                  <a:pt x="120000" y="120000"/>
-                </a:lnTo>
-                <a:lnTo>
-                  <a:pt x="0" y="120000"/>
-                </a:lnTo>
-                <a:close/>
-              </a:path>
-            </a:pathLst>
-          </a:custGeom>
-        </p:spPr>
-      </p:sp>
-    </p:spTree>
-  </p:cSld>
-  <p:clrMapOvr>
-    <a:masterClrMapping/>
-  </p:clrMapOvr>
-</p:notes>
-</file>
-
-<file path=ppt/notesSlides/notesSlide48.xml><?xml version="1.0" encoding="utf-8"?>
-<p:notes xmlns:a="http://schemas.openxmlformats.org/drawingml/2006/main" xmlns:r="http://schemas.openxmlformats.org/officeDocument/2006/relationships" xmlns:p="http://schemas.openxmlformats.org/presentationml/2006/main" showMasterSp="0" showMasterPhAnim="0">
-  <p:cSld>
-    <p:spTree>
-      <p:nvGrpSpPr>
-        <p:cNvPr id="1" name="Shape 131"/>
-        <p:cNvGrpSpPr/>
-        <p:nvPr/>
-      </p:nvGrpSpPr>
-      <p:grpSpPr>
-        <a:xfrm>
-          <a:off x="0" y="0"/>
-          <a:ext cx="0" cy="0"/>
-          <a:chOff x="0" y="0"/>
-          <a:chExt cx="0" cy="0"/>
-        </a:xfrm>
-      </p:grpSpPr>
-      <p:sp>
-        <p:nvSpPr>
-          <p:cNvPr id="132" name="Google Shape;132;p6:notes"/>
-          <p:cNvSpPr txBox="1">
-            <a:spLocks noGrp="1"/>
-          </p:cNvSpPr>
-          <p:nvPr>
-            <p:ph type="body" idx="1"/>
-          </p:nvPr>
-        </p:nvSpPr>
-        <p:spPr>
-          <a:xfrm>
-            <a:off x="685800" y="4343400"/>
-            <a:ext cx="5486400" cy="4114800"/>
-          </a:xfrm>
-          <a:prstGeom prst="rect">
-            <a:avLst/>
-          </a:prstGeom>
-        </p:spPr>
-        <p:txBody>
-          <a:bodyPr spcFirstLastPara="1" wrap="square" lIns="91425" tIns="45700" rIns="91425" bIns="45700" anchor="t" anchorCtr="0">
-            <a:noAutofit/>
-          </a:bodyPr>
-          <a:lstStyle/>
-          <a:p>
-            <a:pPr marL="0" lvl="0" indent="0" algn="l" rtl="0">
-              <a:spcBef>
-                <a:spcPts val="0"/>
-              </a:spcBef>
-              <a:spcAft>
-                <a:spcPts val="0"/>
-              </a:spcAft>
-              <a:buNone/>
-            </a:pPr>
-            <a:endParaRPr/>
-          </a:p>
-        </p:txBody>
-      </p:sp>
-      <p:sp>
-        <p:nvSpPr>
-          <p:cNvPr id="133" name="Google Shape;133;p6:notes"/>
-          <p:cNvSpPr>
-            <a:spLocks noGrp="1" noRot="1" noChangeAspect="1"/>
-          </p:cNvSpPr>
-          <p:nvPr>
-            <p:ph type="sldImg" idx="2"/>
-          </p:nvPr>
-        </p:nvSpPr>
-        <p:spPr>
-          <a:xfrm>
-            <a:off x="1143000" y="685800"/>
-            <a:ext cx="4572000" cy="3429000"/>
-          </a:xfrm>
-          <a:custGeom>
-            <a:avLst/>
-            <a:gdLst/>
-            <a:ahLst/>
-            <a:cxnLst/>
-            <a:rect l="l" t="t" r="r" b="b"/>
-            <a:pathLst>
-              <a:path w="120000" h="120000" extrusionOk="0">
-                <a:moveTo>
-                  <a:pt x="0" y="0"/>
-                </a:moveTo>
-                <a:lnTo>
-                  <a:pt x="120000" y="0"/>
-                </a:lnTo>
-                <a:lnTo>
-                  <a:pt x="120000" y="120000"/>
-                </a:lnTo>
-                <a:lnTo>
-                  <a:pt x="0" y="120000"/>
-                </a:lnTo>
-                <a:close/>
-              </a:path>
-            </a:pathLst>
-          </a:custGeom>
-        </p:spPr>
-      </p:sp>
-    </p:spTree>
-  </p:cSld>
-  <p:clrMapOvr>
-    <a:masterClrMapping/>
-  </p:clrMapOvr>
-</p:notes>
-</file>
-
-<file path=ppt/notesSlides/notesSlide49.xml><?xml version="1.0" encoding="utf-8"?>
-<p:notes xmlns:a="http://schemas.openxmlformats.org/drawingml/2006/main" xmlns:r="http://schemas.openxmlformats.org/officeDocument/2006/relationships" xmlns:p="http://schemas.openxmlformats.org/presentationml/2006/main" showMasterSp="0" showMasterPhAnim="0">
-  <p:cSld>
-    <p:spTree>
-      <p:nvGrpSpPr>
-        <p:cNvPr id="1" name="Shape 131"/>
-        <p:cNvGrpSpPr/>
-        <p:nvPr/>
-      </p:nvGrpSpPr>
-      <p:grpSpPr>
-        <a:xfrm>
-          <a:off x="0" y="0"/>
-          <a:ext cx="0" cy="0"/>
-          <a:chOff x="0" y="0"/>
-          <a:chExt cx="0" cy="0"/>
-        </a:xfrm>
-      </p:grpSpPr>
-      <p:sp>
-        <p:nvSpPr>
-          <p:cNvPr id="132" name="Google Shape;132;p6:notes"/>
-          <p:cNvSpPr txBox="1">
-            <a:spLocks noGrp="1"/>
-          </p:cNvSpPr>
-          <p:nvPr>
-            <p:ph type="body" idx="1"/>
-          </p:nvPr>
-        </p:nvSpPr>
-        <p:spPr>
-          <a:xfrm>
-            <a:off x="685800" y="4343400"/>
-            <a:ext cx="5486400" cy="4114800"/>
-          </a:xfrm>
-          <a:prstGeom prst="rect">
-            <a:avLst/>
-          </a:prstGeom>
-        </p:spPr>
-        <p:txBody>
-          <a:bodyPr spcFirstLastPara="1" wrap="square" lIns="91425" tIns="45700" rIns="91425" bIns="45700" anchor="t" anchorCtr="0">
-            <a:noAutofit/>
-          </a:bodyPr>
-          <a:lstStyle/>
-          <a:p>
-            <a:pPr marL="0" lvl="0" indent="0" algn="l" rtl="0">
-              <a:spcBef>
-                <a:spcPts val="0"/>
-              </a:spcBef>
-              <a:spcAft>
-                <a:spcPts val="0"/>
-              </a:spcAft>
-              <a:buNone/>
-            </a:pPr>
-            <a:endParaRPr/>
-          </a:p>
-        </p:txBody>
-      </p:sp>
-      <p:sp>
-        <p:nvSpPr>
-          <p:cNvPr id="133" name="Google Shape;133;p6:notes"/>
-          <p:cNvSpPr>
-            <a:spLocks noGrp="1" noRot="1" noChangeAspect="1"/>
-          </p:cNvSpPr>
-          <p:nvPr>
-            <p:ph type="sldImg" idx="2"/>
-          </p:nvPr>
-        </p:nvSpPr>
-        <p:spPr>
-          <a:xfrm>
-            <a:off x="1143000" y="685800"/>
-            <a:ext cx="4572000" cy="3429000"/>
+            <a:off x="381000" y="685800"/>
+            <a:ext cx="6096000" cy="3429000"/>
           </a:xfrm>
           <a:custGeom>
             <a:avLst/>
@@ -5174,840 +4011,8 @@
         </p:nvSpPr>
         <p:spPr>
           <a:xfrm>
-            <a:off x="1143000" y="685800"/>
-            <a:ext cx="4572000" cy="3429000"/>
-          </a:xfrm>
-          <a:custGeom>
-            <a:avLst/>
-            <a:gdLst/>
-            <a:ahLst/>
-            <a:cxnLst/>
-            <a:rect l="l" t="t" r="r" b="b"/>
-            <a:pathLst>
-              <a:path w="120000" h="120000" extrusionOk="0">
-                <a:moveTo>
-                  <a:pt x="0" y="0"/>
-                </a:moveTo>
-                <a:lnTo>
-                  <a:pt x="120000" y="0"/>
-                </a:lnTo>
-                <a:lnTo>
-                  <a:pt x="120000" y="120000"/>
-                </a:lnTo>
-                <a:lnTo>
-                  <a:pt x="0" y="120000"/>
-                </a:lnTo>
-                <a:close/>
-              </a:path>
-            </a:pathLst>
-          </a:custGeom>
-        </p:spPr>
-      </p:sp>
-    </p:spTree>
-  </p:cSld>
-  <p:clrMapOvr>
-    <a:masterClrMapping/>
-  </p:clrMapOvr>
-</p:notes>
-</file>
-
-<file path=ppt/notesSlides/notesSlide50.xml><?xml version="1.0" encoding="utf-8"?>
-<p:notes xmlns:a="http://schemas.openxmlformats.org/drawingml/2006/main" xmlns:r="http://schemas.openxmlformats.org/officeDocument/2006/relationships" xmlns:p="http://schemas.openxmlformats.org/presentationml/2006/main" showMasterSp="0" showMasterPhAnim="0">
-  <p:cSld>
-    <p:spTree>
-      <p:nvGrpSpPr>
-        <p:cNvPr id="1" name="Shape 131"/>
-        <p:cNvGrpSpPr/>
-        <p:nvPr/>
-      </p:nvGrpSpPr>
-      <p:grpSpPr>
-        <a:xfrm>
-          <a:off x="0" y="0"/>
-          <a:ext cx="0" cy="0"/>
-          <a:chOff x="0" y="0"/>
-          <a:chExt cx="0" cy="0"/>
-        </a:xfrm>
-      </p:grpSpPr>
-      <p:sp>
-        <p:nvSpPr>
-          <p:cNvPr id="132" name="Google Shape;132;p6:notes"/>
-          <p:cNvSpPr txBox="1">
-            <a:spLocks noGrp="1"/>
-          </p:cNvSpPr>
-          <p:nvPr>
-            <p:ph type="body" idx="1"/>
-          </p:nvPr>
-        </p:nvSpPr>
-        <p:spPr>
-          <a:xfrm>
-            <a:off x="685800" y="4343400"/>
-            <a:ext cx="5486400" cy="4114800"/>
-          </a:xfrm>
-          <a:prstGeom prst="rect">
-            <a:avLst/>
-          </a:prstGeom>
-        </p:spPr>
-        <p:txBody>
-          <a:bodyPr spcFirstLastPara="1" wrap="square" lIns="91425" tIns="45700" rIns="91425" bIns="45700" anchor="t" anchorCtr="0">
-            <a:noAutofit/>
-          </a:bodyPr>
-          <a:lstStyle/>
-          <a:p>
-            <a:pPr marL="0" lvl="0" indent="0" algn="l" rtl="0">
-              <a:spcBef>
-                <a:spcPts val="0"/>
-              </a:spcBef>
-              <a:spcAft>
-                <a:spcPts val="0"/>
-              </a:spcAft>
-              <a:buNone/>
-            </a:pPr>
-            <a:endParaRPr/>
-          </a:p>
-        </p:txBody>
-      </p:sp>
-      <p:sp>
-        <p:nvSpPr>
-          <p:cNvPr id="133" name="Google Shape;133;p6:notes"/>
-          <p:cNvSpPr>
-            <a:spLocks noGrp="1" noRot="1" noChangeAspect="1"/>
-          </p:cNvSpPr>
-          <p:nvPr>
-            <p:ph type="sldImg" idx="2"/>
-          </p:nvPr>
-        </p:nvSpPr>
-        <p:spPr>
-          <a:xfrm>
-            <a:off x="1143000" y="685800"/>
-            <a:ext cx="4572000" cy="3429000"/>
-          </a:xfrm>
-          <a:custGeom>
-            <a:avLst/>
-            <a:gdLst/>
-            <a:ahLst/>
-            <a:cxnLst/>
-            <a:rect l="l" t="t" r="r" b="b"/>
-            <a:pathLst>
-              <a:path w="120000" h="120000" extrusionOk="0">
-                <a:moveTo>
-                  <a:pt x="0" y="0"/>
-                </a:moveTo>
-                <a:lnTo>
-                  <a:pt x="120000" y="0"/>
-                </a:lnTo>
-                <a:lnTo>
-                  <a:pt x="120000" y="120000"/>
-                </a:lnTo>
-                <a:lnTo>
-                  <a:pt x="0" y="120000"/>
-                </a:lnTo>
-                <a:close/>
-              </a:path>
-            </a:pathLst>
-          </a:custGeom>
-        </p:spPr>
-      </p:sp>
-    </p:spTree>
-  </p:cSld>
-  <p:clrMapOvr>
-    <a:masterClrMapping/>
-  </p:clrMapOvr>
-</p:notes>
-</file>
-
-<file path=ppt/notesSlides/notesSlide51.xml><?xml version="1.0" encoding="utf-8"?>
-<p:notes xmlns:a="http://schemas.openxmlformats.org/drawingml/2006/main" xmlns:r="http://schemas.openxmlformats.org/officeDocument/2006/relationships" xmlns:p="http://schemas.openxmlformats.org/presentationml/2006/main" showMasterSp="0" showMasterPhAnim="0">
-  <p:cSld>
-    <p:spTree>
-      <p:nvGrpSpPr>
-        <p:cNvPr id="1" name="Shape 131"/>
-        <p:cNvGrpSpPr/>
-        <p:nvPr/>
-      </p:nvGrpSpPr>
-      <p:grpSpPr>
-        <a:xfrm>
-          <a:off x="0" y="0"/>
-          <a:ext cx="0" cy="0"/>
-          <a:chOff x="0" y="0"/>
-          <a:chExt cx="0" cy="0"/>
-        </a:xfrm>
-      </p:grpSpPr>
-      <p:sp>
-        <p:nvSpPr>
-          <p:cNvPr id="132" name="Google Shape;132;p6:notes"/>
-          <p:cNvSpPr txBox="1">
-            <a:spLocks noGrp="1"/>
-          </p:cNvSpPr>
-          <p:nvPr>
-            <p:ph type="body" idx="1"/>
-          </p:nvPr>
-        </p:nvSpPr>
-        <p:spPr>
-          <a:xfrm>
-            <a:off x="685800" y="4343400"/>
-            <a:ext cx="5486400" cy="4114800"/>
-          </a:xfrm>
-          <a:prstGeom prst="rect">
-            <a:avLst/>
-          </a:prstGeom>
-        </p:spPr>
-        <p:txBody>
-          <a:bodyPr spcFirstLastPara="1" wrap="square" lIns="91425" tIns="45700" rIns="91425" bIns="45700" anchor="t" anchorCtr="0">
-            <a:noAutofit/>
-          </a:bodyPr>
-          <a:lstStyle/>
-          <a:p>
-            <a:pPr marL="0" lvl="0" indent="0" algn="l" rtl="0">
-              <a:spcBef>
-                <a:spcPts val="0"/>
-              </a:spcBef>
-              <a:spcAft>
-                <a:spcPts val="0"/>
-              </a:spcAft>
-              <a:buNone/>
-            </a:pPr>
-            <a:endParaRPr/>
-          </a:p>
-        </p:txBody>
-      </p:sp>
-      <p:sp>
-        <p:nvSpPr>
-          <p:cNvPr id="133" name="Google Shape;133;p6:notes"/>
-          <p:cNvSpPr>
-            <a:spLocks noGrp="1" noRot="1" noChangeAspect="1"/>
-          </p:cNvSpPr>
-          <p:nvPr>
-            <p:ph type="sldImg" idx="2"/>
-          </p:nvPr>
-        </p:nvSpPr>
-        <p:spPr>
-          <a:xfrm>
-            <a:off x="1143000" y="685800"/>
-            <a:ext cx="4572000" cy="3429000"/>
-          </a:xfrm>
-          <a:custGeom>
-            <a:avLst/>
-            <a:gdLst/>
-            <a:ahLst/>
-            <a:cxnLst/>
-            <a:rect l="l" t="t" r="r" b="b"/>
-            <a:pathLst>
-              <a:path w="120000" h="120000" extrusionOk="0">
-                <a:moveTo>
-                  <a:pt x="0" y="0"/>
-                </a:moveTo>
-                <a:lnTo>
-                  <a:pt x="120000" y="0"/>
-                </a:lnTo>
-                <a:lnTo>
-                  <a:pt x="120000" y="120000"/>
-                </a:lnTo>
-                <a:lnTo>
-                  <a:pt x="0" y="120000"/>
-                </a:lnTo>
-                <a:close/>
-              </a:path>
-            </a:pathLst>
-          </a:custGeom>
-        </p:spPr>
-      </p:sp>
-    </p:spTree>
-  </p:cSld>
-  <p:clrMapOvr>
-    <a:masterClrMapping/>
-  </p:clrMapOvr>
-</p:notes>
-</file>
-
-<file path=ppt/notesSlides/notesSlide52.xml><?xml version="1.0" encoding="utf-8"?>
-<p:notes xmlns:a="http://schemas.openxmlformats.org/drawingml/2006/main" xmlns:r="http://schemas.openxmlformats.org/officeDocument/2006/relationships" xmlns:p="http://schemas.openxmlformats.org/presentationml/2006/main" showMasterSp="0" showMasterPhAnim="0">
-  <p:cSld>
-    <p:spTree>
-      <p:nvGrpSpPr>
-        <p:cNvPr id="1" name="Shape 131"/>
-        <p:cNvGrpSpPr/>
-        <p:nvPr/>
-      </p:nvGrpSpPr>
-      <p:grpSpPr>
-        <a:xfrm>
-          <a:off x="0" y="0"/>
-          <a:ext cx="0" cy="0"/>
-          <a:chOff x="0" y="0"/>
-          <a:chExt cx="0" cy="0"/>
-        </a:xfrm>
-      </p:grpSpPr>
-      <p:sp>
-        <p:nvSpPr>
-          <p:cNvPr id="132" name="Google Shape;132;p6:notes"/>
-          <p:cNvSpPr txBox="1">
-            <a:spLocks noGrp="1"/>
-          </p:cNvSpPr>
-          <p:nvPr>
-            <p:ph type="body" idx="1"/>
-          </p:nvPr>
-        </p:nvSpPr>
-        <p:spPr>
-          <a:xfrm>
-            <a:off x="685800" y="4343400"/>
-            <a:ext cx="5486400" cy="4114800"/>
-          </a:xfrm>
-          <a:prstGeom prst="rect">
-            <a:avLst/>
-          </a:prstGeom>
-        </p:spPr>
-        <p:txBody>
-          <a:bodyPr spcFirstLastPara="1" wrap="square" lIns="91425" tIns="45700" rIns="91425" bIns="45700" anchor="t" anchorCtr="0">
-            <a:noAutofit/>
-          </a:bodyPr>
-          <a:lstStyle/>
-          <a:p>
-            <a:pPr marL="0" lvl="0" indent="0" algn="l" rtl="0">
-              <a:spcBef>
-                <a:spcPts val="0"/>
-              </a:spcBef>
-              <a:spcAft>
-                <a:spcPts val="0"/>
-              </a:spcAft>
-              <a:buNone/>
-            </a:pPr>
-            <a:endParaRPr/>
-          </a:p>
-        </p:txBody>
-      </p:sp>
-      <p:sp>
-        <p:nvSpPr>
-          <p:cNvPr id="133" name="Google Shape;133;p6:notes"/>
-          <p:cNvSpPr>
-            <a:spLocks noGrp="1" noRot="1" noChangeAspect="1"/>
-          </p:cNvSpPr>
-          <p:nvPr>
-            <p:ph type="sldImg" idx="2"/>
-          </p:nvPr>
-        </p:nvSpPr>
-        <p:spPr>
-          <a:xfrm>
-            <a:off x="1143000" y="685800"/>
-            <a:ext cx="4572000" cy="3429000"/>
-          </a:xfrm>
-          <a:custGeom>
-            <a:avLst/>
-            <a:gdLst/>
-            <a:ahLst/>
-            <a:cxnLst/>
-            <a:rect l="l" t="t" r="r" b="b"/>
-            <a:pathLst>
-              <a:path w="120000" h="120000" extrusionOk="0">
-                <a:moveTo>
-                  <a:pt x="0" y="0"/>
-                </a:moveTo>
-                <a:lnTo>
-                  <a:pt x="120000" y="0"/>
-                </a:lnTo>
-                <a:lnTo>
-                  <a:pt x="120000" y="120000"/>
-                </a:lnTo>
-                <a:lnTo>
-                  <a:pt x="0" y="120000"/>
-                </a:lnTo>
-                <a:close/>
-              </a:path>
-            </a:pathLst>
-          </a:custGeom>
-        </p:spPr>
-      </p:sp>
-    </p:spTree>
-  </p:cSld>
-  <p:clrMapOvr>
-    <a:masterClrMapping/>
-  </p:clrMapOvr>
-</p:notes>
-</file>
-
-<file path=ppt/notesSlides/notesSlide53.xml><?xml version="1.0" encoding="utf-8"?>
-<p:notes xmlns:a="http://schemas.openxmlformats.org/drawingml/2006/main" xmlns:r="http://schemas.openxmlformats.org/officeDocument/2006/relationships" xmlns:p="http://schemas.openxmlformats.org/presentationml/2006/main" showMasterSp="0" showMasterPhAnim="0">
-  <p:cSld>
-    <p:spTree>
-      <p:nvGrpSpPr>
-        <p:cNvPr id="1" name="Shape 131"/>
-        <p:cNvGrpSpPr/>
-        <p:nvPr/>
-      </p:nvGrpSpPr>
-      <p:grpSpPr>
-        <a:xfrm>
-          <a:off x="0" y="0"/>
-          <a:ext cx="0" cy="0"/>
-          <a:chOff x="0" y="0"/>
-          <a:chExt cx="0" cy="0"/>
-        </a:xfrm>
-      </p:grpSpPr>
-      <p:sp>
-        <p:nvSpPr>
-          <p:cNvPr id="132" name="Google Shape;132;p6:notes"/>
-          <p:cNvSpPr txBox="1">
-            <a:spLocks noGrp="1"/>
-          </p:cNvSpPr>
-          <p:nvPr>
-            <p:ph type="body" idx="1"/>
-          </p:nvPr>
-        </p:nvSpPr>
-        <p:spPr>
-          <a:xfrm>
-            <a:off x="685800" y="4343400"/>
-            <a:ext cx="5486400" cy="4114800"/>
-          </a:xfrm>
-          <a:prstGeom prst="rect">
-            <a:avLst/>
-          </a:prstGeom>
-        </p:spPr>
-        <p:txBody>
-          <a:bodyPr spcFirstLastPara="1" wrap="square" lIns="91425" tIns="45700" rIns="91425" bIns="45700" anchor="t" anchorCtr="0">
-            <a:noAutofit/>
-          </a:bodyPr>
-          <a:lstStyle/>
-          <a:p>
-            <a:pPr marL="0" lvl="0" indent="0" algn="l" rtl="0">
-              <a:spcBef>
-                <a:spcPts val="0"/>
-              </a:spcBef>
-              <a:spcAft>
-                <a:spcPts val="0"/>
-              </a:spcAft>
-              <a:buNone/>
-            </a:pPr>
-            <a:endParaRPr/>
-          </a:p>
-        </p:txBody>
-      </p:sp>
-      <p:sp>
-        <p:nvSpPr>
-          <p:cNvPr id="133" name="Google Shape;133;p6:notes"/>
-          <p:cNvSpPr>
-            <a:spLocks noGrp="1" noRot="1" noChangeAspect="1"/>
-          </p:cNvSpPr>
-          <p:nvPr>
-            <p:ph type="sldImg" idx="2"/>
-          </p:nvPr>
-        </p:nvSpPr>
-        <p:spPr>
-          <a:xfrm>
-            <a:off x="1143000" y="685800"/>
-            <a:ext cx="4572000" cy="3429000"/>
-          </a:xfrm>
-          <a:custGeom>
-            <a:avLst/>
-            <a:gdLst/>
-            <a:ahLst/>
-            <a:cxnLst/>
-            <a:rect l="l" t="t" r="r" b="b"/>
-            <a:pathLst>
-              <a:path w="120000" h="120000" extrusionOk="0">
-                <a:moveTo>
-                  <a:pt x="0" y="0"/>
-                </a:moveTo>
-                <a:lnTo>
-                  <a:pt x="120000" y="0"/>
-                </a:lnTo>
-                <a:lnTo>
-                  <a:pt x="120000" y="120000"/>
-                </a:lnTo>
-                <a:lnTo>
-                  <a:pt x="0" y="120000"/>
-                </a:lnTo>
-                <a:close/>
-              </a:path>
-            </a:pathLst>
-          </a:custGeom>
-        </p:spPr>
-      </p:sp>
-    </p:spTree>
-  </p:cSld>
-  <p:clrMapOvr>
-    <a:masterClrMapping/>
-  </p:clrMapOvr>
-</p:notes>
-</file>
-
-<file path=ppt/notesSlides/notesSlide54.xml><?xml version="1.0" encoding="utf-8"?>
-<p:notes xmlns:a="http://schemas.openxmlformats.org/drawingml/2006/main" xmlns:r="http://schemas.openxmlformats.org/officeDocument/2006/relationships" xmlns:p="http://schemas.openxmlformats.org/presentationml/2006/main" showMasterSp="0" showMasterPhAnim="0">
-  <p:cSld>
-    <p:spTree>
-      <p:nvGrpSpPr>
-        <p:cNvPr id="1" name="Shape 131"/>
-        <p:cNvGrpSpPr/>
-        <p:nvPr/>
-      </p:nvGrpSpPr>
-      <p:grpSpPr>
-        <a:xfrm>
-          <a:off x="0" y="0"/>
-          <a:ext cx="0" cy="0"/>
-          <a:chOff x="0" y="0"/>
-          <a:chExt cx="0" cy="0"/>
-        </a:xfrm>
-      </p:grpSpPr>
-      <p:sp>
-        <p:nvSpPr>
-          <p:cNvPr id="132" name="Google Shape;132;p6:notes"/>
-          <p:cNvSpPr txBox="1">
-            <a:spLocks noGrp="1"/>
-          </p:cNvSpPr>
-          <p:nvPr>
-            <p:ph type="body" idx="1"/>
-          </p:nvPr>
-        </p:nvSpPr>
-        <p:spPr>
-          <a:xfrm>
-            <a:off x="685800" y="4343400"/>
-            <a:ext cx="5486400" cy="4114800"/>
-          </a:xfrm>
-          <a:prstGeom prst="rect">
-            <a:avLst/>
-          </a:prstGeom>
-        </p:spPr>
-        <p:txBody>
-          <a:bodyPr spcFirstLastPara="1" wrap="square" lIns="91425" tIns="45700" rIns="91425" bIns="45700" anchor="t" anchorCtr="0">
-            <a:noAutofit/>
-          </a:bodyPr>
-          <a:lstStyle/>
-          <a:p>
-            <a:pPr marL="0" lvl="0" indent="0" algn="l" rtl="0">
-              <a:spcBef>
-                <a:spcPts val="0"/>
-              </a:spcBef>
-              <a:spcAft>
-                <a:spcPts val="0"/>
-              </a:spcAft>
-              <a:buNone/>
-            </a:pPr>
-            <a:endParaRPr/>
-          </a:p>
-        </p:txBody>
-      </p:sp>
-      <p:sp>
-        <p:nvSpPr>
-          <p:cNvPr id="133" name="Google Shape;133;p6:notes"/>
-          <p:cNvSpPr>
-            <a:spLocks noGrp="1" noRot="1" noChangeAspect="1"/>
-          </p:cNvSpPr>
-          <p:nvPr>
-            <p:ph type="sldImg" idx="2"/>
-          </p:nvPr>
-        </p:nvSpPr>
-        <p:spPr>
-          <a:xfrm>
-            <a:off x="1143000" y="685800"/>
-            <a:ext cx="4572000" cy="3429000"/>
-          </a:xfrm>
-          <a:custGeom>
-            <a:avLst/>
-            <a:gdLst/>
-            <a:ahLst/>
-            <a:cxnLst/>
-            <a:rect l="l" t="t" r="r" b="b"/>
-            <a:pathLst>
-              <a:path w="120000" h="120000" extrusionOk="0">
-                <a:moveTo>
-                  <a:pt x="0" y="0"/>
-                </a:moveTo>
-                <a:lnTo>
-                  <a:pt x="120000" y="0"/>
-                </a:lnTo>
-                <a:lnTo>
-                  <a:pt x="120000" y="120000"/>
-                </a:lnTo>
-                <a:lnTo>
-                  <a:pt x="0" y="120000"/>
-                </a:lnTo>
-                <a:close/>
-              </a:path>
-            </a:pathLst>
-          </a:custGeom>
-        </p:spPr>
-      </p:sp>
-    </p:spTree>
-  </p:cSld>
-  <p:clrMapOvr>
-    <a:masterClrMapping/>
-  </p:clrMapOvr>
-</p:notes>
-</file>
-
-<file path=ppt/notesSlides/notesSlide55.xml><?xml version="1.0" encoding="utf-8"?>
-<p:notes xmlns:a="http://schemas.openxmlformats.org/drawingml/2006/main" xmlns:r="http://schemas.openxmlformats.org/officeDocument/2006/relationships" xmlns:p="http://schemas.openxmlformats.org/presentationml/2006/main" showMasterSp="0" showMasterPhAnim="0">
-  <p:cSld>
-    <p:spTree>
-      <p:nvGrpSpPr>
-        <p:cNvPr id="1" name="Shape 131"/>
-        <p:cNvGrpSpPr/>
-        <p:nvPr/>
-      </p:nvGrpSpPr>
-      <p:grpSpPr>
-        <a:xfrm>
-          <a:off x="0" y="0"/>
-          <a:ext cx="0" cy="0"/>
-          <a:chOff x="0" y="0"/>
-          <a:chExt cx="0" cy="0"/>
-        </a:xfrm>
-      </p:grpSpPr>
-      <p:sp>
-        <p:nvSpPr>
-          <p:cNvPr id="132" name="Google Shape;132;p6:notes"/>
-          <p:cNvSpPr txBox="1">
-            <a:spLocks noGrp="1"/>
-          </p:cNvSpPr>
-          <p:nvPr>
-            <p:ph type="body" idx="1"/>
-          </p:nvPr>
-        </p:nvSpPr>
-        <p:spPr>
-          <a:xfrm>
-            <a:off x="685800" y="4343400"/>
-            <a:ext cx="5486400" cy="4114800"/>
-          </a:xfrm>
-          <a:prstGeom prst="rect">
-            <a:avLst/>
-          </a:prstGeom>
-        </p:spPr>
-        <p:txBody>
-          <a:bodyPr spcFirstLastPara="1" wrap="square" lIns="91425" tIns="45700" rIns="91425" bIns="45700" anchor="t" anchorCtr="0">
-            <a:noAutofit/>
-          </a:bodyPr>
-          <a:lstStyle/>
-          <a:p>
-            <a:pPr marL="0" lvl="0" indent="0" algn="l" rtl="0">
-              <a:spcBef>
-                <a:spcPts val="0"/>
-              </a:spcBef>
-              <a:spcAft>
-                <a:spcPts val="0"/>
-              </a:spcAft>
-              <a:buNone/>
-            </a:pPr>
-            <a:endParaRPr/>
-          </a:p>
-        </p:txBody>
-      </p:sp>
-      <p:sp>
-        <p:nvSpPr>
-          <p:cNvPr id="133" name="Google Shape;133;p6:notes"/>
-          <p:cNvSpPr>
-            <a:spLocks noGrp="1" noRot="1" noChangeAspect="1"/>
-          </p:cNvSpPr>
-          <p:nvPr>
-            <p:ph type="sldImg" idx="2"/>
-          </p:nvPr>
-        </p:nvSpPr>
-        <p:spPr>
-          <a:xfrm>
-            <a:off x="1143000" y="685800"/>
-            <a:ext cx="4572000" cy="3429000"/>
-          </a:xfrm>
-          <a:custGeom>
-            <a:avLst/>
-            <a:gdLst/>
-            <a:ahLst/>
-            <a:cxnLst/>
-            <a:rect l="l" t="t" r="r" b="b"/>
-            <a:pathLst>
-              <a:path w="120000" h="120000" extrusionOk="0">
-                <a:moveTo>
-                  <a:pt x="0" y="0"/>
-                </a:moveTo>
-                <a:lnTo>
-                  <a:pt x="120000" y="0"/>
-                </a:lnTo>
-                <a:lnTo>
-                  <a:pt x="120000" y="120000"/>
-                </a:lnTo>
-                <a:lnTo>
-                  <a:pt x="0" y="120000"/>
-                </a:lnTo>
-                <a:close/>
-              </a:path>
-            </a:pathLst>
-          </a:custGeom>
-        </p:spPr>
-      </p:sp>
-    </p:spTree>
-  </p:cSld>
-  <p:clrMapOvr>
-    <a:masterClrMapping/>
-  </p:clrMapOvr>
-</p:notes>
-</file>
-
-<file path=ppt/notesSlides/notesSlide56.xml><?xml version="1.0" encoding="utf-8"?>
-<p:notes xmlns:a="http://schemas.openxmlformats.org/drawingml/2006/main" xmlns:r="http://schemas.openxmlformats.org/officeDocument/2006/relationships" xmlns:p="http://schemas.openxmlformats.org/presentationml/2006/main" showMasterSp="0" showMasterPhAnim="0">
-  <p:cSld>
-    <p:spTree>
-      <p:nvGrpSpPr>
-        <p:cNvPr id="1" name="Shape 131"/>
-        <p:cNvGrpSpPr/>
-        <p:nvPr/>
-      </p:nvGrpSpPr>
-      <p:grpSpPr>
-        <a:xfrm>
-          <a:off x="0" y="0"/>
-          <a:ext cx="0" cy="0"/>
-          <a:chOff x="0" y="0"/>
-          <a:chExt cx="0" cy="0"/>
-        </a:xfrm>
-      </p:grpSpPr>
-      <p:sp>
-        <p:nvSpPr>
-          <p:cNvPr id="132" name="Google Shape;132;p6:notes"/>
-          <p:cNvSpPr txBox="1">
-            <a:spLocks noGrp="1"/>
-          </p:cNvSpPr>
-          <p:nvPr>
-            <p:ph type="body" idx="1"/>
-          </p:nvPr>
-        </p:nvSpPr>
-        <p:spPr>
-          <a:xfrm>
-            <a:off x="685800" y="4343400"/>
-            <a:ext cx="5486400" cy="4114800"/>
-          </a:xfrm>
-          <a:prstGeom prst="rect">
-            <a:avLst/>
-          </a:prstGeom>
-        </p:spPr>
-        <p:txBody>
-          <a:bodyPr spcFirstLastPara="1" wrap="square" lIns="91425" tIns="45700" rIns="91425" bIns="45700" anchor="t" anchorCtr="0">
-            <a:noAutofit/>
-          </a:bodyPr>
-          <a:lstStyle/>
-          <a:p>
-            <a:pPr marL="0" lvl="0" indent="0" algn="l" rtl="0">
-              <a:spcBef>
-                <a:spcPts val="0"/>
-              </a:spcBef>
-              <a:spcAft>
-                <a:spcPts val="0"/>
-              </a:spcAft>
-              <a:buNone/>
-            </a:pPr>
-            <a:endParaRPr/>
-          </a:p>
-        </p:txBody>
-      </p:sp>
-      <p:sp>
-        <p:nvSpPr>
-          <p:cNvPr id="133" name="Google Shape;133;p6:notes"/>
-          <p:cNvSpPr>
-            <a:spLocks noGrp="1" noRot="1" noChangeAspect="1"/>
-          </p:cNvSpPr>
-          <p:nvPr>
-            <p:ph type="sldImg" idx="2"/>
-          </p:nvPr>
-        </p:nvSpPr>
-        <p:spPr>
-          <a:xfrm>
-            <a:off x="1143000" y="685800"/>
-            <a:ext cx="4572000" cy="3429000"/>
-          </a:xfrm>
-          <a:custGeom>
-            <a:avLst/>
-            <a:gdLst/>
-            <a:ahLst/>
-            <a:cxnLst/>
-            <a:rect l="l" t="t" r="r" b="b"/>
-            <a:pathLst>
-              <a:path w="120000" h="120000" extrusionOk="0">
-                <a:moveTo>
-                  <a:pt x="0" y="0"/>
-                </a:moveTo>
-                <a:lnTo>
-                  <a:pt x="120000" y="0"/>
-                </a:lnTo>
-                <a:lnTo>
-                  <a:pt x="120000" y="120000"/>
-                </a:lnTo>
-                <a:lnTo>
-                  <a:pt x="0" y="120000"/>
-                </a:lnTo>
-                <a:close/>
-              </a:path>
-            </a:pathLst>
-          </a:custGeom>
-        </p:spPr>
-      </p:sp>
-    </p:spTree>
-  </p:cSld>
-  <p:clrMapOvr>
-    <a:masterClrMapping/>
-  </p:clrMapOvr>
-</p:notes>
-</file>
-
-<file path=ppt/notesSlides/notesSlide57.xml><?xml version="1.0" encoding="utf-8"?>
-<p:notes xmlns:a="http://schemas.openxmlformats.org/drawingml/2006/main" xmlns:r="http://schemas.openxmlformats.org/officeDocument/2006/relationships" xmlns:p="http://schemas.openxmlformats.org/presentationml/2006/main" showMasterSp="0" showMasterPhAnim="0">
-  <p:cSld>
-    <p:spTree>
-      <p:nvGrpSpPr>
-        <p:cNvPr id="1" name="Shape 131"/>
-        <p:cNvGrpSpPr/>
-        <p:nvPr/>
-      </p:nvGrpSpPr>
-      <p:grpSpPr>
-        <a:xfrm>
-          <a:off x="0" y="0"/>
-          <a:ext cx="0" cy="0"/>
-          <a:chOff x="0" y="0"/>
-          <a:chExt cx="0" cy="0"/>
-        </a:xfrm>
-      </p:grpSpPr>
-      <p:sp>
-        <p:nvSpPr>
-          <p:cNvPr id="132" name="Google Shape;132;p6:notes"/>
-          <p:cNvSpPr txBox="1">
-            <a:spLocks noGrp="1"/>
-          </p:cNvSpPr>
-          <p:nvPr>
-            <p:ph type="body" idx="1"/>
-          </p:nvPr>
-        </p:nvSpPr>
-        <p:spPr>
-          <a:xfrm>
-            <a:off x="685800" y="4343400"/>
-            <a:ext cx="5486400" cy="4114800"/>
-          </a:xfrm>
-          <a:prstGeom prst="rect">
-            <a:avLst/>
-          </a:prstGeom>
-        </p:spPr>
-        <p:txBody>
-          <a:bodyPr spcFirstLastPara="1" wrap="square" lIns="91425" tIns="45700" rIns="91425" bIns="45700" anchor="t" anchorCtr="0">
-            <a:noAutofit/>
-          </a:bodyPr>
-          <a:lstStyle/>
-          <a:p>
-            <a:pPr marL="0" lvl="0" indent="0" algn="l" rtl="0">
-              <a:spcBef>
-                <a:spcPts val="0"/>
-              </a:spcBef>
-              <a:spcAft>
-                <a:spcPts val="0"/>
-              </a:spcAft>
-              <a:buNone/>
-            </a:pPr>
-            <a:endParaRPr/>
-          </a:p>
-        </p:txBody>
-      </p:sp>
-      <p:sp>
-        <p:nvSpPr>
-          <p:cNvPr id="133" name="Google Shape;133;p6:notes"/>
-          <p:cNvSpPr>
-            <a:spLocks noGrp="1" noRot="1" noChangeAspect="1"/>
-          </p:cNvSpPr>
-          <p:nvPr>
-            <p:ph type="sldImg" idx="2"/>
-          </p:nvPr>
-        </p:nvSpPr>
-        <p:spPr>
-          <a:xfrm>
-            <a:off x="1143000" y="685800"/>
-            <a:ext cx="4572000" cy="3429000"/>
+            <a:off x="381000" y="685800"/>
+            <a:ext cx="6096000" cy="3429000"/>
           </a:xfrm>
           <a:custGeom>
             <a:avLst/>
@@ -6110,8 +4115,8 @@
         </p:nvSpPr>
         <p:spPr>
           <a:xfrm>
-            <a:off x="1143000" y="685800"/>
-            <a:ext cx="4572000" cy="3429000"/>
+            <a:off x="381000" y="685800"/>
+            <a:ext cx="6096000" cy="3429000"/>
           </a:xfrm>
           <a:custGeom>
             <a:avLst/>
@@ -6214,8 +4219,8 @@
         </p:nvSpPr>
         <p:spPr>
           <a:xfrm>
-            <a:off x="1143000" y="685800"/>
-            <a:ext cx="4572000" cy="3429000"/>
+            <a:off x="381000" y="685800"/>
+            <a:ext cx="6096000" cy="3429000"/>
           </a:xfrm>
           <a:custGeom>
             <a:avLst/>
@@ -6318,8 +4323,8 @@
         </p:nvSpPr>
         <p:spPr>
           <a:xfrm>
-            <a:off x="1143000" y="685800"/>
-            <a:ext cx="4572000" cy="3429000"/>
+            <a:off x="381000" y="685800"/>
+            <a:ext cx="6096000" cy="3429000"/>
           </a:xfrm>
           <a:custGeom>
             <a:avLst/>
@@ -6422,8 +4427,8 @@
         </p:nvSpPr>
         <p:spPr>
           <a:xfrm>
-            <a:off x="1143000" y="685800"/>
-            <a:ext cx="4572000" cy="3429000"/>
+            <a:off x="381000" y="685800"/>
+            <a:ext cx="6096000" cy="3429000"/>
           </a:xfrm>
           <a:custGeom>
             <a:avLst/>
@@ -6488,8 +4493,8 @@
         </p:nvSpPr>
         <p:spPr>
           <a:xfrm>
-            <a:off x="685800" y="2130425"/>
-            <a:ext cx="7772400" cy="1470025"/>
+            <a:off x="914400" y="2130426"/>
+            <a:ext cx="10363200" cy="1470025"/>
           </a:xfrm>
         </p:spPr>
         <p:txBody>
@@ -6515,8 +4520,8 @@
         </p:nvSpPr>
         <p:spPr>
           <a:xfrm>
-            <a:off x="1371600" y="3886200"/>
-            <a:ext cx="6400800" cy="1752600"/>
+            <a:off x="1828800" y="3886200"/>
+            <a:ext cx="8534400" cy="1752600"/>
           </a:xfrm>
         </p:spPr>
         <p:txBody>
@@ -6638,7 +4643,7 @@
           <a:p>
             <a:fld id="{12C6147B-1F04-4B19-8CFB-D5B3CDEFC8C6}" type="datetimeFigureOut">
               <a:rPr lang="en-US" smtClean="0"/>
-              <a:t>10/9/2021</a:t>
+              <a:t>11/28/2023</a:t>
             </a:fld>
             <a:endParaRPr lang="en-US"/>
           </a:p>
@@ -6806,7 +4811,7 @@
           <a:p>
             <a:fld id="{12C6147B-1F04-4B19-8CFB-D5B3CDEFC8C6}" type="datetimeFigureOut">
               <a:rPr lang="en-US" smtClean="0"/>
-              <a:t>10/9/2021</a:t>
+              <a:t>11/28/2023</a:t>
             </a:fld>
             <a:endParaRPr lang="en-US"/>
           </a:p>
@@ -6896,8 +4901,8 @@
         </p:nvSpPr>
         <p:spPr>
           <a:xfrm>
-            <a:off x="6629400" y="274638"/>
-            <a:ext cx="2057400" cy="5851525"/>
+            <a:off x="8839200" y="274639"/>
+            <a:ext cx="2743200" cy="5851525"/>
           </a:xfrm>
         </p:spPr>
         <p:txBody>
@@ -6923,8 +4928,8 @@
         </p:nvSpPr>
         <p:spPr>
           <a:xfrm>
-            <a:off x="457200" y="274638"/>
-            <a:ext cx="6019800" cy="5851525"/>
+            <a:off x="609600" y="274639"/>
+            <a:ext cx="8026400" cy="5851525"/>
           </a:xfrm>
         </p:spPr>
         <p:txBody>
@@ -6984,7 +4989,7 @@
           <a:p>
             <a:fld id="{12C6147B-1F04-4B19-8CFB-D5B3CDEFC8C6}" type="datetimeFigureOut">
               <a:rPr lang="en-US" smtClean="0"/>
-              <a:t>10/9/2021</a:t>
+              <a:t>11/28/2023</a:t>
             </a:fld>
             <a:endParaRPr lang="en-US"/>
           </a:p>
@@ -7152,7 +5157,7 @@
           <a:p>
             <a:fld id="{12C6147B-1F04-4B19-8CFB-D5B3CDEFC8C6}" type="datetimeFigureOut">
               <a:rPr lang="en-US" smtClean="0"/>
-              <a:t>10/9/2021</a:t>
+              <a:t>11/28/2023</a:t>
             </a:fld>
             <a:endParaRPr lang="en-US"/>
           </a:p>
@@ -7242,8 +5247,8 @@
         </p:nvSpPr>
         <p:spPr>
           <a:xfrm>
-            <a:off x="722313" y="4406900"/>
-            <a:ext cx="7772400" cy="1362075"/>
+            <a:off x="963084" y="4406901"/>
+            <a:ext cx="10363200" cy="1362075"/>
           </a:xfrm>
         </p:spPr>
         <p:txBody>
@@ -7273,8 +5278,8 @@
         </p:nvSpPr>
         <p:spPr>
           <a:xfrm>
-            <a:off x="722313" y="2906713"/>
-            <a:ext cx="7772400" cy="1500187"/>
+            <a:off x="963084" y="2906713"/>
+            <a:ext cx="10363200" cy="1500187"/>
           </a:xfrm>
         </p:spPr>
         <p:txBody>
@@ -7397,7 +5402,7 @@
           <a:p>
             <a:fld id="{12C6147B-1F04-4B19-8CFB-D5B3CDEFC8C6}" type="datetimeFigureOut">
               <a:rPr lang="en-US" smtClean="0"/>
-              <a:t>10/9/2021</a:t>
+              <a:t>11/28/2023</a:t>
             </a:fld>
             <a:endParaRPr lang="en-US"/>
           </a:p>
@@ -7509,8 +5514,8 @@
         </p:nvSpPr>
         <p:spPr>
           <a:xfrm>
-            <a:off x="457200" y="1600200"/>
-            <a:ext cx="4038600" cy="4525963"/>
+            <a:off x="609600" y="1600201"/>
+            <a:ext cx="5384800" cy="4525963"/>
           </a:xfrm>
         </p:spPr>
         <p:txBody>
@@ -7593,8 +5598,8 @@
         </p:nvSpPr>
         <p:spPr>
           <a:xfrm>
-            <a:off x="4648200" y="1600200"/>
-            <a:ext cx="4038600" cy="4525963"/>
+            <a:off x="6197600" y="1600201"/>
+            <a:ext cx="5384800" cy="4525963"/>
           </a:xfrm>
         </p:spPr>
         <p:txBody>
@@ -7682,7 +5687,7 @@
           <a:p>
             <a:fld id="{12C6147B-1F04-4B19-8CFB-D5B3CDEFC8C6}" type="datetimeFigureOut">
               <a:rPr lang="en-US" smtClean="0"/>
-              <a:t>10/9/2021</a:t>
+              <a:t>11/28/2023</a:t>
             </a:fld>
             <a:endParaRPr lang="en-US"/>
           </a:p>
@@ -7798,8 +5803,8 @@
         </p:nvSpPr>
         <p:spPr>
           <a:xfrm>
-            <a:off x="457200" y="1535113"/>
-            <a:ext cx="4040188" cy="639762"/>
+            <a:off x="609600" y="1535113"/>
+            <a:ext cx="5386917" cy="639762"/>
           </a:xfrm>
         </p:spPr>
         <p:txBody>
@@ -7863,8 +5868,8 @@
         </p:nvSpPr>
         <p:spPr>
           <a:xfrm>
-            <a:off x="457200" y="2174875"/>
-            <a:ext cx="4040188" cy="3951288"/>
+            <a:off x="609600" y="2174875"/>
+            <a:ext cx="5386917" cy="3951288"/>
           </a:xfrm>
         </p:spPr>
         <p:txBody>
@@ -7947,8 +5952,8 @@
         </p:nvSpPr>
         <p:spPr>
           <a:xfrm>
-            <a:off x="4645025" y="1535113"/>
-            <a:ext cx="4041775" cy="639762"/>
+            <a:off x="6193368" y="1535113"/>
+            <a:ext cx="5389033" cy="639762"/>
           </a:xfrm>
         </p:spPr>
         <p:txBody>
@@ -8012,8 +6017,8 @@
         </p:nvSpPr>
         <p:spPr>
           <a:xfrm>
-            <a:off x="4645025" y="2174875"/>
-            <a:ext cx="4041775" cy="3951288"/>
+            <a:off x="6193368" y="2174875"/>
+            <a:ext cx="5389033" cy="3951288"/>
           </a:xfrm>
         </p:spPr>
         <p:txBody>
@@ -8101,7 +6106,7 @@
           <a:p>
             <a:fld id="{12C6147B-1F04-4B19-8CFB-D5B3CDEFC8C6}" type="datetimeFigureOut">
               <a:rPr lang="en-US" smtClean="0"/>
-              <a:t>10/9/2021</a:t>
+              <a:t>11/28/2023</a:t>
             </a:fld>
             <a:endParaRPr lang="en-US"/>
           </a:p>
@@ -8218,7 +6223,7 @@
           <a:p>
             <a:fld id="{12C6147B-1F04-4B19-8CFB-D5B3CDEFC8C6}" type="datetimeFigureOut">
               <a:rPr lang="en-US" smtClean="0"/>
-              <a:t>10/9/2021</a:t>
+              <a:t>11/28/2023</a:t>
             </a:fld>
             <a:endParaRPr lang="en-US"/>
           </a:p>
@@ -8313,7 +6318,7 @@
           <a:p>
             <a:fld id="{12C6147B-1F04-4B19-8CFB-D5B3CDEFC8C6}" type="datetimeFigureOut">
               <a:rPr lang="en-US" smtClean="0"/>
-              <a:t>10/9/2021</a:t>
+              <a:t>11/28/2023</a:t>
             </a:fld>
             <a:endParaRPr lang="en-US"/>
           </a:p>
@@ -8403,8 +6408,8 @@
         </p:nvSpPr>
         <p:spPr>
           <a:xfrm>
-            <a:off x="457200" y="273050"/>
-            <a:ext cx="3008313" cy="1162050"/>
+            <a:off x="609601" y="273050"/>
+            <a:ext cx="4011084" cy="1162050"/>
           </a:xfrm>
         </p:spPr>
         <p:txBody>
@@ -8434,8 +6439,8 @@
         </p:nvSpPr>
         <p:spPr>
           <a:xfrm>
-            <a:off x="3575050" y="273050"/>
-            <a:ext cx="5111750" cy="5853113"/>
+            <a:off x="4766733" y="273051"/>
+            <a:ext cx="6815667" cy="5853113"/>
           </a:xfrm>
         </p:spPr>
         <p:txBody>
@@ -8518,8 +6523,8 @@
         </p:nvSpPr>
         <p:spPr>
           <a:xfrm>
-            <a:off x="457200" y="1435100"/>
-            <a:ext cx="3008313" cy="4691063"/>
+            <a:off x="609601" y="1435101"/>
+            <a:ext cx="4011084" cy="4691063"/>
           </a:xfrm>
         </p:spPr>
         <p:txBody>
@@ -8588,7 +6593,7 @@
           <a:p>
             <a:fld id="{12C6147B-1F04-4B19-8CFB-D5B3CDEFC8C6}" type="datetimeFigureOut">
               <a:rPr lang="en-US" smtClean="0"/>
-              <a:t>10/9/2021</a:t>
+              <a:t>11/28/2023</a:t>
             </a:fld>
             <a:endParaRPr lang="en-US"/>
           </a:p>
@@ -8678,8 +6683,8 @@
         </p:nvSpPr>
         <p:spPr>
           <a:xfrm>
-            <a:off x="1792288" y="4800600"/>
-            <a:ext cx="5486400" cy="566738"/>
+            <a:off x="2389717" y="4800600"/>
+            <a:ext cx="7315200" cy="566738"/>
           </a:xfrm>
         </p:spPr>
         <p:txBody>
@@ -8709,8 +6714,8 @@
         </p:nvSpPr>
         <p:spPr>
           <a:xfrm>
-            <a:off x="1792288" y="612775"/>
-            <a:ext cx="5486400" cy="4114800"/>
+            <a:off x="2389717" y="612775"/>
+            <a:ext cx="7315200" cy="4114800"/>
           </a:xfrm>
         </p:spPr>
         <p:txBody>
@@ -8770,8 +6775,8 @@
         </p:nvSpPr>
         <p:spPr>
           <a:xfrm>
-            <a:off x="1792288" y="5367338"/>
-            <a:ext cx="5486400" cy="804862"/>
+            <a:off x="2389717" y="5367338"/>
+            <a:ext cx="7315200" cy="804862"/>
           </a:xfrm>
         </p:spPr>
         <p:txBody>
@@ -8840,7 +6845,7 @@
           <a:p>
             <a:fld id="{12C6147B-1F04-4B19-8CFB-D5B3CDEFC8C6}" type="datetimeFigureOut">
               <a:rPr lang="en-US" smtClean="0"/>
-              <a:t>10/9/2021</a:t>
+              <a:t>11/28/2023</a:t>
             </a:fld>
             <a:endParaRPr lang="en-US"/>
           </a:p>
@@ -8935,8 +6940,8 @@
         </p:nvSpPr>
         <p:spPr>
           <a:xfrm>
-            <a:off x="457200" y="274638"/>
-            <a:ext cx="8229600" cy="1143000"/>
+            <a:off x="609600" y="274638"/>
+            <a:ext cx="10972800" cy="1143000"/>
           </a:xfrm>
           <a:prstGeom prst="rect">
             <a:avLst/>
@@ -8967,8 +6972,8 @@
         </p:nvSpPr>
         <p:spPr>
           <a:xfrm>
-            <a:off x="457200" y="1600200"/>
-            <a:ext cx="8229600" cy="4525963"/>
+            <a:off x="609600" y="1600201"/>
+            <a:ext cx="10972800" cy="4525963"/>
           </a:xfrm>
           <a:prstGeom prst="rect">
             <a:avLst/>
@@ -9028,8 +7033,8 @@
         </p:nvSpPr>
         <p:spPr>
           <a:xfrm>
-            <a:off x="457200" y="6356350"/>
-            <a:ext cx="2133600" cy="365125"/>
+            <a:off x="609600" y="6356351"/>
+            <a:ext cx="2844800" cy="365125"/>
           </a:xfrm>
           <a:prstGeom prst="rect">
             <a:avLst/>
@@ -9051,7 +7056,7 @@
           <a:p>
             <a:fld id="{12C6147B-1F04-4B19-8CFB-D5B3CDEFC8C6}" type="datetimeFigureOut">
               <a:rPr lang="en-US" smtClean="0"/>
-              <a:t>10/9/2021</a:t>
+              <a:t>11/28/2023</a:t>
             </a:fld>
             <a:endParaRPr lang="en-US"/>
           </a:p>
@@ -9069,8 +7074,8 @@
         </p:nvSpPr>
         <p:spPr>
           <a:xfrm>
-            <a:off x="3124200" y="6356350"/>
-            <a:ext cx="2895600" cy="365125"/>
+            <a:off x="4165600" y="6356351"/>
+            <a:ext cx="3860800" cy="365125"/>
           </a:xfrm>
           <a:prstGeom prst="rect">
             <a:avLst/>
@@ -9106,8 +7111,8 @@
         </p:nvSpPr>
         <p:spPr>
           <a:xfrm>
-            <a:off x="6553200" y="6356350"/>
-            <a:ext cx="2133600" cy="365125"/>
+            <a:off x="8737600" y="6356351"/>
+            <a:ext cx="2844800" cy="365125"/>
           </a:xfrm>
           <a:prstGeom prst="rect">
             <a:avLst/>
@@ -9438,7 +7443,7 @@
         </p:nvSpPr>
         <p:spPr>
           <a:xfrm>
-            <a:off x="247650" y="152400"/>
+            <a:off x="1771650" y="152400"/>
             <a:ext cx="8610600" cy="3276600"/>
           </a:xfrm>
           <a:prstGeom prst="rect">
@@ -9450,12 +7455,11 @@
           </a:ln>
         </p:spPr>
         <p:txBody>
-          <a:bodyPr spcFirstLastPara="1" wrap="square" lIns="91425" tIns="45700" rIns="91425" bIns="45700" anchor="ctr" anchorCtr="0">
+          <a:bodyPr spcFirstLastPara="1" vert="horz" wrap="square" lIns="91425" tIns="45700" rIns="91425" bIns="45700" rtlCol="0" anchor="ctr" anchorCtr="0">
             <a:noAutofit/>
           </a:bodyPr>
           <a:lstStyle/>
           <a:p>
-            <a:pPr marL="0" indent="0"/>
             <a:r>
               <a:rPr lang="en-US" sz="4800" b="1" dirty="0"/>
               <a:t>Operating System(22516)</a:t>
@@ -9513,7 +7517,7 @@
         </p:nvSpPr>
         <p:spPr>
           <a:xfrm>
-            <a:off x="1371600" y="3810000"/>
+            <a:off x="2895600" y="3810000"/>
             <a:ext cx="6400800" cy="2344968"/>
           </a:xfrm>
           <a:prstGeom prst="rect">
@@ -9536,23 +7540,19 @@
           </a:fontRef>
         </p:style>
         <p:txBody>
-          <a:bodyPr spcFirstLastPara="1" wrap="square" lIns="91425" tIns="45700" rIns="91425" bIns="45700" anchor="t" anchorCtr="0">
+          <a:bodyPr spcFirstLastPara="1" vert="horz" wrap="square" lIns="91425" tIns="45700" rIns="91425" bIns="45700" rtlCol="0" anchor="t" anchorCtr="0">
             <a:noAutofit/>
           </a:bodyPr>
           <a:lstStyle/>
           <a:p>
-            <a:pPr marL="0" lvl="0" indent="0" algn="ctr" rtl="0">
+            <a:pPr>
               <a:spcBef>
                 <a:spcPts val="0"/>
               </a:spcBef>
-              <a:spcAft>
-                <a:spcPts val="0"/>
-              </a:spcAft>
               <a:buClr>
                 <a:srgbClr val="262626"/>
               </a:buClr>
               <a:buSzPts val="2000"/>
-              <a:buNone/>
             </a:pPr>
             <a:r>
               <a:rPr lang="en-IN" sz="2400" dirty="0">
@@ -9577,18 +7577,14 @@
             </a:endParaRPr>
           </a:p>
           <a:p>
-            <a:pPr marL="0" lvl="0" indent="0" algn="ctr" rtl="0">
+            <a:pPr>
               <a:spcBef>
                 <a:spcPts val="0"/>
               </a:spcBef>
-              <a:spcAft>
-                <a:spcPts val="0"/>
-              </a:spcAft>
               <a:buClr>
                 <a:srgbClr val="262626"/>
               </a:buClr>
               <a:buSzPts val="2800"/>
-              <a:buNone/>
             </a:pPr>
             <a:r>
               <a:rPr lang="en-IN" b="1" dirty="0" err="1">
@@ -9673,34 +7669,7 @@
             </a:endParaRPr>
           </a:p>
           <a:p>
-            <a:pPr marL="0" lvl="0" indent="0" algn="ctr" rtl="0">
-              <a:spcBef>
-                <a:spcPts val="0"/>
-              </a:spcBef>
-              <a:spcAft>
-                <a:spcPts val="0"/>
-              </a:spcAft>
-              <a:buClr>
-                <a:srgbClr val="262626"/>
-              </a:buClr>
-              <a:buSzPts val="2400"/>
-              <a:buNone/>
-            </a:pPr>
-            <a:r>
-              <a:rPr lang="en-IN" sz="2800" dirty="0">
-                <a:solidFill>
-                  <a:schemeClr val="tx1"/>
-                </a:solidFill>
-                <a:latin typeface="Calibri"/>
-                <a:ea typeface="Calibri"/>
-                <a:cs typeface="Calibri"/>
-                <a:sym typeface="Calibri"/>
-              </a:rPr>
-              <a:t>Lecturer(Selection Grade)</a:t>
-            </a:r>
-          </a:p>
-          <a:p>
-            <a:pPr lvl="0">
+            <a:pPr>
               <a:spcBef>
                 <a:spcPts val="0"/>
               </a:spcBef>
@@ -9710,6 +7679,29 @@
               <a:buSzPts val="2400"/>
             </a:pPr>
             <a:r>
+              <a:rPr lang="en-IN" sz="2800" dirty="0">
+                <a:solidFill>
+                  <a:schemeClr val="tx1"/>
+                </a:solidFill>
+                <a:latin typeface="Calibri"/>
+                <a:ea typeface="Calibri"/>
+                <a:cs typeface="Calibri"/>
+                <a:sym typeface="Calibri"/>
+              </a:rPr>
+              <a:t>Lecturer(Selection Grade)</a:t>
+            </a:r>
+          </a:p>
+          <a:p>
+            <a:pPr>
+              <a:spcBef>
+                <a:spcPts val="0"/>
+              </a:spcBef>
+              <a:buClr>
+                <a:srgbClr val="262626"/>
+              </a:buClr>
+              <a:buSzPts val="2400"/>
+            </a:pPr>
+            <a:r>
               <a:rPr lang="en-US" sz="2800" dirty="0">
                 <a:solidFill>
                   <a:schemeClr val="tx1"/>
@@ -9760,18 +7752,14 @@
             </a:endParaRPr>
           </a:p>
           <a:p>
-            <a:pPr marL="0" lvl="0" indent="0" algn="ctr" rtl="0">
+            <a:pPr>
               <a:spcBef>
                 <a:spcPts val="0"/>
               </a:spcBef>
-              <a:spcAft>
-                <a:spcPts val="0"/>
-              </a:spcAft>
               <a:buClr>
                 <a:srgbClr val="262626"/>
               </a:buClr>
               <a:buSzPts val="2400"/>
-              <a:buNone/>
             </a:pPr>
             <a:r>
               <a:rPr lang="en-IN" sz="2800" dirty="0">
@@ -9857,7 +7845,7 @@
         </p:nvSpPr>
         <p:spPr>
           <a:xfrm>
-            <a:off x="6553200" y="6479227"/>
+            <a:off x="8077200" y="6479228"/>
             <a:ext cx="2133600" cy="365125"/>
           </a:xfrm>
           <a:prstGeom prst="rect">
@@ -9869,22 +7857,14 @@
           </a:ln>
         </p:spPr>
         <p:txBody>
-          <a:bodyPr spcFirstLastPara="1" wrap="square" lIns="91425" tIns="45700" rIns="91425" bIns="45700" anchor="ctr" anchorCtr="0">
+          <a:bodyPr spcFirstLastPara="1" vert="horz" wrap="square" lIns="91425" tIns="45700" rIns="91425" bIns="45700" rtlCol="0" anchor="ctr" anchorCtr="0">
             <a:noAutofit/>
           </a:bodyPr>
           <a:lstStyle/>
           <a:p>
-            <a:pPr marL="0" lvl="0" indent="0" algn="r" rtl="0">
-              <a:spcBef>
-                <a:spcPts val="0"/>
-              </a:spcBef>
-              <a:spcAft>
-                <a:spcPts val="0"/>
-              </a:spcAft>
-              <a:buNone/>
-            </a:pPr>
             <a:fld id="{00000000-1234-1234-1234-123412341234}" type="slidenum">
               <a:rPr lang="en-IN"/>
+              <a:pPr/>
               <a:t>1</a:t>
             </a:fld>
             <a:endParaRPr/>
@@ -9899,7 +7879,7 @@
         </p:nvCxnSpPr>
         <p:spPr>
           <a:xfrm>
-            <a:off x="0" y="3429000"/>
+            <a:off x="1524000" y="3429000"/>
             <a:ext cx="9144000" cy="0"/>
           </a:xfrm>
           <a:prstGeom prst="line">
@@ -9987,7 +7967,7 @@
           </a:fontRef>
         </p:style>
         <p:txBody>
-          <a:bodyPr spcFirstLastPara="1" wrap="square" lIns="91425" tIns="45700" rIns="91425" bIns="45700" anchor="ctr" anchorCtr="0">
+          <a:bodyPr spcFirstLastPara="1" vert="horz" wrap="square" lIns="91425" tIns="45700" rIns="91425" bIns="45700" rtlCol="0" anchor="ctr" anchorCtr="0">
             <a:normAutofit/>
           </a:bodyPr>
           <a:lstStyle/>
@@ -10024,22 +8004,14 @@
           </a:ln>
         </p:spPr>
         <p:txBody>
-          <a:bodyPr spcFirstLastPara="1" wrap="square" lIns="91425" tIns="45700" rIns="91425" bIns="45700" anchor="ctr" anchorCtr="0">
+          <a:bodyPr spcFirstLastPara="1" vert="horz" wrap="square" lIns="91425" tIns="45700" rIns="91425" bIns="45700" rtlCol="0" anchor="ctr" anchorCtr="0">
             <a:noAutofit/>
           </a:bodyPr>
           <a:lstStyle/>
           <a:p>
-            <a:pPr marL="0" lvl="0" indent="0" algn="r" rtl="0">
-              <a:spcBef>
-                <a:spcPts val="0"/>
-              </a:spcBef>
-              <a:spcAft>
-                <a:spcPts val="0"/>
-              </a:spcAft>
-              <a:buNone/>
-            </a:pPr>
             <a:fld id="{00000000-1234-1234-1234-123412341234}" type="slidenum">
               <a:rPr lang="en-IN"/>
+              <a:pPr/>
               <a:t>10</a:t>
             </a:fld>
             <a:endParaRPr/>
@@ -10071,7 +8043,7 @@
         </p:blipFill>
         <p:spPr bwMode="auto">
           <a:xfrm>
-            <a:off x="1295400" y="1676400"/>
+            <a:off x="2819400" y="1676400"/>
             <a:ext cx="4948628" cy="5181600"/>
           </a:xfrm>
           <a:prstGeom prst="rect">
@@ -10144,7 +8116,7 @@
         </p:nvSpPr>
         <p:spPr>
           <a:xfrm>
-            <a:off x="457200" y="152400"/>
+            <a:off x="1981200" y="152400"/>
             <a:ext cx="8229600" cy="1143000"/>
           </a:xfrm>
           <a:prstGeom prst="rect">
@@ -10167,7 +8139,7 @@
           </a:fontRef>
         </p:style>
         <p:txBody>
-          <a:bodyPr spcFirstLastPara="1" wrap="square" lIns="91425" tIns="45700" rIns="91425" bIns="45700" anchor="ctr" anchorCtr="0">
+          <a:bodyPr spcFirstLastPara="1" vert="horz" wrap="square" lIns="91425" tIns="45700" rIns="91425" bIns="45700" rtlCol="0" anchor="ctr" anchorCtr="0">
             <a:normAutofit/>
           </a:bodyPr>
           <a:lstStyle/>
@@ -10212,7 +8184,7 @@
         </p:nvSpPr>
         <p:spPr>
           <a:xfrm>
-            <a:off x="0" y="1371600"/>
+            <a:off x="1524000" y="1371600"/>
             <a:ext cx="9144000" cy="5457092"/>
           </a:xfrm>
           <a:prstGeom prst="rect">
@@ -10224,7 +8196,7 @@
           </a:ln>
         </p:spPr>
         <p:txBody>
-          <a:bodyPr spcFirstLastPara="1" wrap="square" lIns="91425" tIns="45700" rIns="91425" bIns="45700" anchor="t" anchorCtr="0">
+          <a:bodyPr spcFirstLastPara="1" vert="horz" wrap="square" lIns="91425" tIns="45700" rIns="91425" bIns="45700" rtlCol="0" anchor="t" anchorCtr="0">
             <a:noAutofit/>
           </a:bodyPr>
           <a:lstStyle/>
@@ -10436,22 +8408,14 @@
           </a:ln>
         </p:spPr>
         <p:txBody>
-          <a:bodyPr spcFirstLastPara="1" wrap="square" lIns="91425" tIns="45700" rIns="91425" bIns="45700" anchor="ctr" anchorCtr="0">
+          <a:bodyPr spcFirstLastPara="1" vert="horz" wrap="square" lIns="91425" tIns="45700" rIns="91425" bIns="45700" rtlCol="0" anchor="ctr" anchorCtr="0">
             <a:noAutofit/>
           </a:bodyPr>
           <a:lstStyle/>
           <a:p>
-            <a:pPr marL="0" lvl="0" indent="0" algn="r" rtl="0">
-              <a:spcBef>
-                <a:spcPts val="0"/>
-              </a:spcBef>
-              <a:spcAft>
-                <a:spcPts val="0"/>
-              </a:spcAft>
-              <a:buNone/>
-            </a:pPr>
             <a:fld id="{00000000-1234-1234-1234-123412341234}" type="slidenum">
               <a:rPr lang="en-IN"/>
+              <a:pPr/>
               <a:t>11</a:t>
             </a:fld>
             <a:endParaRPr/>
@@ -10500,7 +8464,7 @@
         </p:nvSpPr>
         <p:spPr>
           <a:xfrm>
-            <a:off x="457200" y="35169"/>
+            <a:off x="1981200" y="35169"/>
             <a:ext cx="8229600" cy="1143000"/>
           </a:xfrm>
           <a:prstGeom prst="rect">
@@ -10523,7 +8487,7 @@
           </a:fontRef>
         </p:style>
         <p:txBody>
-          <a:bodyPr spcFirstLastPara="1" wrap="square" lIns="91425" tIns="45700" rIns="91425" bIns="45700" anchor="ctr" anchorCtr="0">
+          <a:bodyPr spcFirstLastPara="1" vert="horz" wrap="square" lIns="91425" tIns="45700" rIns="91425" bIns="45700" rtlCol="0" anchor="ctr" anchorCtr="0">
             <a:normAutofit/>
           </a:bodyPr>
           <a:lstStyle/>
@@ -10568,7 +8532,7 @@
         </p:nvSpPr>
         <p:spPr>
           <a:xfrm>
-            <a:off x="-5862" y="1143000"/>
+            <a:off x="1518138" y="1143000"/>
             <a:ext cx="9144000" cy="5257800"/>
           </a:xfrm>
           <a:prstGeom prst="rect">
@@ -10580,7 +8544,7 @@
           </a:ln>
         </p:spPr>
         <p:txBody>
-          <a:bodyPr spcFirstLastPara="1" wrap="square" lIns="91425" tIns="45700" rIns="91425" bIns="45700" anchor="t" anchorCtr="0">
+          <a:bodyPr spcFirstLastPara="1" vert="horz" wrap="square" lIns="91425" tIns="45700" rIns="91425" bIns="45700" rtlCol="0" anchor="t" anchorCtr="0">
             <a:noAutofit/>
           </a:bodyPr>
           <a:lstStyle/>
@@ -10703,22 +8667,14 @@
           </a:ln>
         </p:spPr>
         <p:txBody>
-          <a:bodyPr spcFirstLastPara="1" wrap="square" lIns="91425" tIns="45700" rIns="91425" bIns="45700" anchor="ctr" anchorCtr="0">
+          <a:bodyPr spcFirstLastPara="1" vert="horz" wrap="square" lIns="91425" tIns="45700" rIns="91425" bIns="45700" rtlCol="0" anchor="ctr" anchorCtr="0">
             <a:noAutofit/>
           </a:bodyPr>
           <a:lstStyle/>
           <a:p>
-            <a:pPr marL="0" lvl="0" indent="0" algn="r" rtl="0">
-              <a:spcBef>
-                <a:spcPts val="0"/>
-              </a:spcBef>
-              <a:spcAft>
-                <a:spcPts val="0"/>
-              </a:spcAft>
-              <a:buNone/>
-            </a:pPr>
             <a:fld id="{00000000-1234-1234-1234-123412341234}" type="slidenum">
               <a:rPr lang="en-IN"/>
+              <a:pPr/>
               <a:t>12</a:t>
             </a:fld>
             <a:endParaRPr/>
@@ -10786,7 +8742,7 @@
           </a:fontRef>
         </p:style>
         <p:txBody>
-          <a:bodyPr spcFirstLastPara="1" wrap="square" lIns="91425" tIns="45700" rIns="91425" bIns="45700" anchor="ctr" anchorCtr="0">
+          <a:bodyPr spcFirstLastPara="1" vert="horz" wrap="square" lIns="91425" tIns="45700" rIns="91425" bIns="45700" rtlCol="0" anchor="ctr" anchorCtr="0">
             <a:normAutofit/>
           </a:bodyPr>
           <a:lstStyle/>
@@ -10831,7 +8787,7 @@
         </p:nvSpPr>
         <p:spPr>
           <a:xfrm>
-            <a:off x="0" y="1570892"/>
+            <a:off x="1524000" y="1570892"/>
             <a:ext cx="9144000" cy="5257800"/>
           </a:xfrm>
           <a:prstGeom prst="rect">
@@ -10843,7 +8799,7 @@
           </a:ln>
         </p:spPr>
         <p:txBody>
-          <a:bodyPr spcFirstLastPara="1" wrap="square" lIns="91425" tIns="45700" rIns="91425" bIns="45700" anchor="t" anchorCtr="0">
+          <a:bodyPr spcFirstLastPara="1" vert="horz" wrap="square" lIns="91425" tIns="45700" rIns="91425" bIns="45700" rtlCol="0" anchor="t" anchorCtr="0">
             <a:noAutofit/>
           </a:bodyPr>
           <a:lstStyle/>
@@ -11016,22 +8972,14 @@
           </a:ln>
         </p:spPr>
         <p:txBody>
-          <a:bodyPr spcFirstLastPara="1" wrap="square" lIns="91425" tIns="45700" rIns="91425" bIns="45700" anchor="ctr" anchorCtr="0">
+          <a:bodyPr spcFirstLastPara="1" vert="horz" wrap="square" lIns="91425" tIns="45700" rIns="91425" bIns="45700" rtlCol="0" anchor="ctr" anchorCtr="0">
             <a:noAutofit/>
           </a:bodyPr>
           <a:lstStyle/>
           <a:p>
-            <a:pPr marL="0" lvl="0" indent="0" algn="r" rtl="0">
-              <a:spcBef>
-                <a:spcPts val="0"/>
-              </a:spcBef>
-              <a:spcAft>
-                <a:spcPts val="0"/>
-              </a:spcAft>
-              <a:buNone/>
-            </a:pPr>
             <a:fld id="{00000000-1234-1234-1234-123412341234}" type="slidenum">
               <a:rPr lang="en-IN"/>
+              <a:pPr/>
               <a:t>13</a:t>
             </a:fld>
             <a:endParaRPr/>
@@ -11080,7 +9028,7 @@
         </p:nvSpPr>
         <p:spPr>
           <a:xfrm>
-            <a:off x="457200" y="23446"/>
+            <a:off x="1981200" y="23446"/>
             <a:ext cx="8229600" cy="814754"/>
           </a:xfrm>
           <a:prstGeom prst="rect">
@@ -11103,7 +9051,7 @@
           </a:fontRef>
         </p:style>
         <p:txBody>
-          <a:bodyPr spcFirstLastPara="1" wrap="square" lIns="91425" tIns="45700" rIns="91425" bIns="45700" anchor="ctr" anchorCtr="0">
+          <a:bodyPr spcFirstLastPara="1" vert="horz" wrap="square" lIns="91425" tIns="45700" rIns="91425" bIns="45700" rtlCol="0" anchor="ctr" anchorCtr="0">
             <a:normAutofit/>
           </a:bodyPr>
           <a:lstStyle/>
@@ -11132,7 +9080,7 @@
         </p:nvSpPr>
         <p:spPr>
           <a:xfrm>
-            <a:off x="0" y="838200"/>
+            <a:off x="1524000" y="838200"/>
             <a:ext cx="9144000" cy="5990492"/>
           </a:xfrm>
           <a:prstGeom prst="rect">
@@ -11144,7 +9092,7 @@
           </a:ln>
         </p:spPr>
         <p:txBody>
-          <a:bodyPr spcFirstLastPara="1" wrap="square" lIns="91425" tIns="45700" rIns="91425" bIns="45700" anchor="t" anchorCtr="0">
+          <a:bodyPr spcFirstLastPara="1" vert="horz" wrap="square" lIns="91425" tIns="45700" rIns="91425" bIns="45700" rtlCol="0" anchor="t" anchorCtr="0">
             <a:noAutofit/>
           </a:bodyPr>
           <a:lstStyle/>
@@ -11317,22 +9265,14 @@
           </a:ln>
         </p:spPr>
         <p:txBody>
-          <a:bodyPr spcFirstLastPara="1" wrap="square" lIns="91425" tIns="45700" rIns="91425" bIns="45700" anchor="ctr" anchorCtr="0">
+          <a:bodyPr spcFirstLastPara="1" vert="horz" wrap="square" lIns="91425" tIns="45700" rIns="91425" bIns="45700" rtlCol="0" anchor="ctr" anchorCtr="0">
             <a:noAutofit/>
           </a:bodyPr>
           <a:lstStyle/>
           <a:p>
-            <a:pPr marL="0" lvl="0" indent="0" algn="r" rtl="0">
-              <a:spcBef>
-                <a:spcPts val="0"/>
-              </a:spcBef>
-              <a:spcAft>
-                <a:spcPts val="0"/>
-              </a:spcAft>
-              <a:buNone/>
-            </a:pPr>
             <a:fld id="{00000000-1234-1234-1234-123412341234}" type="slidenum">
               <a:rPr lang="en-IN"/>
+              <a:pPr/>
               <a:t>14</a:t>
             </a:fld>
             <a:endParaRPr/>
@@ -11400,7 +9340,7 @@
           </a:fontRef>
         </p:style>
         <p:txBody>
-          <a:bodyPr spcFirstLastPara="1" wrap="square" lIns="91425" tIns="45700" rIns="91425" bIns="45700" anchor="ctr" anchorCtr="0">
+          <a:bodyPr spcFirstLastPara="1" vert="horz" wrap="square" lIns="91425" tIns="45700" rIns="91425" bIns="45700" rtlCol="0" anchor="ctr" anchorCtr="0">
             <a:normAutofit/>
           </a:bodyPr>
           <a:lstStyle/>
@@ -11429,7 +9369,7 @@
         </p:nvSpPr>
         <p:spPr>
           <a:xfrm>
-            <a:off x="0" y="1570892"/>
+            <a:off x="1524000" y="1570892"/>
             <a:ext cx="9144000" cy="5257800"/>
           </a:xfrm>
           <a:prstGeom prst="rect">
@@ -11441,7 +9381,7 @@
           </a:ln>
         </p:spPr>
         <p:txBody>
-          <a:bodyPr spcFirstLastPara="1" wrap="square" lIns="91425" tIns="45700" rIns="91425" bIns="45700" anchor="t" anchorCtr="0">
+          <a:bodyPr spcFirstLastPara="1" vert="horz" wrap="square" lIns="91425" tIns="45700" rIns="91425" bIns="45700" rtlCol="0" anchor="t" anchorCtr="0">
             <a:noAutofit/>
           </a:bodyPr>
           <a:lstStyle/>
@@ -11638,22 +9578,14 @@
           </a:ln>
         </p:spPr>
         <p:txBody>
-          <a:bodyPr spcFirstLastPara="1" wrap="square" lIns="91425" tIns="45700" rIns="91425" bIns="45700" anchor="ctr" anchorCtr="0">
+          <a:bodyPr spcFirstLastPara="1" vert="horz" wrap="square" lIns="91425" tIns="45700" rIns="91425" bIns="45700" rtlCol="0" anchor="ctr" anchorCtr="0">
             <a:noAutofit/>
           </a:bodyPr>
           <a:lstStyle/>
           <a:p>
-            <a:pPr marL="0" lvl="0" indent="0" algn="r" rtl="0">
-              <a:spcBef>
-                <a:spcPts val="0"/>
-              </a:spcBef>
-              <a:spcAft>
-                <a:spcPts val="0"/>
-              </a:spcAft>
-              <a:buNone/>
-            </a:pPr>
             <a:fld id="{00000000-1234-1234-1234-123412341234}" type="slidenum">
               <a:rPr lang="en-IN"/>
+              <a:pPr/>
               <a:t>15</a:t>
             </a:fld>
             <a:endParaRPr/>
@@ -11721,7 +9653,7 @@
           </a:fontRef>
         </p:style>
         <p:txBody>
-          <a:bodyPr spcFirstLastPara="1" wrap="square" lIns="91425" tIns="45700" rIns="91425" bIns="45700" anchor="ctr" anchorCtr="0">
+          <a:bodyPr spcFirstLastPara="1" vert="horz" wrap="square" lIns="91425" tIns="45700" rIns="91425" bIns="45700" rtlCol="0" anchor="ctr" anchorCtr="0">
             <a:normAutofit/>
           </a:bodyPr>
           <a:lstStyle/>
@@ -11774,22 +9706,14 @@
           </a:ln>
         </p:spPr>
         <p:txBody>
-          <a:bodyPr spcFirstLastPara="1" wrap="square" lIns="91425" tIns="45700" rIns="91425" bIns="45700" anchor="ctr" anchorCtr="0">
+          <a:bodyPr spcFirstLastPara="1" vert="horz" wrap="square" lIns="91425" tIns="45700" rIns="91425" bIns="45700" rtlCol="0" anchor="ctr" anchorCtr="0">
             <a:noAutofit/>
           </a:bodyPr>
           <a:lstStyle/>
           <a:p>
-            <a:pPr marL="0" lvl="0" indent="0" algn="r" rtl="0">
-              <a:spcBef>
-                <a:spcPts val="0"/>
-              </a:spcBef>
-              <a:spcAft>
-                <a:spcPts val="0"/>
-              </a:spcAft>
-              <a:buNone/>
-            </a:pPr>
             <a:fld id="{00000000-1234-1234-1234-123412341234}" type="slidenum">
               <a:rPr lang="en-IN"/>
+              <a:pPr/>
               <a:t>16</a:t>
             </a:fld>
             <a:endParaRPr/>
@@ -11821,7 +9745,7 @@
         </p:blipFill>
         <p:spPr bwMode="auto">
           <a:xfrm>
-            <a:off x="0" y="1828800"/>
+            <a:off x="1524000" y="1828800"/>
             <a:ext cx="9144000" cy="4572000"/>
           </a:xfrm>
           <a:prstGeom prst="rect">
@@ -11918,7 +9842,7 @@
           </a:fontRef>
         </p:style>
         <p:txBody>
-          <a:bodyPr spcFirstLastPara="1" wrap="square" lIns="91425" tIns="45700" rIns="91425" bIns="45700" anchor="ctr" anchorCtr="0">
+          <a:bodyPr spcFirstLastPara="1" vert="horz" wrap="square" lIns="91425" tIns="45700" rIns="91425" bIns="45700" rtlCol="0" anchor="ctr" anchorCtr="0">
             <a:normAutofit fontScale="90000"/>
           </a:bodyPr>
           <a:lstStyle/>
@@ -11955,22 +9879,14 @@
           </a:ln>
         </p:spPr>
         <p:txBody>
-          <a:bodyPr spcFirstLastPara="1" wrap="square" lIns="91425" tIns="45700" rIns="91425" bIns="45700" anchor="ctr" anchorCtr="0">
+          <a:bodyPr spcFirstLastPara="1" vert="horz" wrap="square" lIns="91425" tIns="45700" rIns="91425" bIns="45700" rtlCol="0" anchor="ctr" anchorCtr="0">
             <a:noAutofit/>
           </a:bodyPr>
           <a:lstStyle/>
           <a:p>
-            <a:pPr marL="0" lvl="0" indent="0" algn="r" rtl="0">
-              <a:spcBef>
-                <a:spcPts val="0"/>
-              </a:spcBef>
-              <a:spcAft>
-                <a:spcPts val="0"/>
-              </a:spcAft>
-              <a:buNone/>
-            </a:pPr>
             <a:fld id="{00000000-1234-1234-1234-123412341234}" type="slidenum">
               <a:rPr lang="en-IN"/>
+              <a:pPr/>
               <a:t>17</a:t>
             </a:fld>
             <a:endParaRPr/>
@@ -12002,7 +9918,7 @@
         </p:blipFill>
         <p:spPr bwMode="auto">
           <a:xfrm>
-            <a:off x="417925" y="1571625"/>
+            <a:off x="1941925" y="1571625"/>
             <a:ext cx="8308150" cy="5257800"/>
           </a:xfrm>
           <a:prstGeom prst="rect">
@@ -12104,7 +10020,7 @@
           </a:fontRef>
         </p:style>
         <p:txBody>
-          <a:bodyPr spcFirstLastPara="1" wrap="square" lIns="91425" tIns="45700" rIns="91425" bIns="45700" anchor="ctr" anchorCtr="0">
+          <a:bodyPr spcFirstLastPara="1" vert="horz" wrap="square" lIns="91425" tIns="45700" rIns="91425" bIns="45700" rtlCol="0" anchor="ctr" anchorCtr="0">
             <a:normAutofit/>
           </a:bodyPr>
           <a:lstStyle/>
@@ -12133,7 +10049,7 @@
         </p:nvSpPr>
         <p:spPr>
           <a:xfrm>
-            <a:off x="0" y="1371600"/>
+            <a:off x="1524000" y="1371600"/>
             <a:ext cx="9144000" cy="5457092"/>
           </a:xfrm>
           <a:prstGeom prst="rect">
@@ -12145,7 +10061,7 @@
           </a:ln>
         </p:spPr>
         <p:txBody>
-          <a:bodyPr spcFirstLastPara="1" wrap="square" lIns="91425" tIns="45700" rIns="91425" bIns="45700" anchor="t" anchorCtr="0">
+          <a:bodyPr spcFirstLastPara="1" vert="horz" wrap="square" lIns="91425" tIns="45700" rIns="91425" bIns="45700" rtlCol="0" anchor="t" anchorCtr="0">
             <a:noAutofit/>
           </a:bodyPr>
           <a:lstStyle/>
@@ -12253,22 +10169,14 @@
           </a:ln>
         </p:spPr>
         <p:txBody>
-          <a:bodyPr spcFirstLastPara="1" wrap="square" lIns="91425" tIns="45700" rIns="91425" bIns="45700" anchor="ctr" anchorCtr="0">
+          <a:bodyPr spcFirstLastPara="1" vert="horz" wrap="square" lIns="91425" tIns="45700" rIns="91425" bIns="45700" rtlCol="0" anchor="ctr" anchorCtr="0">
             <a:noAutofit/>
           </a:bodyPr>
           <a:lstStyle/>
           <a:p>
-            <a:pPr marL="0" lvl="0" indent="0" algn="r" rtl="0">
-              <a:spcBef>
-                <a:spcPts val="0"/>
-              </a:spcBef>
-              <a:spcAft>
-                <a:spcPts val="0"/>
-              </a:spcAft>
-              <a:buNone/>
-            </a:pPr>
             <a:fld id="{00000000-1234-1234-1234-123412341234}" type="slidenum">
               <a:rPr lang="en-IN"/>
+              <a:pPr/>
               <a:t>18</a:t>
             </a:fld>
             <a:endParaRPr/>
@@ -12336,8 +10244,8 @@
           </a:fontRef>
         </p:style>
         <p:txBody>
-          <a:bodyPr spcFirstLastPara="1" wrap="square" lIns="91425" tIns="45700" rIns="91425" bIns="45700" anchor="ctr" anchorCtr="0">
-            <a:normAutofit fontScale="90000"/>
+          <a:bodyPr spcFirstLastPara="1" vert="horz" wrap="square" lIns="91425" tIns="45700" rIns="91425" bIns="45700" rtlCol="0" anchor="ctr" anchorCtr="0">
+            <a:normAutofit/>
           </a:bodyPr>
           <a:lstStyle/>
           <a:p>
@@ -12373,22 +10281,14 @@
           </a:ln>
         </p:spPr>
         <p:txBody>
-          <a:bodyPr spcFirstLastPara="1" wrap="square" lIns="91425" tIns="45700" rIns="91425" bIns="45700" anchor="ctr" anchorCtr="0">
+          <a:bodyPr spcFirstLastPara="1" vert="horz" wrap="square" lIns="91425" tIns="45700" rIns="91425" bIns="45700" rtlCol="0" anchor="ctr" anchorCtr="0">
             <a:noAutofit/>
           </a:bodyPr>
           <a:lstStyle/>
           <a:p>
-            <a:pPr marL="0" lvl="0" indent="0" algn="r" rtl="0">
-              <a:spcBef>
-                <a:spcPts val="0"/>
-              </a:spcBef>
-              <a:spcAft>
-                <a:spcPts val="0"/>
-              </a:spcAft>
-              <a:buNone/>
-            </a:pPr>
             <a:fld id="{00000000-1234-1234-1234-123412341234}" type="slidenum">
               <a:rPr lang="en-IN"/>
+              <a:pPr/>
               <a:t>19</a:t>
             </a:fld>
             <a:endParaRPr/>
@@ -12420,7 +10320,7 @@
         </p:blipFill>
         <p:spPr bwMode="auto">
           <a:xfrm>
-            <a:off x="1366123" y="1571625"/>
+            <a:off x="2890123" y="1571625"/>
             <a:ext cx="6411754" cy="5257800"/>
           </a:xfrm>
           <a:prstGeom prst="rect">
@@ -12498,7 +10398,7 @@
         </p:nvSpPr>
         <p:spPr>
           <a:xfrm>
-            <a:off x="0" y="0"/>
+            <a:off x="1524000" y="0"/>
             <a:ext cx="9144000" cy="1066800"/>
           </a:xfrm>
           <a:prstGeom prst="rect">
@@ -12521,24 +10421,19 @@
           </a:fontRef>
         </p:style>
         <p:txBody>
-          <a:bodyPr spcFirstLastPara="1" wrap="square" lIns="91425" tIns="45700" rIns="91425" bIns="45700" anchor="ctr" anchorCtr="0">
+          <a:bodyPr spcFirstLastPara="1" vert="horz" wrap="square" lIns="91425" tIns="45700" rIns="91425" bIns="45700" rtlCol="0" anchor="ctr" anchorCtr="0">
             <a:normAutofit/>
           </a:bodyPr>
           <a:lstStyle/>
           <a:p>
-            <a:pPr marL="0" lvl="0" indent="0" algn="ctr" rtl="0">
+            <a:pPr>
               <a:spcBef>
                 <a:spcPts val="0"/>
               </a:spcBef>
-              <a:spcAft>
-                <a:spcPts val="0"/>
-              </a:spcAft>
               <a:buClr>
                 <a:srgbClr val="2A14AC"/>
               </a:buClr>
               <a:buSzPts val="4000"/>
-              <a:buFont typeface="Calibri"/>
-              <a:buNone/>
             </a:pPr>
             <a:r>
               <a:rPr lang="en-IN" b="1" dirty="0">
@@ -12576,7 +10471,7 @@
         </p:nvSpPr>
         <p:spPr>
           <a:xfrm>
-            <a:off x="0" y="1066800"/>
+            <a:off x="1524000" y="1066800"/>
             <a:ext cx="9144000" cy="5715000"/>
           </a:xfrm>
           <a:prstGeom prst="rect">
@@ -12588,7 +10483,7 @@
           </a:ln>
         </p:spPr>
         <p:txBody>
-          <a:bodyPr spcFirstLastPara="1" wrap="square" lIns="91425" tIns="45700" rIns="91425" bIns="45700" anchor="t" anchorCtr="0">
+          <a:bodyPr spcFirstLastPara="1" vert="horz" wrap="square" lIns="91425" tIns="45700" rIns="91425" bIns="45700" rtlCol="0" anchor="t" anchorCtr="0">
             <a:normAutofit/>
           </a:bodyPr>
           <a:lstStyle/>
@@ -12652,7 +10547,7 @@
         </p:nvSpPr>
         <p:spPr>
           <a:xfrm>
-            <a:off x="6553200" y="6356350"/>
+            <a:off x="8077200" y="6356351"/>
             <a:ext cx="2133600" cy="365125"/>
           </a:xfrm>
           <a:prstGeom prst="rect">
@@ -12664,22 +10559,14 @@
           </a:ln>
         </p:spPr>
         <p:txBody>
-          <a:bodyPr spcFirstLastPara="1" wrap="square" lIns="91425" tIns="45700" rIns="91425" bIns="45700" anchor="ctr" anchorCtr="0">
+          <a:bodyPr spcFirstLastPara="1" vert="horz" wrap="square" lIns="91425" tIns="45700" rIns="91425" bIns="45700" rtlCol="0" anchor="ctr" anchorCtr="0">
             <a:noAutofit/>
           </a:bodyPr>
           <a:lstStyle/>
           <a:p>
-            <a:pPr marL="0" lvl="0" indent="0" algn="r" rtl="0">
-              <a:spcBef>
-                <a:spcPts val="0"/>
-              </a:spcBef>
-              <a:spcAft>
-                <a:spcPts val="0"/>
-              </a:spcAft>
-              <a:buNone/>
-            </a:pPr>
             <a:fld id="{00000000-1234-1234-1234-123412341234}" type="slidenum">
               <a:rPr lang="en-IN"/>
+              <a:pPr/>
               <a:t>2</a:t>
             </a:fld>
             <a:endParaRPr/>
@@ -13285,7 +11172,7 @@
         </p:nvSpPr>
         <p:spPr>
           <a:xfrm>
-            <a:off x="304800" y="0"/>
+            <a:off x="1828800" y="0"/>
             <a:ext cx="8229600" cy="715962"/>
           </a:xfrm>
           <a:prstGeom prst="rect">
@@ -13308,7 +11195,7 @@
           </a:fontRef>
         </p:style>
         <p:txBody>
-          <a:bodyPr spcFirstLastPara="1" wrap="square" lIns="91425" tIns="45700" rIns="91425" bIns="45700" anchor="ctr" anchorCtr="0">
+          <a:bodyPr spcFirstLastPara="1" vert="horz" wrap="square" lIns="91425" tIns="45700" rIns="91425" bIns="45700" rtlCol="0" anchor="ctr" anchorCtr="0">
             <a:normAutofit fontScale="90000"/>
           </a:bodyPr>
           <a:lstStyle/>
@@ -13337,7 +11224,7 @@
         </p:nvSpPr>
         <p:spPr>
           <a:xfrm>
-            <a:off x="0" y="609600"/>
+            <a:off x="1524000" y="609600"/>
             <a:ext cx="9144000" cy="6248400"/>
           </a:xfrm>
           <a:prstGeom prst="rect">
@@ -13349,7 +11236,7 @@
           </a:ln>
         </p:spPr>
         <p:txBody>
-          <a:bodyPr spcFirstLastPara="1" wrap="square" lIns="91425" tIns="45700" rIns="91425" bIns="45700" anchor="t" anchorCtr="0">
+          <a:bodyPr spcFirstLastPara="1" vert="horz" wrap="square" lIns="91425" tIns="45700" rIns="91425" bIns="45700" rtlCol="0" anchor="t" anchorCtr="0">
             <a:noAutofit/>
           </a:bodyPr>
           <a:lstStyle/>
@@ -13548,22 +11435,14 @@
           </a:ln>
         </p:spPr>
         <p:txBody>
-          <a:bodyPr spcFirstLastPara="1" wrap="square" lIns="91425" tIns="45700" rIns="91425" bIns="45700" anchor="ctr" anchorCtr="0">
+          <a:bodyPr spcFirstLastPara="1" vert="horz" wrap="square" lIns="91425" tIns="45700" rIns="91425" bIns="45700" rtlCol="0" anchor="ctr" anchorCtr="0">
             <a:noAutofit/>
           </a:bodyPr>
           <a:lstStyle/>
           <a:p>
-            <a:pPr marL="0" lvl="0" indent="0" algn="r" rtl="0">
-              <a:spcBef>
-                <a:spcPts val="0"/>
-              </a:spcBef>
-              <a:spcAft>
-                <a:spcPts val="0"/>
-              </a:spcAft>
-              <a:buNone/>
-            </a:pPr>
             <a:fld id="{00000000-1234-1234-1234-123412341234}" type="slidenum">
               <a:rPr lang="en-IN"/>
+              <a:pPr/>
               <a:t>20</a:t>
             </a:fld>
             <a:endParaRPr/>
@@ -13593,7 +11472,7 @@
         </p:blipFill>
         <p:spPr bwMode="auto">
           <a:xfrm>
-            <a:off x="3657600" y="5181600"/>
+            <a:off x="5181600" y="5181601"/>
             <a:ext cx="5486400" cy="1239837"/>
           </a:xfrm>
           <a:prstGeom prst="rect">
@@ -13685,7 +11564,7 @@
           </a:fontRef>
         </p:style>
         <p:txBody>
-          <a:bodyPr spcFirstLastPara="1" wrap="square" lIns="91425" tIns="45700" rIns="91425" bIns="45700" anchor="ctr" anchorCtr="0">
+          <a:bodyPr spcFirstLastPara="1" vert="horz" wrap="square" lIns="91425" tIns="45700" rIns="91425" bIns="45700" rtlCol="0" anchor="ctr" anchorCtr="0">
             <a:normAutofit fontScale="90000"/>
           </a:bodyPr>
           <a:lstStyle/>
@@ -13722,22 +11601,14 @@
           </a:ln>
         </p:spPr>
         <p:txBody>
-          <a:bodyPr spcFirstLastPara="1" wrap="square" lIns="91425" tIns="45700" rIns="91425" bIns="45700" anchor="ctr" anchorCtr="0">
+          <a:bodyPr spcFirstLastPara="1" vert="horz" wrap="square" lIns="91425" tIns="45700" rIns="91425" bIns="45700" rtlCol="0" anchor="ctr" anchorCtr="0">
             <a:noAutofit/>
           </a:bodyPr>
           <a:lstStyle/>
           <a:p>
-            <a:pPr marL="0" lvl="0" indent="0" algn="r" rtl="0">
-              <a:spcBef>
-                <a:spcPts val="0"/>
-              </a:spcBef>
-              <a:spcAft>
-                <a:spcPts val="0"/>
-              </a:spcAft>
-              <a:buNone/>
-            </a:pPr>
             <a:fld id="{00000000-1234-1234-1234-123412341234}" type="slidenum">
               <a:rPr lang="en-IN"/>
+              <a:pPr/>
               <a:t>21</a:t>
             </a:fld>
             <a:endParaRPr/>
@@ -13769,7 +11640,7 @@
         </p:blipFill>
         <p:spPr bwMode="auto">
           <a:xfrm>
-            <a:off x="152400" y="1524000"/>
+            <a:off x="1676400" y="1524001"/>
             <a:ext cx="8991600" cy="5305425"/>
           </a:xfrm>
           <a:prstGeom prst="rect">
@@ -13866,7 +11737,7 @@
           </a:fontRef>
         </p:style>
         <p:txBody>
-          <a:bodyPr spcFirstLastPara="1" wrap="square" lIns="91425" tIns="45700" rIns="91425" bIns="45700" anchor="ctr" anchorCtr="0">
+          <a:bodyPr spcFirstLastPara="1" vert="horz" wrap="square" lIns="91425" tIns="45700" rIns="91425" bIns="45700" rtlCol="0" anchor="ctr" anchorCtr="0">
             <a:normAutofit fontScale="90000"/>
           </a:bodyPr>
           <a:lstStyle/>
@@ -13903,22 +11774,14 @@
           </a:ln>
         </p:spPr>
         <p:txBody>
-          <a:bodyPr spcFirstLastPara="1" wrap="square" lIns="91425" tIns="45700" rIns="91425" bIns="45700" anchor="ctr" anchorCtr="0">
+          <a:bodyPr spcFirstLastPara="1" vert="horz" wrap="square" lIns="91425" tIns="45700" rIns="91425" bIns="45700" rtlCol="0" anchor="ctr" anchorCtr="0">
             <a:noAutofit/>
           </a:bodyPr>
           <a:lstStyle/>
           <a:p>
-            <a:pPr marL="0" lvl="0" indent="0" algn="r" rtl="0">
-              <a:spcBef>
-                <a:spcPts val="0"/>
-              </a:spcBef>
-              <a:spcAft>
-                <a:spcPts val="0"/>
-              </a:spcAft>
-              <a:buNone/>
-            </a:pPr>
             <a:fld id="{00000000-1234-1234-1234-123412341234}" type="slidenum">
               <a:rPr lang="en-IN"/>
+              <a:pPr/>
               <a:t>22</a:t>
             </a:fld>
             <a:endParaRPr/>
@@ -13950,7 +11813,7 @@
         </p:blipFill>
         <p:spPr bwMode="auto">
           <a:xfrm>
-            <a:off x="0" y="1524000"/>
+            <a:off x="1524000" y="1524000"/>
             <a:ext cx="9067800" cy="5334000"/>
           </a:xfrm>
           <a:prstGeom prst="rect">
@@ -14042,7 +11905,7 @@
           </a:fontRef>
         </p:style>
         <p:txBody>
-          <a:bodyPr spcFirstLastPara="1" wrap="square" lIns="91425" tIns="45700" rIns="91425" bIns="45700" anchor="ctr" anchorCtr="0">
+          <a:bodyPr spcFirstLastPara="1" vert="horz" wrap="square" lIns="91425" tIns="45700" rIns="91425" bIns="45700" rtlCol="0" anchor="ctr" anchorCtr="0">
             <a:normAutofit/>
           </a:bodyPr>
           <a:lstStyle/>
@@ -14071,7 +11934,7 @@
         </p:nvSpPr>
         <p:spPr>
           <a:xfrm>
-            <a:off x="0" y="1219200"/>
+            <a:off x="1524000" y="1219200"/>
             <a:ext cx="9144000" cy="5867400"/>
           </a:xfrm>
           <a:prstGeom prst="rect">
@@ -14083,7 +11946,7 @@
           </a:ln>
         </p:spPr>
         <p:txBody>
-          <a:bodyPr spcFirstLastPara="1" wrap="square" lIns="91425" tIns="45700" rIns="91425" bIns="45700" anchor="t" anchorCtr="0">
+          <a:bodyPr spcFirstLastPara="1" vert="horz" wrap="square" lIns="91425" tIns="45700" rIns="91425" bIns="45700" rtlCol="0" anchor="t" anchorCtr="0">
             <a:noAutofit/>
           </a:bodyPr>
           <a:lstStyle/>
@@ -14268,22 +12131,14 @@
           </a:ln>
         </p:spPr>
         <p:txBody>
-          <a:bodyPr spcFirstLastPara="1" wrap="square" lIns="91425" tIns="45700" rIns="91425" bIns="45700" anchor="ctr" anchorCtr="0">
+          <a:bodyPr spcFirstLastPara="1" vert="horz" wrap="square" lIns="91425" tIns="45700" rIns="91425" bIns="45700" rtlCol="0" anchor="ctr" anchorCtr="0">
             <a:noAutofit/>
           </a:bodyPr>
           <a:lstStyle/>
           <a:p>
-            <a:pPr marL="0" lvl="0" indent="0" algn="r" rtl="0">
-              <a:spcBef>
-                <a:spcPts val="0"/>
-              </a:spcBef>
-              <a:spcAft>
-                <a:spcPts val="0"/>
-              </a:spcAft>
-              <a:buNone/>
-            </a:pPr>
             <a:fld id="{00000000-1234-1234-1234-123412341234}" type="slidenum">
               <a:rPr lang="en-IN"/>
+              <a:pPr/>
               <a:t>23</a:t>
             </a:fld>
             <a:endParaRPr/>
@@ -14351,7 +12206,7 @@
           </a:fontRef>
         </p:style>
         <p:txBody>
-          <a:bodyPr spcFirstLastPara="1" wrap="square" lIns="91425" tIns="45700" rIns="91425" bIns="45700" anchor="ctr" anchorCtr="0">
+          <a:bodyPr spcFirstLastPara="1" vert="horz" wrap="square" lIns="91425" tIns="45700" rIns="91425" bIns="45700" rtlCol="0" anchor="ctr" anchorCtr="0">
             <a:normAutofit/>
           </a:bodyPr>
           <a:lstStyle/>
@@ -14388,22 +12243,14 @@
           </a:ln>
         </p:spPr>
         <p:txBody>
-          <a:bodyPr spcFirstLastPara="1" wrap="square" lIns="91425" tIns="45700" rIns="91425" bIns="45700" anchor="ctr" anchorCtr="0">
+          <a:bodyPr spcFirstLastPara="1" vert="horz" wrap="square" lIns="91425" tIns="45700" rIns="91425" bIns="45700" rtlCol="0" anchor="ctr" anchorCtr="0">
             <a:noAutofit/>
           </a:bodyPr>
           <a:lstStyle/>
           <a:p>
-            <a:pPr marL="0" lvl="0" indent="0" algn="r" rtl="0">
-              <a:spcBef>
-                <a:spcPts val="0"/>
-              </a:spcBef>
-              <a:spcAft>
-                <a:spcPts val="0"/>
-              </a:spcAft>
-              <a:buNone/>
-            </a:pPr>
             <a:fld id="{00000000-1234-1234-1234-123412341234}" type="slidenum">
               <a:rPr lang="en-IN"/>
+              <a:pPr/>
               <a:t>24</a:t>
             </a:fld>
             <a:endParaRPr/>
@@ -14435,7 +12282,7 @@
         </p:blipFill>
         <p:spPr bwMode="auto">
           <a:xfrm>
-            <a:off x="228600" y="1600200"/>
+            <a:off x="1752600" y="1600200"/>
             <a:ext cx="8915400" cy="4953000"/>
           </a:xfrm>
           <a:prstGeom prst="rect">
@@ -14508,7 +12355,7 @@
         </p:nvSpPr>
         <p:spPr>
           <a:xfrm>
-            <a:off x="457200" y="0"/>
+            <a:off x="1981200" y="0"/>
             <a:ext cx="8229600" cy="1066800"/>
           </a:xfrm>
           <a:prstGeom prst="rect">
@@ -14531,7 +12378,7 @@
           </a:fontRef>
         </p:style>
         <p:txBody>
-          <a:bodyPr spcFirstLastPara="1" wrap="square" lIns="91425" tIns="45700" rIns="91425" bIns="45700" anchor="ctr" anchorCtr="0">
+          <a:bodyPr spcFirstLastPara="1" vert="horz" wrap="square" lIns="91425" tIns="45700" rIns="91425" bIns="45700" rtlCol="0" anchor="ctr" anchorCtr="0">
             <a:normAutofit/>
           </a:bodyPr>
           <a:lstStyle/>
@@ -14568,22 +12415,14 @@
           </a:ln>
         </p:spPr>
         <p:txBody>
-          <a:bodyPr spcFirstLastPara="1" wrap="square" lIns="91425" tIns="45700" rIns="91425" bIns="45700" anchor="ctr" anchorCtr="0">
+          <a:bodyPr spcFirstLastPara="1" vert="horz" wrap="square" lIns="91425" tIns="45700" rIns="91425" bIns="45700" rtlCol="0" anchor="ctr" anchorCtr="0">
             <a:noAutofit/>
           </a:bodyPr>
           <a:lstStyle/>
           <a:p>
-            <a:pPr marL="0" lvl="0" indent="0" algn="r" rtl="0">
-              <a:spcBef>
-                <a:spcPts val="0"/>
-              </a:spcBef>
-              <a:spcAft>
-                <a:spcPts val="0"/>
-              </a:spcAft>
-              <a:buNone/>
-            </a:pPr>
             <a:fld id="{00000000-1234-1234-1234-123412341234}" type="slidenum">
               <a:rPr lang="en-IN"/>
+              <a:pPr/>
               <a:t>25</a:t>
             </a:fld>
             <a:endParaRPr/>
@@ -14602,7 +12441,7 @@
         </p:nvSpPr>
         <p:spPr>
           <a:xfrm>
-            <a:off x="0" y="990600"/>
+            <a:off x="1524000" y="990600"/>
             <a:ext cx="9067800" cy="5867400"/>
           </a:xfrm>
         </p:spPr>
@@ -14758,7 +12597,7 @@
           </a:fontRef>
         </p:style>
         <p:txBody>
-          <a:bodyPr spcFirstLastPara="1" wrap="square" lIns="91425" tIns="45700" rIns="91425" bIns="45700" anchor="ctr" anchorCtr="0">
+          <a:bodyPr spcFirstLastPara="1" vert="horz" wrap="square" lIns="91425" tIns="45700" rIns="91425" bIns="45700" rtlCol="0" anchor="ctr" anchorCtr="0">
             <a:normAutofit/>
           </a:bodyPr>
           <a:lstStyle/>
@@ -14795,22 +12634,14 @@
           </a:ln>
         </p:spPr>
         <p:txBody>
-          <a:bodyPr spcFirstLastPara="1" wrap="square" lIns="91425" tIns="45700" rIns="91425" bIns="45700" anchor="ctr" anchorCtr="0">
+          <a:bodyPr spcFirstLastPara="1" vert="horz" wrap="square" lIns="91425" tIns="45700" rIns="91425" bIns="45700" rtlCol="0" anchor="ctr" anchorCtr="0">
             <a:noAutofit/>
           </a:bodyPr>
           <a:lstStyle/>
           <a:p>
-            <a:pPr marL="0" lvl="0" indent="0" algn="r" rtl="0">
-              <a:spcBef>
-                <a:spcPts val="0"/>
-              </a:spcBef>
-              <a:spcAft>
-                <a:spcPts val="0"/>
-              </a:spcAft>
-              <a:buNone/>
-            </a:pPr>
             <a:fld id="{00000000-1234-1234-1234-123412341234}" type="slidenum">
               <a:rPr lang="en-IN"/>
+              <a:pPr/>
               <a:t>26</a:t>
             </a:fld>
             <a:endParaRPr/>
@@ -14842,7 +12673,7 @@
         </p:blipFill>
         <p:spPr bwMode="auto">
           <a:xfrm>
-            <a:off x="152400" y="1447800"/>
+            <a:off x="1676400" y="1447800"/>
             <a:ext cx="8991600" cy="5410200"/>
           </a:xfrm>
           <a:prstGeom prst="rect">
@@ -14915,7 +12746,7 @@
         </p:nvSpPr>
         <p:spPr>
           <a:xfrm>
-            <a:off x="457200" y="274638"/>
+            <a:off x="1981200" y="274638"/>
             <a:ext cx="8229600" cy="944562"/>
           </a:xfrm>
           <a:prstGeom prst="rect">
@@ -14938,7 +12769,7 @@
           </a:fontRef>
         </p:style>
         <p:txBody>
-          <a:bodyPr spcFirstLastPara="1" wrap="square" lIns="91425" tIns="45700" rIns="91425" bIns="45700" anchor="ctr" anchorCtr="0">
+          <a:bodyPr spcFirstLastPara="1" vert="horz" wrap="square" lIns="91425" tIns="45700" rIns="91425" bIns="45700" rtlCol="0" anchor="ctr" anchorCtr="0">
             <a:normAutofit/>
           </a:bodyPr>
           <a:lstStyle/>
@@ -14976,7 +12807,7 @@
         </p:nvSpPr>
         <p:spPr>
           <a:xfrm>
-            <a:off x="0" y="1295400"/>
+            <a:off x="1524000" y="1295400"/>
             <a:ext cx="9144000" cy="5533292"/>
           </a:xfrm>
           <a:prstGeom prst="rect">
@@ -14988,7 +12819,7 @@
           </a:ln>
         </p:spPr>
         <p:txBody>
-          <a:bodyPr spcFirstLastPara="1" wrap="square" lIns="91425" tIns="45700" rIns="91425" bIns="45700" anchor="t" anchorCtr="0">
+          <a:bodyPr spcFirstLastPara="1" vert="horz" wrap="square" lIns="91425" tIns="45700" rIns="91425" bIns="45700" rtlCol="0" anchor="t" anchorCtr="0">
             <a:noAutofit/>
           </a:bodyPr>
           <a:lstStyle/>
@@ -15113,22 +12944,14 @@
           </a:ln>
         </p:spPr>
         <p:txBody>
-          <a:bodyPr spcFirstLastPara="1" wrap="square" lIns="91425" tIns="45700" rIns="91425" bIns="45700" anchor="ctr" anchorCtr="0">
+          <a:bodyPr spcFirstLastPara="1" vert="horz" wrap="square" lIns="91425" tIns="45700" rIns="91425" bIns="45700" rtlCol="0" anchor="ctr" anchorCtr="0">
             <a:noAutofit/>
           </a:bodyPr>
           <a:lstStyle/>
           <a:p>
-            <a:pPr marL="0" lvl="0" indent="0" algn="r" rtl="0">
-              <a:spcBef>
-                <a:spcPts val="0"/>
-              </a:spcBef>
-              <a:spcAft>
-                <a:spcPts val="0"/>
-              </a:spcAft>
-              <a:buNone/>
-            </a:pPr>
             <a:fld id="{00000000-1234-1234-1234-123412341234}" type="slidenum">
               <a:rPr lang="en-IN"/>
+              <a:pPr/>
               <a:t>27</a:t>
             </a:fld>
             <a:endParaRPr/>
@@ -15196,7 +13019,7 @@
           </a:fontRef>
         </p:style>
         <p:txBody>
-          <a:bodyPr spcFirstLastPara="1" wrap="square" lIns="91425" tIns="45700" rIns="91425" bIns="45700" anchor="ctr" anchorCtr="0">
+          <a:bodyPr spcFirstLastPara="1" vert="horz" wrap="square" lIns="91425" tIns="45700" rIns="91425" bIns="45700" rtlCol="0" anchor="ctr" anchorCtr="0">
             <a:normAutofit fontScale="90000"/>
           </a:bodyPr>
           <a:lstStyle/>
@@ -15225,7 +13048,7 @@
         </p:nvSpPr>
         <p:spPr>
           <a:xfrm>
-            <a:off x="0" y="1570892"/>
+            <a:off x="1524000" y="1570892"/>
             <a:ext cx="9144000" cy="5257800"/>
           </a:xfrm>
           <a:prstGeom prst="rect">
@@ -15237,7 +13060,7 @@
           </a:ln>
         </p:spPr>
         <p:txBody>
-          <a:bodyPr spcFirstLastPara="1" wrap="square" lIns="91425" tIns="45700" rIns="91425" bIns="45700" anchor="t" anchorCtr="0">
+          <a:bodyPr spcFirstLastPara="1" vert="horz" wrap="square" lIns="91425" tIns="45700" rIns="91425" bIns="45700" rtlCol="0" anchor="t" anchorCtr="0">
             <a:noAutofit/>
           </a:bodyPr>
           <a:lstStyle/>
@@ -15347,22 +13170,14 @@
           </a:ln>
         </p:spPr>
         <p:txBody>
-          <a:bodyPr spcFirstLastPara="1" wrap="square" lIns="91425" tIns="45700" rIns="91425" bIns="45700" anchor="ctr" anchorCtr="0">
+          <a:bodyPr spcFirstLastPara="1" vert="horz" wrap="square" lIns="91425" tIns="45700" rIns="91425" bIns="45700" rtlCol="0" anchor="ctr" anchorCtr="0">
             <a:noAutofit/>
           </a:bodyPr>
           <a:lstStyle/>
           <a:p>
-            <a:pPr marL="0" lvl="0" indent="0" algn="r" rtl="0">
-              <a:spcBef>
-                <a:spcPts val="0"/>
-              </a:spcBef>
-              <a:spcAft>
-                <a:spcPts val="0"/>
-              </a:spcAft>
-              <a:buNone/>
-            </a:pPr>
             <a:fld id="{00000000-1234-1234-1234-123412341234}" type="slidenum">
               <a:rPr lang="en-IN"/>
+              <a:pPr/>
               <a:t>28</a:t>
             </a:fld>
             <a:endParaRPr/>
@@ -15430,7 +13245,7 @@
           </a:fontRef>
         </p:style>
         <p:txBody>
-          <a:bodyPr spcFirstLastPara="1" wrap="square" lIns="91425" tIns="45700" rIns="91425" bIns="45700" anchor="ctr" anchorCtr="0">
+          <a:bodyPr spcFirstLastPara="1" vert="horz" wrap="square" lIns="91425" tIns="45700" rIns="91425" bIns="45700" rtlCol="0" anchor="ctr" anchorCtr="0">
             <a:normAutofit/>
           </a:bodyPr>
           <a:lstStyle/>
@@ -15467,22 +13282,14 @@
           </a:ln>
         </p:spPr>
         <p:txBody>
-          <a:bodyPr spcFirstLastPara="1" wrap="square" lIns="91425" tIns="45700" rIns="91425" bIns="45700" anchor="ctr" anchorCtr="0">
+          <a:bodyPr spcFirstLastPara="1" vert="horz" wrap="square" lIns="91425" tIns="45700" rIns="91425" bIns="45700" rtlCol="0" anchor="ctr" anchorCtr="0">
             <a:noAutofit/>
           </a:bodyPr>
           <a:lstStyle/>
           <a:p>
-            <a:pPr marL="0" lvl="0" indent="0" algn="r" rtl="0">
-              <a:spcBef>
-                <a:spcPts val="0"/>
-              </a:spcBef>
-              <a:spcAft>
-                <a:spcPts val="0"/>
-              </a:spcAft>
-              <a:buNone/>
-            </a:pPr>
             <a:fld id="{00000000-1234-1234-1234-123412341234}" type="slidenum">
               <a:rPr lang="en-IN"/>
+              <a:pPr/>
               <a:t>29</a:t>
             </a:fld>
             <a:endParaRPr/>
@@ -15514,7 +13321,7 @@
         </p:blipFill>
         <p:spPr bwMode="auto">
           <a:xfrm>
-            <a:off x="457200" y="1600200"/>
+            <a:off x="1981200" y="1600200"/>
             <a:ext cx="8382000" cy="5257800"/>
           </a:xfrm>
           <a:prstGeom prst="rect">
@@ -15587,7 +13394,7 @@
         </p:nvSpPr>
         <p:spPr>
           <a:xfrm>
-            <a:off x="0" y="0"/>
+            <a:off x="1524000" y="0"/>
             <a:ext cx="9144000" cy="1066800"/>
           </a:xfrm>
           <a:prstGeom prst="rect">
@@ -15610,7 +13417,7 @@
           </a:fontRef>
         </p:style>
         <p:txBody>
-          <a:bodyPr spcFirstLastPara="1" wrap="square" lIns="91425" tIns="45700" rIns="91425" bIns="45700" anchor="ctr" anchorCtr="0">
+          <a:bodyPr spcFirstLastPara="1" vert="horz" wrap="square" lIns="91425" tIns="45700" rIns="91425" bIns="45700" rtlCol="0" anchor="ctr" anchorCtr="0">
             <a:normAutofit/>
           </a:bodyPr>
           <a:lstStyle/>
@@ -15639,7 +13446,7 @@
         </p:nvSpPr>
         <p:spPr>
           <a:xfrm>
-            <a:off x="0" y="1047750"/>
+            <a:off x="1524000" y="1047750"/>
             <a:ext cx="9144000" cy="5943600"/>
           </a:xfrm>
           <a:prstGeom prst="rect">
@@ -15651,7 +13458,7 @@
           </a:ln>
         </p:spPr>
         <p:txBody>
-          <a:bodyPr spcFirstLastPara="1" wrap="square" lIns="91425" tIns="45700" rIns="91425" bIns="45700" anchor="t" anchorCtr="0">
+          <a:bodyPr spcFirstLastPara="1" vert="horz" wrap="square" lIns="91425" tIns="45700" rIns="91425" bIns="45700" rtlCol="0" anchor="t" anchorCtr="0">
             <a:noAutofit/>
           </a:bodyPr>
           <a:lstStyle/>
@@ -15804,7 +13611,7 @@
         </p:nvSpPr>
         <p:spPr>
           <a:xfrm>
-            <a:off x="6553200" y="6356350"/>
+            <a:off x="8077200" y="6356351"/>
             <a:ext cx="2133600" cy="365125"/>
           </a:xfrm>
           <a:prstGeom prst="rect">
@@ -15816,22 +13623,14 @@
           </a:ln>
         </p:spPr>
         <p:txBody>
-          <a:bodyPr spcFirstLastPara="1" wrap="square" lIns="91425" tIns="45700" rIns="91425" bIns="45700" anchor="ctr" anchorCtr="0">
+          <a:bodyPr spcFirstLastPara="1" vert="horz" wrap="square" lIns="91425" tIns="45700" rIns="91425" bIns="45700" rtlCol="0" anchor="ctr" anchorCtr="0">
             <a:noAutofit/>
           </a:bodyPr>
           <a:lstStyle/>
           <a:p>
-            <a:pPr marL="0" lvl="0" indent="0" algn="r" rtl="0">
-              <a:spcBef>
-                <a:spcPts val="0"/>
-              </a:spcBef>
-              <a:spcAft>
-                <a:spcPts val="0"/>
-              </a:spcAft>
-              <a:buNone/>
-            </a:pPr>
             <a:fld id="{00000000-1234-1234-1234-123412341234}" type="slidenum">
               <a:rPr lang="en-IN"/>
+              <a:pPr/>
               <a:t>3</a:t>
             </a:fld>
             <a:endParaRPr/>
@@ -15880,7 +13679,7 @@
         </p:nvSpPr>
         <p:spPr>
           <a:xfrm>
-            <a:off x="457200" y="0"/>
+            <a:off x="1981200" y="0"/>
             <a:ext cx="8229600" cy="685800"/>
           </a:xfrm>
           <a:prstGeom prst="rect">
@@ -15903,7 +13702,7 @@
           </a:fontRef>
         </p:style>
         <p:txBody>
-          <a:bodyPr spcFirstLastPara="1" wrap="square" lIns="91425" tIns="45700" rIns="91425" bIns="45700" anchor="ctr" anchorCtr="0">
+          <a:bodyPr spcFirstLastPara="1" vert="horz" wrap="square" lIns="91425" tIns="45700" rIns="91425" bIns="45700" rtlCol="0" anchor="ctr" anchorCtr="0">
             <a:normAutofit fontScale="90000"/>
           </a:bodyPr>
           <a:lstStyle/>
@@ -15940,22 +13739,14 @@
           </a:ln>
         </p:spPr>
         <p:txBody>
-          <a:bodyPr spcFirstLastPara="1" wrap="square" lIns="91425" tIns="45700" rIns="91425" bIns="45700" anchor="ctr" anchorCtr="0">
+          <a:bodyPr spcFirstLastPara="1" vert="horz" wrap="square" lIns="91425" tIns="45700" rIns="91425" bIns="45700" rtlCol="0" anchor="ctr" anchorCtr="0">
             <a:noAutofit/>
           </a:bodyPr>
           <a:lstStyle/>
           <a:p>
-            <a:pPr marL="0" lvl="0" indent="0" algn="r" rtl="0">
-              <a:spcBef>
-                <a:spcPts val="0"/>
-              </a:spcBef>
-              <a:spcAft>
-                <a:spcPts val="0"/>
-              </a:spcAft>
-              <a:buNone/>
-            </a:pPr>
             <a:fld id="{00000000-1234-1234-1234-123412341234}" type="slidenum">
               <a:rPr lang="en-IN"/>
+              <a:pPr/>
               <a:t>30</a:t>
             </a:fld>
             <a:endParaRPr/>
@@ -15972,7 +13763,7 @@
         </p:nvSpPr>
         <p:spPr bwMode="auto">
           <a:xfrm>
-            <a:off x="2438400" y="794734"/>
+            <a:off x="3962401" y="794734"/>
             <a:ext cx="6525207" cy="5943600"/>
           </a:xfrm>
           <a:prstGeom prst="rect">
@@ -16127,11 +13918,10 @@
             </a:lvl9pPr>
           </a:lstStyle>
           <a:p>
-            <a:pPr marL="0" indent="0" algn="just" eaLnBrk="1" hangingPunct="1">
+            <a:pPr marL="0" indent="0" algn="just">
               <a:lnSpc>
                 <a:spcPct val="90000"/>
               </a:lnSpc>
-              <a:buFontTx/>
               <a:buNone/>
               <a:defRPr/>
             </a:pPr>
@@ -16153,11 +13943,10 @@
             </a:r>
           </a:p>
           <a:p>
-            <a:pPr marL="0" indent="0" algn="just" eaLnBrk="1" hangingPunct="1">
+            <a:pPr marL="0" indent="0" algn="just">
               <a:lnSpc>
                 <a:spcPct val="90000"/>
               </a:lnSpc>
-              <a:buFontTx/>
               <a:buNone/>
               <a:defRPr/>
             </a:pPr>
@@ -16208,7 +13997,7 @@
         </p:blipFill>
         <p:spPr bwMode="auto">
           <a:xfrm>
-            <a:off x="96591" y="1056068"/>
+            <a:off x="1620591" y="1056068"/>
             <a:ext cx="2432050" cy="5420932"/>
           </a:xfrm>
           <a:prstGeom prst="rect">
@@ -16281,7 +14070,7 @@
         </p:nvSpPr>
         <p:spPr>
           <a:xfrm>
-            <a:off x="304800" y="122830"/>
+            <a:off x="1828800" y="122830"/>
             <a:ext cx="8229600" cy="639762"/>
           </a:xfrm>
           <a:prstGeom prst="rect">
@@ -16304,7 +14093,7 @@
           </a:fontRef>
         </p:style>
         <p:txBody>
-          <a:bodyPr spcFirstLastPara="1" wrap="square" lIns="91425" tIns="45700" rIns="91425" bIns="45700" anchor="ctr" anchorCtr="0">
+          <a:bodyPr spcFirstLastPara="1" vert="horz" wrap="square" lIns="91425" tIns="45700" rIns="91425" bIns="45700" rtlCol="0" anchor="ctr" anchorCtr="0">
             <a:normAutofit fontScale="90000"/>
           </a:bodyPr>
           <a:lstStyle/>
@@ -16341,22 +14130,14 @@
           </a:ln>
         </p:spPr>
         <p:txBody>
-          <a:bodyPr spcFirstLastPara="1" wrap="square" lIns="91425" tIns="45700" rIns="91425" bIns="45700" anchor="ctr" anchorCtr="0">
+          <a:bodyPr spcFirstLastPara="1" vert="horz" wrap="square" lIns="91425" tIns="45700" rIns="91425" bIns="45700" rtlCol="0" anchor="ctr" anchorCtr="0">
             <a:noAutofit/>
           </a:bodyPr>
           <a:lstStyle/>
           <a:p>
-            <a:pPr marL="0" lvl="0" indent="0" algn="r" rtl="0">
-              <a:spcBef>
-                <a:spcPts val="0"/>
-              </a:spcBef>
-              <a:spcAft>
-                <a:spcPts val="0"/>
-              </a:spcAft>
-              <a:buNone/>
-            </a:pPr>
             <a:fld id="{00000000-1234-1234-1234-123412341234}" type="slidenum">
               <a:rPr lang="en-IN"/>
+              <a:pPr/>
               <a:t>31</a:t>
             </a:fld>
             <a:endParaRPr/>
@@ -16373,7 +14154,7 @@
         </p:nvSpPr>
         <p:spPr bwMode="auto">
           <a:xfrm>
-            <a:off x="2266682" y="442711"/>
+            <a:off x="3790682" y="442712"/>
             <a:ext cx="6722772" cy="6415289"/>
           </a:xfrm>
           <a:prstGeom prst="rect">
@@ -16528,11 +14309,10 @@
             </a:lvl9pPr>
           </a:lstStyle>
           <a:p>
-            <a:pPr marL="0" indent="0" algn="just" eaLnBrk="1" hangingPunct="1">
+            <a:pPr marL="0" indent="0" algn="just">
               <a:lnSpc>
                 <a:spcPct val="90000"/>
               </a:lnSpc>
-              <a:buFontTx/>
               <a:buNone/>
               <a:defRPr/>
             </a:pPr>
@@ -16543,11 +14323,10 @@
             </a:endParaRPr>
           </a:p>
           <a:p>
-            <a:pPr marL="0" indent="0" algn="just" eaLnBrk="1" hangingPunct="1">
+            <a:pPr marL="0" indent="0" algn="just">
               <a:lnSpc>
                 <a:spcPct val="90000"/>
               </a:lnSpc>
-              <a:buFontTx/>
               <a:buNone/>
               <a:defRPr/>
             </a:pPr>
@@ -16561,11 +14340,10 @@
             </a:r>
           </a:p>
           <a:p>
-            <a:pPr marL="0" indent="0" algn="just" eaLnBrk="1" hangingPunct="1">
+            <a:pPr marL="0" indent="0" algn="just">
               <a:lnSpc>
                 <a:spcPct val="90000"/>
               </a:lnSpc>
-              <a:buFontTx/>
               <a:buNone/>
               <a:defRPr/>
             </a:pPr>
@@ -16603,7 +14381,7 @@
         </p:blipFill>
         <p:spPr bwMode="auto">
           <a:xfrm>
-            <a:off x="0" y="1108868"/>
+            <a:off x="1524001" y="1108868"/>
             <a:ext cx="2371725" cy="5596732"/>
           </a:xfrm>
           <a:prstGeom prst="rect">
@@ -16676,7 +14454,7 @@
         </p:nvSpPr>
         <p:spPr>
           <a:xfrm>
-            <a:off x="457200" y="0"/>
+            <a:off x="1981200" y="0"/>
             <a:ext cx="8229600" cy="838200"/>
           </a:xfrm>
           <a:prstGeom prst="rect">
@@ -16699,7 +14477,7 @@
           </a:fontRef>
         </p:style>
         <p:txBody>
-          <a:bodyPr spcFirstLastPara="1" wrap="square" lIns="91425" tIns="45700" rIns="91425" bIns="45700" anchor="ctr" anchorCtr="0">
+          <a:bodyPr spcFirstLastPara="1" vert="horz" wrap="square" lIns="91425" tIns="45700" rIns="91425" bIns="45700" rtlCol="0" anchor="ctr" anchorCtr="0">
             <a:normAutofit/>
           </a:bodyPr>
           <a:lstStyle/>
@@ -16736,22 +14514,14 @@
           </a:ln>
         </p:spPr>
         <p:txBody>
-          <a:bodyPr spcFirstLastPara="1" wrap="square" lIns="91425" tIns="45700" rIns="91425" bIns="45700" anchor="ctr" anchorCtr="0">
+          <a:bodyPr spcFirstLastPara="1" vert="horz" wrap="square" lIns="91425" tIns="45700" rIns="91425" bIns="45700" rtlCol="0" anchor="ctr" anchorCtr="0">
             <a:noAutofit/>
           </a:bodyPr>
           <a:lstStyle/>
           <a:p>
-            <a:pPr marL="0" lvl="0" indent="0" algn="r" rtl="0">
-              <a:spcBef>
-                <a:spcPts val="0"/>
-              </a:spcBef>
-              <a:spcAft>
-                <a:spcPts val="0"/>
-              </a:spcAft>
-              <a:buNone/>
-            </a:pPr>
             <a:fld id="{00000000-1234-1234-1234-123412341234}" type="slidenum">
               <a:rPr lang="en-IN"/>
+              <a:pPr/>
               <a:t>32</a:t>
             </a:fld>
             <a:endParaRPr/>
@@ -16766,7 +14536,7 @@
         </p:nvSpPr>
         <p:spPr>
           <a:xfrm>
-            <a:off x="228600" y="980187"/>
+            <a:off x="1752600" y="980187"/>
             <a:ext cx="8229600" cy="5509200"/>
           </a:xfrm>
           <a:prstGeom prst="rect">
@@ -16780,7 +14550,7 @@
           </a:bodyPr>
           <a:lstStyle/>
           <a:p>
-            <a:pPr marL="285750" indent="-285750" algn="l">
+            <a:pPr marL="285750" indent="-285750">
               <a:buFont typeface="Arial" panose="020B0604020202020204" pitchFamily="34" charset="0"/>
               <a:buChar char="•"/>
               <a:defRPr/>
@@ -16796,7 +14566,7 @@
             </a:r>
           </a:p>
           <a:p>
-            <a:pPr marL="285750" indent="-285750" algn="l">
+            <a:pPr marL="285750" indent="-285750">
               <a:buFont typeface="Arial" panose="020B0604020202020204" pitchFamily="34" charset="0"/>
               <a:buChar char="•"/>
               <a:defRPr/>
@@ -16812,7 +14582,7 @@
             </a:r>
           </a:p>
           <a:p>
-            <a:pPr marL="285750" indent="-285750" algn="l">
+            <a:pPr marL="285750" indent="-285750">
               <a:buFont typeface="Arial" panose="020B0604020202020204" pitchFamily="34" charset="0"/>
               <a:buChar char="•"/>
               <a:defRPr/>
@@ -16855,7 +14625,7 @@
             </a:r>
           </a:p>
           <a:p>
-            <a:pPr marL="285750" indent="-285750" algn="l">
+            <a:pPr marL="285750" indent="-285750">
               <a:buFont typeface="Arial" panose="020B0604020202020204" pitchFamily="34" charset="0"/>
               <a:buChar char="•"/>
               <a:defRPr/>
@@ -16977,7 +14747,7 @@
         </p:blipFill>
         <p:spPr bwMode="auto">
           <a:xfrm>
-            <a:off x="1884072" y="6071081"/>
+            <a:off x="3408072" y="6071081"/>
             <a:ext cx="5562600" cy="836612"/>
           </a:xfrm>
           <a:prstGeom prst="rect">
@@ -17069,7 +14839,7 @@
           </a:fontRef>
         </p:style>
         <p:txBody>
-          <a:bodyPr spcFirstLastPara="1" wrap="square" lIns="91425" tIns="45700" rIns="91425" bIns="45700" anchor="ctr" anchorCtr="0">
+          <a:bodyPr spcFirstLastPara="1" vert="horz" wrap="square" lIns="91425" tIns="45700" rIns="91425" bIns="45700" rtlCol="0" anchor="ctr" anchorCtr="0">
             <a:normAutofit/>
           </a:bodyPr>
           <a:lstStyle/>
@@ -17106,22 +14876,14 @@
           </a:ln>
         </p:spPr>
         <p:txBody>
-          <a:bodyPr spcFirstLastPara="1" wrap="square" lIns="91425" tIns="45700" rIns="91425" bIns="45700" anchor="ctr" anchorCtr="0">
+          <a:bodyPr spcFirstLastPara="1" vert="horz" wrap="square" lIns="91425" tIns="45700" rIns="91425" bIns="45700" rtlCol="0" anchor="ctr" anchorCtr="0">
             <a:noAutofit/>
           </a:bodyPr>
           <a:lstStyle/>
           <a:p>
-            <a:pPr marL="0" lvl="0" indent="0" algn="r" rtl="0">
-              <a:spcBef>
-                <a:spcPts val="0"/>
-              </a:spcBef>
-              <a:spcAft>
-                <a:spcPts val="0"/>
-              </a:spcAft>
-              <a:buNone/>
-            </a:pPr>
             <a:fld id="{00000000-1234-1234-1234-123412341234}" type="slidenum">
               <a:rPr lang="en-IN"/>
+              <a:pPr/>
               <a:t>33</a:t>
             </a:fld>
             <a:endParaRPr/>
@@ -17136,7 +14898,7 @@
         </p:nvSpPr>
         <p:spPr>
           <a:xfrm>
-            <a:off x="-17585" y="1447800"/>
+            <a:off x="1506415" y="1447801"/>
             <a:ext cx="9144000" cy="5324535"/>
           </a:xfrm>
           <a:prstGeom prst="rect">
@@ -17395,7 +15157,7 @@
           </a:fontRef>
         </p:style>
         <p:txBody>
-          <a:bodyPr spcFirstLastPara="1" wrap="square" lIns="91425" tIns="45700" rIns="91425" bIns="45700" anchor="ctr" anchorCtr="0">
+          <a:bodyPr spcFirstLastPara="1" vert="horz" wrap="square" lIns="91425" tIns="45700" rIns="91425" bIns="45700" rtlCol="0" anchor="ctr" anchorCtr="0">
             <a:normAutofit/>
           </a:bodyPr>
           <a:lstStyle/>
@@ -17424,7 +15186,7 @@
         </p:nvSpPr>
         <p:spPr>
           <a:xfrm>
-            <a:off x="0" y="1570892"/>
+            <a:off x="1524000" y="1570892"/>
             <a:ext cx="9144000" cy="5257800"/>
           </a:xfrm>
           <a:prstGeom prst="rect">
@@ -17436,7 +15198,7 @@
           </a:ln>
         </p:spPr>
         <p:txBody>
-          <a:bodyPr spcFirstLastPara="1" wrap="square" lIns="91425" tIns="45700" rIns="91425" bIns="45700" anchor="t" anchorCtr="0">
+          <a:bodyPr spcFirstLastPara="1" vert="horz" wrap="square" lIns="91425" tIns="45700" rIns="91425" bIns="45700" rtlCol="0" anchor="t" anchorCtr="0">
             <a:noAutofit/>
           </a:bodyPr>
           <a:lstStyle/>
@@ -17645,22 +15407,14 @@
           </a:ln>
         </p:spPr>
         <p:txBody>
-          <a:bodyPr spcFirstLastPara="1" wrap="square" lIns="91425" tIns="45700" rIns="91425" bIns="45700" anchor="ctr" anchorCtr="0">
+          <a:bodyPr spcFirstLastPara="1" vert="horz" wrap="square" lIns="91425" tIns="45700" rIns="91425" bIns="45700" rtlCol="0" anchor="ctr" anchorCtr="0">
             <a:noAutofit/>
           </a:bodyPr>
           <a:lstStyle/>
           <a:p>
-            <a:pPr marL="0" lvl="0" indent="0" algn="r" rtl="0">
-              <a:spcBef>
-                <a:spcPts val="0"/>
-              </a:spcBef>
-              <a:spcAft>
-                <a:spcPts val="0"/>
-              </a:spcAft>
-              <a:buNone/>
-            </a:pPr>
             <a:fld id="{00000000-1234-1234-1234-123412341234}" type="slidenum">
               <a:rPr lang="en-IN"/>
+              <a:pPr/>
               <a:t>34</a:t>
             </a:fld>
             <a:endParaRPr/>
@@ -17709,7 +15463,7 @@
         </p:nvSpPr>
         <p:spPr>
           <a:xfrm>
-            <a:off x="457200" y="76200"/>
+            <a:off x="1981200" y="76200"/>
             <a:ext cx="8229600" cy="792162"/>
           </a:xfrm>
           <a:prstGeom prst="rect">
@@ -17732,7 +15486,7 @@
           </a:fontRef>
         </p:style>
         <p:txBody>
-          <a:bodyPr spcFirstLastPara="1" wrap="square" lIns="91425" tIns="45700" rIns="91425" bIns="45700" anchor="ctr" anchorCtr="0">
+          <a:bodyPr spcFirstLastPara="1" vert="horz" wrap="square" lIns="91425" tIns="45700" rIns="91425" bIns="45700" rtlCol="0" anchor="ctr" anchorCtr="0">
             <a:normAutofit/>
           </a:bodyPr>
           <a:lstStyle/>
@@ -17761,7 +15515,7 @@
         </p:nvSpPr>
         <p:spPr>
           <a:xfrm>
-            <a:off x="0" y="914400"/>
+            <a:off x="1524000" y="914400"/>
             <a:ext cx="9144000" cy="5914292"/>
           </a:xfrm>
           <a:prstGeom prst="rect">
@@ -17773,7 +15527,7 @@
           </a:ln>
         </p:spPr>
         <p:txBody>
-          <a:bodyPr spcFirstLastPara="1" wrap="square" lIns="91425" tIns="45700" rIns="91425" bIns="45700" anchor="t" anchorCtr="0">
+          <a:bodyPr spcFirstLastPara="1" vert="horz" wrap="square" lIns="91425" tIns="45700" rIns="91425" bIns="45700" rtlCol="0" anchor="t" anchorCtr="0">
             <a:noAutofit/>
           </a:bodyPr>
           <a:lstStyle/>
@@ -17958,22 +15712,14 @@
           </a:ln>
         </p:spPr>
         <p:txBody>
-          <a:bodyPr spcFirstLastPara="1" wrap="square" lIns="91425" tIns="45700" rIns="91425" bIns="45700" anchor="ctr" anchorCtr="0">
+          <a:bodyPr spcFirstLastPara="1" vert="horz" wrap="square" lIns="91425" tIns="45700" rIns="91425" bIns="45700" rtlCol="0" anchor="ctr" anchorCtr="0">
             <a:noAutofit/>
           </a:bodyPr>
           <a:lstStyle/>
           <a:p>
-            <a:pPr marL="0" lvl="0" indent="0" algn="r" rtl="0">
-              <a:spcBef>
-                <a:spcPts val="0"/>
-              </a:spcBef>
-              <a:spcAft>
-                <a:spcPts val="0"/>
-              </a:spcAft>
-              <a:buNone/>
-            </a:pPr>
             <a:fld id="{00000000-1234-1234-1234-123412341234}" type="slidenum">
               <a:rPr lang="en-IN"/>
+              <a:pPr/>
               <a:t>35</a:t>
             </a:fld>
             <a:endParaRPr/>
@@ -18022,7 +15768,7 @@
         </p:nvSpPr>
         <p:spPr>
           <a:xfrm>
-            <a:off x="457200" y="0"/>
+            <a:off x="1981200" y="0"/>
             <a:ext cx="8229600" cy="838200"/>
           </a:xfrm>
           <a:prstGeom prst="rect">
@@ -18045,7 +15791,7 @@
           </a:fontRef>
         </p:style>
         <p:txBody>
-          <a:bodyPr spcFirstLastPara="1" wrap="square" lIns="91425" tIns="45700" rIns="91425" bIns="45700" anchor="ctr" anchorCtr="0">
+          <a:bodyPr spcFirstLastPara="1" vert="horz" wrap="square" lIns="91425" tIns="45700" rIns="91425" bIns="45700" rtlCol="0" anchor="ctr" anchorCtr="0">
             <a:normAutofit/>
           </a:bodyPr>
           <a:lstStyle/>
@@ -18074,7 +15820,7 @@
         </p:nvSpPr>
         <p:spPr>
           <a:xfrm>
-            <a:off x="0" y="914400"/>
+            <a:off x="1524000" y="914400"/>
             <a:ext cx="9144000" cy="6066692"/>
           </a:xfrm>
           <a:prstGeom prst="rect">
@@ -18086,7 +15832,7 @@
           </a:ln>
         </p:spPr>
         <p:txBody>
-          <a:bodyPr spcFirstLastPara="1" wrap="square" lIns="91425" tIns="45700" rIns="91425" bIns="45700" anchor="t" anchorCtr="0">
+          <a:bodyPr spcFirstLastPara="1" vert="horz" wrap="square" lIns="91425" tIns="45700" rIns="91425" bIns="45700" rtlCol="0" anchor="t" anchorCtr="0">
             <a:noAutofit/>
           </a:bodyPr>
           <a:lstStyle/>
@@ -18158,22 +15904,14 @@
           </a:ln>
         </p:spPr>
         <p:txBody>
-          <a:bodyPr spcFirstLastPara="1" wrap="square" lIns="91425" tIns="45700" rIns="91425" bIns="45700" anchor="ctr" anchorCtr="0">
+          <a:bodyPr spcFirstLastPara="1" vert="horz" wrap="square" lIns="91425" tIns="45700" rIns="91425" bIns="45700" rtlCol="0" anchor="ctr" anchorCtr="0">
             <a:noAutofit/>
           </a:bodyPr>
           <a:lstStyle/>
           <a:p>
-            <a:pPr marL="0" lvl="0" indent="0" algn="r" rtl="0">
-              <a:spcBef>
-                <a:spcPts val="0"/>
-              </a:spcBef>
-              <a:spcAft>
-                <a:spcPts val="0"/>
-              </a:spcAft>
-              <a:buNone/>
-            </a:pPr>
             <a:fld id="{00000000-1234-1234-1234-123412341234}" type="slidenum">
               <a:rPr lang="en-IN"/>
+              <a:pPr/>
               <a:t>36</a:t>
             </a:fld>
             <a:endParaRPr/>
@@ -18241,7 +15979,7 @@
           </a:fontRef>
         </p:style>
         <p:txBody>
-          <a:bodyPr spcFirstLastPara="1" wrap="square" lIns="91425" tIns="45700" rIns="91425" bIns="45700" anchor="ctr" anchorCtr="0">
+          <a:bodyPr spcFirstLastPara="1" vert="horz" wrap="square" lIns="91425" tIns="45700" rIns="91425" bIns="45700" rtlCol="0" anchor="ctr" anchorCtr="0">
             <a:normAutofit/>
           </a:bodyPr>
           <a:lstStyle/>
@@ -18278,22 +16016,14 @@
           </a:ln>
         </p:spPr>
         <p:txBody>
-          <a:bodyPr spcFirstLastPara="1" wrap="square" lIns="91425" tIns="45700" rIns="91425" bIns="45700" anchor="ctr" anchorCtr="0">
+          <a:bodyPr spcFirstLastPara="1" vert="horz" wrap="square" lIns="91425" tIns="45700" rIns="91425" bIns="45700" rtlCol="0" anchor="ctr" anchorCtr="0">
             <a:noAutofit/>
           </a:bodyPr>
           <a:lstStyle/>
           <a:p>
-            <a:pPr marL="0" lvl="0" indent="0" algn="r" rtl="0">
-              <a:spcBef>
-                <a:spcPts val="0"/>
-              </a:spcBef>
-              <a:spcAft>
-                <a:spcPts val="0"/>
-              </a:spcAft>
-              <a:buNone/>
-            </a:pPr>
             <a:fld id="{00000000-1234-1234-1234-123412341234}" type="slidenum">
               <a:rPr lang="en-IN"/>
+              <a:pPr/>
               <a:t>37</a:t>
             </a:fld>
             <a:endParaRPr/>
@@ -18325,7 +16055,7 @@
         </p:blipFill>
         <p:spPr bwMode="auto">
           <a:xfrm>
-            <a:off x="1295400" y="1524000"/>
+            <a:off x="2819400" y="1524000"/>
             <a:ext cx="5029200" cy="5105400"/>
           </a:xfrm>
           <a:prstGeom prst="rect">
@@ -18417,7 +16147,7 @@
           </a:fontRef>
         </p:style>
         <p:txBody>
-          <a:bodyPr spcFirstLastPara="1" wrap="square" lIns="91425" tIns="45700" rIns="91425" bIns="45700" anchor="ctr" anchorCtr="0">
+          <a:bodyPr spcFirstLastPara="1" vert="horz" wrap="square" lIns="91425" tIns="45700" rIns="91425" bIns="45700" rtlCol="0" anchor="ctr" anchorCtr="0">
             <a:normAutofit/>
           </a:bodyPr>
           <a:lstStyle/>
@@ -18461,7 +16191,7 @@
         </p:nvSpPr>
         <p:spPr>
           <a:xfrm>
-            <a:off x="0" y="1570892"/>
+            <a:off x="1524000" y="1570892"/>
             <a:ext cx="9144000" cy="5257800"/>
           </a:xfrm>
           <a:prstGeom prst="rect">
@@ -18473,7 +16203,7 @@
           </a:ln>
         </p:spPr>
         <p:txBody>
-          <a:bodyPr spcFirstLastPara="1" wrap="square" lIns="91425" tIns="45700" rIns="91425" bIns="45700" anchor="t" anchorCtr="0">
+          <a:bodyPr spcFirstLastPara="1" vert="horz" wrap="square" lIns="91425" tIns="45700" rIns="91425" bIns="45700" rtlCol="0" anchor="t" anchorCtr="0">
             <a:noAutofit/>
           </a:bodyPr>
           <a:lstStyle/>
@@ -18562,251 +16292,15 @@
           </a:ln>
         </p:spPr>
         <p:txBody>
-          <a:bodyPr spcFirstLastPara="1" wrap="square" lIns="91425" tIns="45700" rIns="91425" bIns="45700" anchor="ctr" anchorCtr="0">
+          <a:bodyPr spcFirstLastPara="1" vert="horz" wrap="square" lIns="91425" tIns="45700" rIns="91425" bIns="45700" rtlCol="0" anchor="ctr" anchorCtr="0">
             <a:noAutofit/>
           </a:bodyPr>
           <a:lstStyle/>
           <a:p>
-            <a:pPr marL="0" lvl="0" indent="0" algn="r" rtl="0">
-              <a:spcBef>
-                <a:spcPts val="0"/>
-              </a:spcBef>
-              <a:spcAft>
-                <a:spcPts val="0"/>
-              </a:spcAft>
-              <a:buNone/>
-            </a:pPr>
             <a:fld id="{00000000-1234-1234-1234-123412341234}" type="slidenum">
               <a:rPr lang="en-IN"/>
+              <a:pPr/>
               <a:t>38</a:t>
-            </a:fld>
-            <a:endParaRPr/>
-          </a:p>
-        </p:txBody>
-      </p:sp>
-    </p:spTree>
-    <p:extLst>
-      <p:ext uri="{BB962C8B-B14F-4D97-AF65-F5344CB8AC3E}">
-        <p14:creationId xmlns:p14="http://schemas.microsoft.com/office/powerpoint/2010/main" val="2397707452"/>
-      </p:ext>
-    </p:extLst>
-  </p:cSld>
-  <p:clrMapOvr>
-    <a:masterClrMapping/>
-  </p:clrMapOvr>
-</p:sld>
-</file>
-
-<file path=ppt/slides/slide39.xml><?xml version="1.0" encoding="utf-8"?>
-<p:sld xmlns:a="http://schemas.openxmlformats.org/drawingml/2006/main" xmlns:r="http://schemas.openxmlformats.org/officeDocument/2006/relationships" xmlns:p="http://schemas.openxmlformats.org/presentationml/2006/main">
-  <p:cSld>
-    <p:spTree>
-      <p:nvGrpSpPr>
-        <p:cNvPr id="1" name="Shape 134"/>
-        <p:cNvGrpSpPr/>
-        <p:nvPr/>
-      </p:nvGrpSpPr>
-      <p:grpSpPr>
-        <a:xfrm>
-          <a:off x="0" y="0"/>
-          <a:ext cx="0" cy="0"/>
-          <a:chOff x="0" y="0"/>
-          <a:chExt cx="0" cy="0"/>
-        </a:xfrm>
-      </p:grpSpPr>
-      <p:sp>
-        <p:nvSpPr>
-          <p:cNvPr id="135" name="Google Shape;135;p6"/>
-          <p:cNvSpPr txBox="1">
-            <a:spLocks noGrp="1"/>
-          </p:cNvSpPr>
-          <p:nvPr>
-            <p:ph type="title"/>
-          </p:nvPr>
-        </p:nvSpPr>
-        <p:spPr>
-          <a:prstGeom prst="rect">
-            <a:avLst/>
-          </a:prstGeom>
-          <a:ln/>
-        </p:spPr>
-        <p:style>
-          <a:lnRef idx="0">
-            <a:schemeClr val="accent3"/>
-          </a:lnRef>
-          <a:fillRef idx="3">
-            <a:schemeClr val="accent3"/>
-          </a:fillRef>
-          <a:effectRef idx="3">
-            <a:schemeClr val="accent3"/>
-          </a:effectRef>
-          <a:fontRef idx="minor">
-            <a:schemeClr val="lt1"/>
-          </a:fontRef>
-        </p:style>
-        <p:txBody>
-          <a:bodyPr spcFirstLastPara="1" wrap="square" lIns="91425" tIns="45700" rIns="91425" bIns="45700" anchor="ctr" anchorCtr="0">
-            <a:normAutofit/>
-          </a:bodyPr>
-          <a:lstStyle/>
-          <a:p>
-            <a:pPr lvl="0">
-              <a:defRPr/>
-            </a:pPr>
-            <a:r>
-              <a:rPr lang="en-IN" dirty="0">
-                <a:solidFill>
-                  <a:schemeClr val="tx1"/>
-                </a:solidFill>
-              </a:rPr>
-              <a:t>Thank you…..</a:t>
-            </a:r>
-            <a:endParaRPr lang="en-US" b="1" dirty="0">
-              <a:ln w="1905"/>
-              <a:solidFill>
-                <a:schemeClr val="tx1"/>
-              </a:solidFill>
-              <a:effectLst>
-                <a:innerShdw blurRad="69850" dist="43180" dir="5400000">
-                  <a:srgbClr val="000000">
-                    <a:alpha val="65000"/>
-                  </a:srgbClr>
-                </a:innerShdw>
-              </a:effectLst>
-            </a:endParaRPr>
-          </a:p>
-        </p:txBody>
-      </p:sp>
-      <p:sp>
-        <p:nvSpPr>
-          <p:cNvPr id="136" name="Google Shape;136;p6"/>
-          <p:cNvSpPr txBox="1">
-            <a:spLocks noGrp="1"/>
-          </p:cNvSpPr>
-          <p:nvPr>
-            <p:ph idx="1"/>
-          </p:nvPr>
-        </p:nvSpPr>
-        <p:spPr>
-          <a:xfrm>
-            <a:off x="0" y="1570892"/>
-            <a:ext cx="9144000" cy="5257800"/>
-          </a:xfrm>
-          <a:prstGeom prst="rect">
-            <a:avLst/>
-          </a:prstGeom>
-          <a:noFill/>
-          <a:ln>
-            <a:noFill/>
-          </a:ln>
-        </p:spPr>
-        <p:txBody>
-          <a:bodyPr spcFirstLastPara="1" wrap="square" lIns="91425" tIns="45700" rIns="91425" bIns="45700" anchor="t" anchorCtr="0">
-            <a:noAutofit/>
-          </a:bodyPr>
-          <a:lstStyle/>
-          <a:p>
-            <a:pPr marL="0" indent="0">
-              <a:buNone/>
-            </a:pPr>
-            <a:endParaRPr lang="en-US" b="1" dirty="0">
-              <a:solidFill>
-                <a:prstClr val="black"/>
-              </a:solidFill>
-            </a:endParaRPr>
-          </a:p>
-          <a:p>
-            <a:pPr marL="0" indent="0">
-              <a:buNone/>
-            </a:pPr>
-            <a:r>
-              <a:rPr lang="en-US" b="1" dirty="0">
-                <a:solidFill>
-                  <a:prstClr val="black"/>
-                </a:solidFill>
-              </a:rPr>
-              <a:t>					</a:t>
-            </a:r>
-          </a:p>
-          <a:p>
-            <a:endParaRPr lang="en-US" b="1" dirty="0">
-              <a:solidFill>
-                <a:prstClr val="black"/>
-              </a:solidFill>
-            </a:endParaRPr>
-          </a:p>
-          <a:p>
-            <a:pPr marL="0" indent="0">
-              <a:buNone/>
-            </a:pPr>
-            <a:r>
-              <a:rPr lang="en-US" b="1" dirty="0">
-                <a:solidFill>
-                  <a:prstClr val="black"/>
-                </a:solidFill>
-              </a:rPr>
-              <a:t>	You can mail your Queries to :</a:t>
-            </a:r>
-          </a:p>
-          <a:p>
-            <a:pPr marL="0" indent="0">
-              <a:buNone/>
-            </a:pPr>
-            <a:r>
-              <a:rPr lang="en-US" b="1" dirty="0">
-                <a:solidFill>
-                  <a:prstClr val="black"/>
-                </a:solidFill>
-              </a:rPr>
-              <a:t>		a2kousarj@gmail.com</a:t>
-            </a:r>
-            <a:endParaRPr lang="en-IN" dirty="0"/>
-          </a:p>
-          <a:p>
-            <a:pPr marL="0" indent="0">
-              <a:buNone/>
-            </a:pPr>
-            <a:endParaRPr lang="en-US" dirty="0"/>
-          </a:p>
-        </p:txBody>
-      </p:sp>
-      <p:sp>
-        <p:nvSpPr>
-          <p:cNvPr id="137" name="Google Shape;137;p6"/>
-          <p:cNvSpPr txBox="1">
-            <a:spLocks noGrp="1"/>
-          </p:cNvSpPr>
-          <p:nvPr>
-            <p:ph type="sldNum" sz="quarter" idx="12"/>
-          </p:nvPr>
-        </p:nvSpPr>
-        <p:spPr>
-          <a:prstGeom prst="rect">
-            <a:avLst/>
-          </a:prstGeom>
-          <a:noFill/>
-          <a:ln>
-            <a:noFill/>
-          </a:ln>
-        </p:spPr>
-        <p:txBody>
-          <a:bodyPr spcFirstLastPara="1" wrap="square" lIns="91425" tIns="45700" rIns="91425" bIns="45700" anchor="ctr" anchorCtr="0">
-            <a:noAutofit/>
-          </a:bodyPr>
-          <a:lstStyle/>
-          <a:p>
-            <a:pPr marL="0" lvl="0" indent="0" algn="r" rtl="0">
-              <a:spcBef>
-                <a:spcPts val="0"/>
-              </a:spcBef>
-              <a:spcAft>
-                <a:spcPts val="0"/>
-              </a:spcAft>
-              <a:buNone/>
-            </a:pPr>
-            <a:fld id="{00000000-1234-1234-1234-123412341234}" type="slidenum">
-              <a:rPr lang="en-IN"/>
-              <a:t>39</a:t>
             </a:fld>
             <a:endParaRPr/>
           </a:p>
@@ -18854,7 +16348,7 @@
         </p:nvSpPr>
         <p:spPr>
           <a:xfrm>
-            <a:off x="0" y="0"/>
+            <a:off x="1524000" y="0"/>
             <a:ext cx="9144000" cy="762000"/>
           </a:xfrm>
           <a:prstGeom prst="rect">
@@ -18877,7 +16371,7 @@
           </a:fontRef>
         </p:style>
         <p:txBody>
-          <a:bodyPr spcFirstLastPara="1" wrap="square" lIns="91425" tIns="45700" rIns="91425" bIns="45700" anchor="ctr" anchorCtr="0">
+          <a:bodyPr spcFirstLastPara="1" vert="horz" wrap="square" lIns="91425" tIns="45700" rIns="91425" bIns="45700" rtlCol="0" anchor="ctr" anchorCtr="0">
             <a:normAutofit/>
           </a:bodyPr>
           <a:lstStyle/>
@@ -18906,7 +16400,7 @@
         </p:nvSpPr>
         <p:spPr>
           <a:xfrm>
-            <a:off x="0" y="762000"/>
+            <a:off x="1524000" y="762000"/>
             <a:ext cx="9144000" cy="6229350"/>
           </a:xfrm>
           <a:prstGeom prst="rect">
@@ -18918,7 +16412,7 @@
           </a:ln>
         </p:spPr>
         <p:txBody>
-          <a:bodyPr spcFirstLastPara="1" wrap="square" lIns="91425" tIns="45700" rIns="91425" bIns="45700" anchor="t" anchorCtr="0">
+          <a:bodyPr spcFirstLastPara="1" vert="horz" wrap="square" lIns="91425" tIns="45700" rIns="91425" bIns="45700" rtlCol="0" anchor="t" anchorCtr="0">
             <a:noAutofit/>
           </a:bodyPr>
           <a:lstStyle/>
@@ -19057,7 +16551,7 @@
         </p:nvSpPr>
         <p:spPr>
           <a:xfrm>
-            <a:off x="6553200" y="6356350"/>
+            <a:off x="8077200" y="6356351"/>
             <a:ext cx="2133600" cy="365125"/>
           </a:xfrm>
           <a:prstGeom prst="rect">
@@ -19069,22 +16563,14 @@
           </a:ln>
         </p:spPr>
         <p:txBody>
-          <a:bodyPr spcFirstLastPara="1" wrap="square" lIns="91425" tIns="45700" rIns="91425" bIns="45700" anchor="ctr" anchorCtr="0">
+          <a:bodyPr spcFirstLastPara="1" vert="horz" wrap="square" lIns="91425" tIns="45700" rIns="91425" bIns="45700" rtlCol="0" anchor="ctr" anchorCtr="0">
             <a:noAutofit/>
           </a:bodyPr>
           <a:lstStyle/>
           <a:p>
-            <a:pPr marL="0" lvl="0" indent="0" algn="r" rtl="0">
-              <a:spcBef>
-                <a:spcPts val="0"/>
-              </a:spcBef>
-              <a:spcAft>
-                <a:spcPts val="0"/>
-              </a:spcAft>
-              <a:buNone/>
-            </a:pPr>
             <a:fld id="{00000000-1234-1234-1234-123412341234}" type="slidenum">
               <a:rPr lang="en-IN"/>
+              <a:pPr/>
               <a:t>4</a:t>
             </a:fld>
             <a:endParaRPr/>
@@ -19891,2286 +17377,6 @@
 </p:sld>
 </file>
 
-<file path=ppt/slides/slide40.xml><?xml version="1.0" encoding="utf-8"?>
-<p:sld xmlns:a="http://schemas.openxmlformats.org/drawingml/2006/main" xmlns:r="http://schemas.openxmlformats.org/officeDocument/2006/relationships" xmlns:p="http://schemas.openxmlformats.org/presentationml/2006/main">
-  <p:cSld>
-    <p:spTree>
-      <p:nvGrpSpPr>
-        <p:cNvPr id="1" name="Shape 134"/>
-        <p:cNvGrpSpPr/>
-        <p:nvPr/>
-      </p:nvGrpSpPr>
-      <p:grpSpPr>
-        <a:xfrm>
-          <a:off x="0" y="0"/>
-          <a:ext cx="0" cy="0"/>
-          <a:chOff x="0" y="0"/>
-          <a:chExt cx="0" cy="0"/>
-        </a:xfrm>
-      </p:grpSpPr>
-      <p:sp>
-        <p:nvSpPr>
-          <p:cNvPr id="135" name="Google Shape;135;p6"/>
-          <p:cNvSpPr txBox="1">
-            <a:spLocks noGrp="1"/>
-          </p:cNvSpPr>
-          <p:nvPr>
-            <p:ph type="title"/>
-          </p:nvPr>
-        </p:nvSpPr>
-        <p:spPr>
-          <a:prstGeom prst="rect">
-            <a:avLst/>
-          </a:prstGeom>
-          <a:ln/>
-        </p:spPr>
-        <p:style>
-          <a:lnRef idx="0">
-            <a:schemeClr val="accent3"/>
-          </a:lnRef>
-          <a:fillRef idx="3">
-            <a:schemeClr val="accent3"/>
-          </a:fillRef>
-          <a:effectRef idx="3">
-            <a:schemeClr val="accent3"/>
-          </a:effectRef>
-          <a:fontRef idx="minor">
-            <a:schemeClr val="lt1"/>
-          </a:fontRef>
-        </p:style>
-        <p:txBody>
-          <a:bodyPr spcFirstLastPara="1" wrap="square" lIns="91425" tIns="45700" rIns="91425" bIns="45700" anchor="ctr" anchorCtr="0">
-            <a:normAutofit/>
-          </a:bodyPr>
-          <a:lstStyle/>
-          <a:p>
-            <a:pPr lvl="0">
-              <a:defRPr/>
-            </a:pPr>
-            <a:r>
-              <a:rPr lang="en-IN" dirty="0">
-                <a:solidFill>
-                  <a:schemeClr val="tx1"/>
-                </a:solidFill>
-              </a:rPr>
-              <a:t>Thank you…..</a:t>
-            </a:r>
-            <a:endParaRPr lang="en-US" b="1" dirty="0">
-              <a:ln w="1905"/>
-              <a:solidFill>
-                <a:schemeClr val="tx1"/>
-              </a:solidFill>
-              <a:effectLst>
-                <a:innerShdw blurRad="69850" dist="43180" dir="5400000">
-                  <a:srgbClr val="000000">
-                    <a:alpha val="65000"/>
-                  </a:srgbClr>
-                </a:innerShdw>
-              </a:effectLst>
-            </a:endParaRPr>
-          </a:p>
-        </p:txBody>
-      </p:sp>
-      <p:sp>
-        <p:nvSpPr>
-          <p:cNvPr id="136" name="Google Shape;136;p6"/>
-          <p:cNvSpPr txBox="1">
-            <a:spLocks noGrp="1"/>
-          </p:cNvSpPr>
-          <p:nvPr>
-            <p:ph idx="1"/>
-          </p:nvPr>
-        </p:nvSpPr>
-        <p:spPr>
-          <a:xfrm>
-            <a:off x="0" y="1570892"/>
-            <a:ext cx="9144000" cy="5257800"/>
-          </a:xfrm>
-          <a:prstGeom prst="rect">
-            <a:avLst/>
-          </a:prstGeom>
-          <a:noFill/>
-          <a:ln>
-            <a:noFill/>
-          </a:ln>
-        </p:spPr>
-        <p:txBody>
-          <a:bodyPr spcFirstLastPara="1" wrap="square" lIns="91425" tIns="45700" rIns="91425" bIns="45700" anchor="t" anchorCtr="0">
-            <a:noAutofit/>
-          </a:bodyPr>
-          <a:lstStyle/>
-          <a:p>
-            <a:pPr marL="0" indent="0">
-              <a:buNone/>
-            </a:pPr>
-            <a:endParaRPr lang="en-US" b="1" dirty="0">
-              <a:solidFill>
-                <a:prstClr val="black"/>
-              </a:solidFill>
-            </a:endParaRPr>
-          </a:p>
-          <a:p>
-            <a:pPr marL="0" indent="0">
-              <a:buNone/>
-            </a:pPr>
-            <a:r>
-              <a:rPr lang="en-US" b="1" dirty="0">
-                <a:solidFill>
-                  <a:prstClr val="black"/>
-                </a:solidFill>
-              </a:rPr>
-              <a:t>					</a:t>
-            </a:r>
-          </a:p>
-          <a:p>
-            <a:endParaRPr lang="en-US" b="1" dirty="0">
-              <a:solidFill>
-                <a:prstClr val="black"/>
-              </a:solidFill>
-            </a:endParaRPr>
-          </a:p>
-          <a:p>
-            <a:pPr marL="0" indent="0">
-              <a:buNone/>
-            </a:pPr>
-            <a:r>
-              <a:rPr lang="en-US" b="1" dirty="0">
-                <a:solidFill>
-                  <a:prstClr val="black"/>
-                </a:solidFill>
-              </a:rPr>
-              <a:t>	You can mail your Queries to :</a:t>
-            </a:r>
-          </a:p>
-          <a:p>
-            <a:pPr marL="0" indent="0">
-              <a:buNone/>
-            </a:pPr>
-            <a:r>
-              <a:rPr lang="en-US" b="1" dirty="0">
-                <a:solidFill>
-                  <a:prstClr val="black"/>
-                </a:solidFill>
-              </a:rPr>
-              <a:t>		a2kousarj@gmail.com</a:t>
-            </a:r>
-            <a:endParaRPr lang="en-IN" dirty="0"/>
-          </a:p>
-          <a:p>
-            <a:pPr marL="0" indent="0">
-              <a:buNone/>
-            </a:pPr>
-            <a:endParaRPr lang="en-US" dirty="0"/>
-          </a:p>
-        </p:txBody>
-      </p:sp>
-      <p:sp>
-        <p:nvSpPr>
-          <p:cNvPr id="137" name="Google Shape;137;p6"/>
-          <p:cNvSpPr txBox="1">
-            <a:spLocks noGrp="1"/>
-          </p:cNvSpPr>
-          <p:nvPr>
-            <p:ph type="sldNum" sz="quarter" idx="12"/>
-          </p:nvPr>
-        </p:nvSpPr>
-        <p:spPr>
-          <a:prstGeom prst="rect">
-            <a:avLst/>
-          </a:prstGeom>
-          <a:noFill/>
-          <a:ln>
-            <a:noFill/>
-          </a:ln>
-        </p:spPr>
-        <p:txBody>
-          <a:bodyPr spcFirstLastPara="1" wrap="square" lIns="91425" tIns="45700" rIns="91425" bIns="45700" anchor="ctr" anchorCtr="0">
-            <a:noAutofit/>
-          </a:bodyPr>
-          <a:lstStyle/>
-          <a:p>
-            <a:pPr marL="0" lvl="0" indent="0" algn="r" rtl="0">
-              <a:spcBef>
-                <a:spcPts val="0"/>
-              </a:spcBef>
-              <a:spcAft>
-                <a:spcPts val="0"/>
-              </a:spcAft>
-              <a:buNone/>
-            </a:pPr>
-            <a:fld id="{00000000-1234-1234-1234-123412341234}" type="slidenum">
-              <a:rPr lang="en-IN"/>
-              <a:t>40</a:t>
-            </a:fld>
-            <a:endParaRPr/>
-          </a:p>
-        </p:txBody>
-      </p:sp>
-    </p:spTree>
-    <p:extLst>
-      <p:ext uri="{BB962C8B-B14F-4D97-AF65-F5344CB8AC3E}">
-        <p14:creationId xmlns:p14="http://schemas.microsoft.com/office/powerpoint/2010/main" val="2397707452"/>
-      </p:ext>
-    </p:extLst>
-  </p:cSld>
-  <p:clrMapOvr>
-    <a:masterClrMapping/>
-  </p:clrMapOvr>
-</p:sld>
-</file>
-
-<file path=ppt/slides/slide41.xml><?xml version="1.0" encoding="utf-8"?>
-<p:sld xmlns:a="http://schemas.openxmlformats.org/drawingml/2006/main" xmlns:r="http://schemas.openxmlformats.org/officeDocument/2006/relationships" xmlns:p="http://schemas.openxmlformats.org/presentationml/2006/main">
-  <p:cSld>
-    <p:spTree>
-      <p:nvGrpSpPr>
-        <p:cNvPr id="1" name="Shape 134"/>
-        <p:cNvGrpSpPr/>
-        <p:nvPr/>
-      </p:nvGrpSpPr>
-      <p:grpSpPr>
-        <a:xfrm>
-          <a:off x="0" y="0"/>
-          <a:ext cx="0" cy="0"/>
-          <a:chOff x="0" y="0"/>
-          <a:chExt cx="0" cy="0"/>
-        </a:xfrm>
-      </p:grpSpPr>
-      <p:sp>
-        <p:nvSpPr>
-          <p:cNvPr id="135" name="Google Shape;135;p6"/>
-          <p:cNvSpPr txBox="1">
-            <a:spLocks noGrp="1"/>
-          </p:cNvSpPr>
-          <p:nvPr>
-            <p:ph type="title"/>
-          </p:nvPr>
-        </p:nvSpPr>
-        <p:spPr>
-          <a:prstGeom prst="rect">
-            <a:avLst/>
-          </a:prstGeom>
-          <a:ln/>
-        </p:spPr>
-        <p:style>
-          <a:lnRef idx="0">
-            <a:schemeClr val="accent3"/>
-          </a:lnRef>
-          <a:fillRef idx="3">
-            <a:schemeClr val="accent3"/>
-          </a:fillRef>
-          <a:effectRef idx="3">
-            <a:schemeClr val="accent3"/>
-          </a:effectRef>
-          <a:fontRef idx="minor">
-            <a:schemeClr val="lt1"/>
-          </a:fontRef>
-        </p:style>
-        <p:txBody>
-          <a:bodyPr spcFirstLastPara="1" wrap="square" lIns="91425" tIns="45700" rIns="91425" bIns="45700" anchor="ctr" anchorCtr="0">
-            <a:normAutofit/>
-          </a:bodyPr>
-          <a:lstStyle/>
-          <a:p>
-            <a:pPr lvl="0">
-              <a:defRPr/>
-            </a:pPr>
-            <a:r>
-              <a:rPr lang="en-IN" dirty="0">
-                <a:solidFill>
-                  <a:schemeClr val="tx1"/>
-                </a:solidFill>
-              </a:rPr>
-              <a:t>Thank you…..</a:t>
-            </a:r>
-            <a:endParaRPr lang="en-US" b="1" dirty="0">
-              <a:ln w="1905"/>
-              <a:solidFill>
-                <a:schemeClr val="tx1"/>
-              </a:solidFill>
-              <a:effectLst>
-                <a:innerShdw blurRad="69850" dist="43180" dir="5400000">
-                  <a:srgbClr val="000000">
-                    <a:alpha val="65000"/>
-                  </a:srgbClr>
-                </a:innerShdw>
-              </a:effectLst>
-            </a:endParaRPr>
-          </a:p>
-        </p:txBody>
-      </p:sp>
-      <p:sp>
-        <p:nvSpPr>
-          <p:cNvPr id="136" name="Google Shape;136;p6"/>
-          <p:cNvSpPr txBox="1">
-            <a:spLocks noGrp="1"/>
-          </p:cNvSpPr>
-          <p:nvPr>
-            <p:ph idx="1"/>
-          </p:nvPr>
-        </p:nvSpPr>
-        <p:spPr>
-          <a:xfrm>
-            <a:off x="0" y="1570892"/>
-            <a:ext cx="9144000" cy="5257800"/>
-          </a:xfrm>
-          <a:prstGeom prst="rect">
-            <a:avLst/>
-          </a:prstGeom>
-          <a:noFill/>
-          <a:ln>
-            <a:noFill/>
-          </a:ln>
-        </p:spPr>
-        <p:txBody>
-          <a:bodyPr spcFirstLastPara="1" wrap="square" lIns="91425" tIns="45700" rIns="91425" bIns="45700" anchor="t" anchorCtr="0">
-            <a:noAutofit/>
-          </a:bodyPr>
-          <a:lstStyle/>
-          <a:p>
-            <a:pPr marL="0" indent="0">
-              <a:buNone/>
-            </a:pPr>
-            <a:endParaRPr lang="en-US" b="1" dirty="0">
-              <a:solidFill>
-                <a:prstClr val="black"/>
-              </a:solidFill>
-            </a:endParaRPr>
-          </a:p>
-          <a:p>
-            <a:pPr marL="0" indent="0">
-              <a:buNone/>
-            </a:pPr>
-            <a:r>
-              <a:rPr lang="en-US" b="1" dirty="0">
-                <a:solidFill>
-                  <a:prstClr val="black"/>
-                </a:solidFill>
-              </a:rPr>
-              <a:t>					</a:t>
-            </a:r>
-          </a:p>
-          <a:p>
-            <a:endParaRPr lang="en-US" b="1" dirty="0">
-              <a:solidFill>
-                <a:prstClr val="black"/>
-              </a:solidFill>
-            </a:endParaRPr>
-          </a:p>
-          <a:p>
-            <a:pPr marL="0" indent="0">
-              <a:buNone/>
-            </a:pPr>
-            <a:r>
-              <a:rPr lang="en-US" b="1" dirty="0">
-                <a:solidFill>
-                  <a:prstClr val="black"/>
-                </a:solidFill>
-              </a:rPr>
-              <a:t>	You can mail your Queries to :</a:t>
-            </a:r>
-          </a:p>
-          <a:p>
-            <a:pPr marL="0" indent="0">
-              <a:buNone/>
-            </a:pPr>
-            <a:r>
-              <a:rPr lang="en-US" b="1" dirty="0">
-                <a:solidFill>
-                  <a:prstClr val="black"/>
-                </a:solidFill>
-              </a:rPr>
-              <a:t>		a2kousarj@gmail.com</a:t>
-            </a:r>
-            <a:endParaRPr lang="en-IN" dirty="0"/>
-          </a:p>
-          <a:p>
-            <a:pPr marL="0" indent="0">
-              <a:buNone/>
-            </a:pPr>
-            <a:endParaRPr lang="en-US" dirty="0"/>
-          </a:p>
-        </p:txBody>
-      </p:sp>
-      <p:sp>
-        <p:nvSpPr>
-          <p:cNvPr id="137" name="Google Shape;137;p6"/>
-          <p:cNvSpPr txBox="1">
-            <a:spLocks noGrp="1"/>
-          </p:cNvSpPr>
-          <p:nvPr>
-            <p:ph type="sldNum" sz="quarter" idx="12"/>
-          </p:nvPr>
-        </p:nvSpPr>
-        <p:spPr>
-          <a:prstGeom prst="rect">
-            <a:avLst/>
-          </a:prstGeom>
-          <a:noFill/>
-          <a:ln>
-            <a:noFill/>
-          </a:ln>
-        </p:spPr>
-        <p:txBody>
-          <a:bodyPr spcFirstLastPara="1" wrap="square" lIns="91425" tIns="45700" rIns="91425" bIns="45700" anchor="ctr" anchorCtr="0">
-            <a:noAutofit/>
-          </a:bodyPr>
-          <a:lstStyle/>
-          <a:p>
-            <a:pPr marL="0" lvl="0" indent="0" algn="r" rtl="0">
-              <a:spcBef>
-                <a:spcPts val="0"/>
-              </a:spcBef>
-              <a:spcAft>
-                <a:spcPts val="0"/>
-              </a:spcAft>
-              <a:buNone/>
-            </a:pPr>
-            <a:fld id="{00000000-1234-1234-1234-123412341234}" type="slidenum">
-              <a:rPr lang="en-IN"/>
-              <a:t>41</a:t>
-            </a:fld>
-            <a:endParaRPr/>
-          </a:p>
-        </p:txBody>
-      </p:sp>
-    </p:spTree>
-    <p:extLst>
-      <p:ext uri="{BB962C8B-B14F-4D97-AF65-F5344CB8AC3E}">
-        <p14:creationId xmlns:p14="http://schemas.microsoft.com/office/powerpoint/2010/main" val="2397707452"/>
-      </p:ext>
-    </p:extLst>
-  </p:cSld>
-  <p:clrMapOvr>
-    <a:masterClrMapping/>
-  </p:clrMapOvr>
-</p:sld>
-</file>
-
-<file path=ppt/slides/slide42.xml><?xml version="1.0" encoding="utf-8"?>
-<p:sld xmlns:a="http://schemas.openxmlformats.org/drawingml/2006/main" xmlns:r="http://schemas.openxmlformats.org/officeDocument/2006/relationships" xmlns:p="http://schemas.openxmlformats.org/presentationml/2006/main">
-  <p:cSld>
-    <p:spTree>
-      <p:nvGrpSpPr>
-        <p:cNvPr id="1" name="Shape 134"/>
-        <p:cNvGrpSpPr/>
-        <p:nvPr/>
-      </p:nvGrpSpPr>
-      <p:grpSpPr>
-        <a:xfrm>
-          <a:off x="0" y="0"/>
-          <a:ext cx="0" cy="0"/>
-          <a:chOff x="0" y="0"/>
-          <a:chExt cx="0" cy="0"/>
-        </a:xfrm>
-      </p:grpSpPr>
-      <p:sp>
-        <p:nvSpPr>
-          <p:cNvPr id="135" name="Google Shape;135;p6"/>
-          <p:cNvSpPr txBox="1">
-            <a:spLocks noGrp="1"/>
-          </p:cNvSpPr>
-          <p:nvPr>
-            <p:ph type="title"/>
-          </p:nvPr>
-        </p:nvSpPr>
-        <p:spPr>
-          <a:prstGeom prst="rect">
-            <a:avLst/>
-          </a:prstGeom>
-          <a:ln/>
-        </p:spPr>
-        <p:style>
-          <a:lnRef idx="0">
-            <a:schemeClr val="accent3"/>
-          </a:lnRef>
-          <a:fillRef idx="3">
-            <a:schemeClr val="accent3"/>
-          </a:fillRef>
-          <a:effectRef idx="3">
-            <a:schemeClr val="accent3"/>
-          </a:effectRef>
-          <a:fontRef idx="minor">
-            <a:schemeClr val="lt1"/>
-          </a:fontRef>
-        </p:style>
-        <p:txBody>
-          <a:bodyPr spcFirstLastPara="1" wrap="square" lIns="91425" tIns="45700" rIns="91425" bIns="45700" anchor="ctr" anchorCtr="0">
-            <a:normAutofit/>
-          </a:bodyPr>
-          <a:lstStyle/>
-          <a:p>
-            <a:pPr lvl="0">
-              <a:defRPr/>
-            </a:pPr>
-            <a:r>
-              <a:rPr lang="en-IN" dirty="0">
-                <a:solidFill>
-                  <a:schemeClr val="tx1"/>
-                </a:solidFill>
-              </a:rPr>
-              <a:t>Thank you…..</a:t>
-            </a:r>
-            <a:endParaRPr lang="en-US" b="1" dirty="0">
-              <a:ln w="1905"/>
-              <a:solidFill>
-                <a:schemeClr val="tx1"/>
-              </a:solidFill>
-              <a:effectLst>
-                <a:innerShdw blurRad="69850" dist="43180" dir="5400000">
-                  <a:srgbClr val="000000">
-                    <a:alpha val="65000"/>
-                  </a:srgbClr>
-                </a:innerShdw>
-              </a:effectLst>
-            </a:endParaRPr>
-          </a:p>
-        </p:txBody>
-      </p:sp>
-      <p:sp>
-        <p:nvSpPr>
-          <p:cNvPr id="136" name="Google Shape;136;p6"/>
-          <p:cNvSpPr txBox="1">
-            <a:spLocks noGrp="1"/>
-          </p:cNvSpPr>
-          <p:nvPr>
-            <p:ph idx="1"/>
-          </p:nvPr>
-        </p:nvSpPr>
-        <p:spPr>
-          <a:xfrm>
-            <a:off x="0" y="1570892"/>
-            <a:ext cx="9144000" cy="5257800"/>
-          </a:xfrm>
-          <a:prstGeom prst="rect">
-            <a:avLst/>
-          </a:prstGeom>
-          <a:noFill/>
-          <a:ln>
-            <a:noFill/>
-          </a:ln>
-        </p:spPr>
-        <p:txBody>
-          <a:bodyPr spcFirstLastPara="1" wrap="square" lIns="91425" tIns="45700" rIns="91425" bIns="45700" anchor="t" anchorCtr="0">
-            <a:noAutofit/>
-          </a:bodyPr>
-          <a:lstStyle/>
-          <a:p>
-            <a:pPr marL="0" indent="0">
-              <a:buNone/>
-            </a:pPr>
-            <a:endParaRPr lang="en-US" b="1" dirty="0">
-              <a:solidFill>
-                <a:prstClr val="black"/>
-              </a:solidFill>
-            </a:endParaRPr>
-          </a:p>
-          <a:p>
-            <a:pPr marL="0" indent="0">
-              <a:buNone/>
-            </a:pPr>
-            <a:r>
-              <a:rPr lang="en-US" b="1" dirty="0">
-                <a:solidFill>
-                  <a:prstClr val="black"/>
-                </a:solidFill>
-              </a:rPr>
-              <a:t>					</a:t>
-            </a:r>
-          </a:p>
-          <a:p>
-            <a:endParaRPr lang="en-US" b="1" dirty="0">
-              <a:solidFill>
-                <a:prstClr val="black"/>
-              </a:solidFill>
-            </a:endParaRPr>
-          </a:p>
-          <a:p>
-            <a:pPr marL="0" indent="0">
-              <a:buNone/>
-            </a:pPr>
-            <a:r>
-              <a:rPr lang="en-US" b="1" dirty="0">
-                <a:solidFill>
-                  <a:prstClr val="black"/>
-                </a:solidFill>
-              </a:rPr>
-              <a:t>	You can mail your Queries to :</a:t>
-            </a:r>
-          </a:p>
-          <a:p>
-            <a:pPr marL="0" indent="0">
-              <a:buNone/>
-            </a:pPr>
-            <a:r>
-              <a:rPr lang="en-US" b="1" dirty="0">
-                <a:solidFill>
-                  <a:prstClr val="black"/>
-                </a:solidFill>
-              </a:rPr>
-              <a:t>		a2kousarj@gmail.com</a:t>
-            </a:r>
-            <a:endParaRPr lang="en-IN" dirty="0"/>
-          </a:p>
-          <a:p>
-            <a:pPr marL="0" indent="0">
-              <a:buNone/>
-            </a:pPr>
-            <a:endParaRPr lang="en-US" dirty="0"/>
-          </a:p>
-        </p:txBody>
-      </p:sp>
-      <p:sp>
-        <p:nvSpPr>
-          <p:cNvPr id="137" name="Google Shape;137;p6"/>
-          <p:cNvSpPr txBox="1">
-            <a:spLocks noGrp="1"/>
-          </p:cNvSpPr>
-          <p:nvPr>
-            <p:ph type="sldNum" sz="quarter" idx="12"/>
-          </p:nvPr>
-        </p:nvSpPr>
-        <p:spPr>
-          <a:prstGeom prst="rect">
-            <a:avLst/>
-          </a:prstGeom>
-          <a:noFill/>
-          <a:ln>
-            <a:noFill/>
-          </a:ln>
-        </p:spPr>
-        <p:txBody>
-          <a:bodyPr spcFirstLastPara="1" wrap="square" lIns="91425" tIns="45700" rIns="91425" bIns="45700" anchor="ctr" anchorCtr="0">
-            <a:noAutofit/>
-          </a:bodyPr>
-          <a:lstStyle/>
-          <a:p>
-            <a:pPr marL="0" lvl="0" indent="0" algn="r" rtl="0">
-              <a:spcBef>
-                <a:spcPts val="0"/>
-              </a:spcBef>
-              <a:spcAft>
-                <a:spcPts val="0"/>
-              </a:spcAft>
-              <a:buNone/>
-            </a:pPr>
-            <a:fld id="{00000000-1234-1234-1234-123412341234}" type="slidenum">
-              <a:rPr lang="en-IN"/>
-              <a:t>42</a:t>
-            </a:fld>
-            <a:endParaRPr/>
-          </a:p>
-        </p:txBody>
-      </p:sp>
-    </p:spTree>
-    <p:extLst>
-      <p:ext uri="{BB962C8B-B14F-4D97-AF65-F5344CB8AC3E}">
-        <p14:creationId xmlns:p14="http://schemas.microsoft.com/office/powerpoint/2010/main" val="2397707452"/>
-      </p:ext>
-    </p:extLst>
-  </p:cSld>
-  <p:clrMapOvr>
-    <a:masterClrMapping/>
-  </p:clrMapOvr>
-</p:sld>
-</file>
-
-<file path=ppt/slides/slide43.xml><?xml version="1.0" encoding="utf-8"?>
-<p:sld xmlns:a="http://schemas.openxmlformats.org/drawingml/2006/main" xmlns:r="http://schemas.openxmlformats.org/officeDocument/2006/relationships" xmlns:p="http://schemas.openxmlformats.org/presentationml/2006/main">
-  <p:cSld>
-    <p:spTree>
-      <p:nvGrpSpPr>
-        <p:cNvPr id="1" name="Shape 134"/>
-        <p:cNvGrpSpPr/>
-        <p:nvPr/>
-      </p:nvGrpSpPr>
-      <p:grpSpPr>
-        <a:xfrm>
-          <a:off x="0" y="0"/>
-          <a:ext cx="0" cy="0"/>
-          <a:chOff x="0" y="0"/>
-          <a:chExt cx="0" cy="0"/>
-        </a:xfrm>
-      </p:grpSpPr>
-      <p:sp>
-        <p:nvSpPr>
-          <p:cNvPr id="135" name="Google Shape;135;p6"/>
-          <p:cNvSpPr txBox="1">
-            <a:spLocks noGrp="1"/>
-          </p:cNvSpPr>
-          <p:nvPr>
-            <p:ph type="title"/>
-          </p:nvPr>
-        </p:nvSpPr>
-        <p:spPr>
-          <a:prstGeom prst="rect">
-            <a:avLst/>
-          </a:prstGeom>
-          <a:ln/>
-        </p:spPr>
-        <p:style>
-          <a:lnRef idx="0">
-            <a:schemeClr val="accent3"/>
-          </a:lnRef>
-          <a:fillRef idx="3">
-            <a:schemeClr val="accent3"/>
-          </a:fillRef>
-          <a:effectRef idx="3">
-            <a:schemeClr val="accent3"/>
-          </a:effectRef>
-          <a:fontRef idx="minor">
-            <a:schemeClr val="lt1"/>
-          </a:fontRef>
-        </p:style>
-        <p:txBody>
-          <a:bodyPr spcFirstLastPara="1" wrap="square" lIns="91425" tIns="45700" rIns="91425" bIns="45700" anchor="ctr" anchorCtr="0">
-            <a:normAutofit/>
-          </a:bodyPr>
-          <a:lstStyle/>
-          <a:p>
-            <a:pPr lvl="0">
-              <a:defRPr/>
-            </a:pPr>
-            <a:r>
-              <a:rPr lang="en-IN" dirty="0">
-                <a:solidFill>
-                  <a:schemeClr val="tx1"/>
-                </a:solidFill>
-              </a:rPr>
-              <a:t>Thank you…..</a:t>
-            </a:r>
-            <a:endParaRPr lang="en-US" b="1" dirty="0">
-              <a:ln w="1905"/>
-              <a:solidFill>
-                <a:schemeClr val="tx1"/>
-              </a:solidFill>
-              <a:effectLst>
-                <a:innerShdw blurRad="69850" dist="43180" dir="5400000">
-                  <a:srgbClr val="000000">
-                    <a:alpha val="65000"/>
-                  </a:srgbClr>
-                </a:innerShdw>
-              </a:effectLst>
-            </a:endParaRPr>
-          </a:p>
-        </p:txBody>
-      </p:sp>
-      <p:sp>
-        <p:nvSpPr>
-          <p:cNvPr id="136" name="Google Shape;136;p6"/>
-          <p:cNvSpPr txBox="1">
-            <a:spLocks noGrp="1"/>
-          </p:cNvSpPr>
-          <p:nvPr>
-            <p:ph idx="1"/>
-          </p:nvPr>
-        </p:nvSpPr>
-        <p:spPr>
-          <a:xfrm>
-            <a:off x="0" y="1570892"/>
-            <a:ext cx="9144000" cy="5257800"/>
-          </a:xfrm>
-          <a:prstGeom prst="rect">
-            <a:avLst/>
-          </a:prstGeom>
-          <a:noFill/>
-          <a:ln>
-            <a:noFill/>
-          </a:ln>
-        </p:spPr>
-        <p:txBody>
-          <a:bodyPr spcFirstLastPara="1" wrap="square" lIns="91425" tIns="45700" rIns="91425" bIns="45700" anchor="t" anchorCtr="0">
-            <a:noAutofit/>
-          </a:bodyPr>
-          <a:lstStyle/>
-          <a:p>
-            <a:pPr marL="0" indent="0">
-              <a:buNone/>
-            </a:pPr>
-            <a:endParaRPr lang="en-US" b="1" dirty="0">
-              <a:solidFill>
-                <a:prstClr val="black"/>
-              </a:solidFill>
-            </a:endParaRPr>
-          </a:p>
-          <a:p>
-            <a:pPr marL="0" indent="0">
-              <a:buNone/>
-            </a:pPr>
-            <a:r>
-              <a:rPr lang="en-US" b="1" dirty="0">
-                <a:solidFill>
-                  <a:prstClr val="black"/>
-                </a:solidFill>
-              </a:rPr>
-              <a:t>					</a:t>
-            </a:r>
-          </a:p>
-          <a:p>
-            <a:endParaRPr lang="en-US" b="1" dirty="0">
-              <a:solidFill>
-                <a:prstClr val="black"/>
-              </a:solidFill>
-            </a:endParaRPr>
-          </a:p>
-          <a:p>
-            <a:pPr marL="0" indent="0">
-              <a:buNone/>
-            </a:pPr>
-            <a:r>
-              <a:rPr lang="en-US" b="1" dirty="0">
-                <a:solidFill>
-                  <a:prstClr val="black"/>
-                </a:solidFill>
-              </a:rPr>
-              <a:t>	You can mail your Queries to :</a:t>
-            </a:r>
-          </a:p>
-          <a:p>
-            <a:pPr marL="0" indent="0">
-              <a:buNone/>
-            </a:pPr>
-            <a:r>
-              <a:rPr lang="en-US" b="1" dirty="0">
-                <a:solidFill>
-                  <a:prstClr val="black"/>
-                </a:solidFill>
-              </a:rPr>
-              <a:t>		a2kousarj@gmail.com</a:t>
-            </a:r>
-            <a:endParaRPr lang="en-IN" dirty="0"/>
-          </a:p>
-          <a:p>
-            <a:pPr marL="0" indent="0">
-              <a:buNone/>
-            </a:pPr>
-            <a:endParaRPr lang="en-US" dirty="0"/>
-          </a:p>
-        </p:txBody>
-      </p:sp>
-      <p:sp>
-        <p:nvSpPr>
-          <p:cNvPr id="137" name="Google Shape;137;p6"/>
-          <p:cNvSpPr txBox="1">
-            <a:spLocks noGrp="1"/>
-          </p:cNvSpPr>
-          <p:nvPr>
-            <p:ph type="sldNum" sz="quarter" idx="12"/>
-          </p:nvPr>
-        </p:nvSpPr>
-        <p:spPr>
-          <a:prstGeom prst="rect">
-            <a:avLst/>
-          </a:prstGeom>
-          <a:noFill/>
-          <a:ln>
-            <a:noFill/>
-          </a:ln>
-        </p:spPr>
-        <p:txBody>
-          <a:bodyPr spcFirstLastPara="1" wrap="square" lIns="91425" tIns="45700" rIns="91425" bIns="45700" anchor="ctr" anchorCtr="0">
-            <a:noAutofit/>
-          </a:bodyPr>
-          <a:lstStyle/>
-          <a:p>
-            <a:pPr marL="0" lvl="0" indent="0" algn="r" rtl="0">
-              <a:spcBef>
-                <a:spcPts val="0"/>
-              </a:spcBef>
-              <a:spcAft>
-                <a:spcPts val="0"/>
-              </a:spcAft>
-              <a:buNone/>
-            </a:pPr>
-            <a:fld id="{00000000-1234-1234-1234-123412341234}" type="slidenum">
-              <a:rPr lang="en-IN"/>
-              <a:t>43</a:t>
-            </a:fld>
-            <a:endParaRPr/>
-          </a:p>
-        </p:txBody>
-      </p:sp>
-    </p:spTree>
-    <p:extLst>
-      <p:ext uri="{BB962C8B-B14F-4D97-AF65-F5344CB8AC3E}">
-        <p14:creationId xmlns:p14="http://schemas.microsoft.com/office/powerpoint/2010/main" val="2397707452"/>
-      </p:ext>
-    </p:extLst>
-  </p:cSld>
-  <p:clrMapOvr>
-    <a:masterClrMapping/>
-  </p:clrMapOvr>
-</p:sld>
-</file>
-
-<file path=ppt/slides/slide44.xml><?xml version="1.0" encoding="utf-8"?>
-<p:sld xmlns:a="http://schemas.openxmlformats.org/drawingml/2006/main" xmlns:r="http://schemas.openxmlformats.org/officeDocument/2006/relationships" xmlns:p="http://schemas.openxmlformats.org/presentationml/2006/main">
-  <p:cSld>
-    <p:spTree>
-      <p:nvGrpSpPr>
-        <p:cNvPr id="1" name="Shape 134"/>
-        <p:cNvGrpSpPr/>
-        <p:nvPr/>
-      </p:nvGrpSpPr>
-      <p:grpSpPr>
-        <a:xfrm>
-          <a:off x="0" y="0"/>
-          <a:ext cx="0" cy="0"/>
-          <a:chOff x="0" y="0"/>
-          <a:chExt cx="0" cy="0"/>
-        </a:xfrm>
-      </p:grpSpPr>
-      <p:sp>
-        <p:nvSpPr>
-          <p:cNvPr id="135" name="Google Shape;135;p6"/>
-          <p:cNvSpPr txBox="1">
-            <a:spLocks noGrp="1"/>
-          </p:cNvSpPr>
-          <p:nvPr>
-            <p:ph type="title"/>
-          </p:nvPr>
-        </p:nvSpPr>
-        <p:spPr>
-          <a:prstGeom prst="rect">
-            <a:avLst/>
-          </a:prstGeom>
-          <a:ln/>
-        </p:spPr>
-        <p:style>
-          <a:lnRef idx="0">
-            <a:schemeClr val="accent3"/>
-          </a:lnRef>
-          <a:fillRef idx="3">
-            <a:schemeClr val="accent3"/>
-          </a:fillRef>
-          <a:effectRef idx="3">
-            <a:schemeClr val="accent3"/>
-          </a:effectRef>
-          <a:fontRef idx="minor">
-            <a:schemeClr val="lt1"/>
-          </a:fontRef>
-        </p:style>
-        <p:txBody>
-          <a:bodyPr spcFirstLastPara="1" wrap="square" lIns="91425" tIns="45700" rIns="91425" bIns="45700" anchor="ctr" anchorCtr="0">
-            <a:normAutofit/>
-          </a:bodyPr>
-          <a:lstStyle/>
-          <a:p>
-            <a:pPr lvl="0">
-              <a:defRPr/>
-            </a:pPr>
-            <a:r>
-              <a:rPr lang="en-IN" dirty="0">
-                <a:solidFill>
-                  <a:schemeClr val="tx1"/>
-                </a:solidFill>
-              </a:rPr>
-              <a:t>Thank you…..</a:t>
-            </a:r>
-            <a:endParaRPr lang="en-US" b="1" dirty="0">
-              <a:ln w="1905"/>
-              <a:solidFill>
-                <a:schemeClr val="tx1"/>
-              </a:solidFill>
-              <a:effectLst>
-                <a:innerShdw blurRad="69850" dist="43180" dir="5400000">
-                  <a:srgbClr val="000000">
-                    <a:alpha val="65000"/>
-                  </a:srgbClr>
-                </a:innerShdw>
-              </a:effectLst>
-            </a:endParaRPr>
-          </a:p>
-        </p:txBody>
-      </p:sp>
-      <p:sp>
-        <p:nvSpPr>
-          <p:cNvPr id="136" name="Google Shape;136;p6"/>
-          <p:cNvSpPr txBox="1">
-            <a:spLocks noGrp="1"/>
-          </p:cNvSpPr>
-          <p:nvPr>
-            <p:ph idx="1"/>
-          </p:nvPr>
-        </p:nvSpPr>
-        <p:spPr>
-          <a:xfrm>
-            <a:off x="0" y="1570892"/>
-            <a:ext cx="9144000" cy="5257800"/>
-          </a:xfrm>
-          <a:prstGeom prst="rect">
-            <a:avLst/>
-          </a:prstGeom>
-          <a:noFill/>
-          <a:ln>
-            <a:noFill/>
-          </a:ln>
-        </p:spPr>
-        <p:txBody>
-          <a:bodyPr spcFirstLastPara="1" wrap="square" lIns="91425" tIns="45700" rIns="91425" bIns="45700" anchor="t" anchorCtr="0">
-            <a:noAutofit/>
-          </a:bodyPr>
-          <a:lstStyle/>
-          <a:p>
-            <a:pPr marL="0" indent="0">
-              <a:buNone/>
-            </a:pPr>
-            <a:endParaRPr lang="en-US" b="1" dirty="0">
-              <a:solidFill>
-                <a:prstClr val="black"/>
-              </a:solidFill>
-            </a:endParaRPr>
-          </a:p>
-          <a:p>
-            <a:pPr marL="0" indent="0">
-              <a:buNone/>
-            </a:pPr>
-            <a:r>
-              <a:rPr lang="en-US" b="1" dirty="0">
-                <a:solidFill>
-                  <a:prstClr val="black"/>
-                </a:solidFill>
-              </a:rPr>
-              <a:t>					</a:t>
-            </a:r>
-          </a:p>
-          <a:p>
-            <a:endParaRPr lang="en-US" b="1" dirty="0">
-              <a:solidFill>
-                <a:prstClr val="black"/>
-              </a:solidFill>
-            </a:endParaRPr>
-          </a:p>
-          <a:p>
-            <a:pPr marL="0" indent="0">
-              <a:buNone/>
-            </a:pPr>
-            <a:r>
-              <a:rPr lang="en-US" b="1" dirty="0">
-                <a:solidFill>
-                  <a:prstClr val="black"/>
-                </a:solidFill>
-              </a:rPr>
-              <a:t>	You can mail your Queries to :</a:t>
-            </a:r>
-          </a:p>
-          <a:p>
-            <a:pPr marL="0" indent="0">
-              <a:buNone/>
-            </a:pPr>
-            <a:r>
-              <a:rPr lang="en-US" b="1" dirty="0">
-                <a:solidFill>
-                  <a:prstClr val="black"/>
-                </a:solidFill>
-              </a:rPr>
-              <a:t>		a2kousarj@gmail.com</a:t>
-            </a:r>
-            <a:endParaRPr lang="en-IN" dirty="0"/>
-          </a:p>
-          <a:p>
-            <a:pPr marL="0" indent="0">
-              <a:buNone/>
-            </a:pPr>
-            <a:endParaRPr lang="en-US" dirty="0"/>
-          </a:p>
-        </p:txBody>
-      </p:sp>
-      <p:sp>
-        <p:nvSpPr>
-          <p:cNvPr id="137" name="Google Shape;137;p6"/>
-          <p:cNvSpPr txBox="1">
-            <a:spLocks noGrp="1"/>
-          </p:cNvSpPr>
-          <p:nvPr>
-            <p:ph type="sldNum" sz="quarter" idx="12"/>
-          </p:nvPr>
-        </p:nvSpPr>
-        <p:spPr>
-          <a:prstGeom prst="rect">
-            <a:avLst/>
-          </a:prstGeom>
-          <a:noFill/>
-          <a:ln>
-            <a:noFill/>
-          </a:ln>
-        </p:spPr>
-        <p:txBody>
-          <a:bodyPr spcFirstLastPara="1" wrap="square" lIns="91425" tIns="45700" rIns="91425" bIns="45700" anchor="ctr" anchorCtr="0">
-            <a:noAutofit/>
-          </a:bodyPr>
-          <a:lstStyle/>
-          <a:p>
-            <a:pPr marL="0" lvl="0" indent="0" algn="r" rtl="0">
-              <a:spcBef>
-                <a:spcPts val="0"/>
-              </a:spcBef>
-              <a:spcAft>
-                <a:spcPts val="0"/>
-              </a:spcAft>
-              <a:buNone/>
-            </a:pPr>
-            <a:fld id="{00000000-1234-1234-1234-123412341234}" type="slidenum">
-              <a:rPr lang="en-IN"/>
-              <a:t>44</a:t>
-            </a:fld>
-            <a:endParaRPr/>
-          </a:p>
-        </p:txBody>
-      </p:sp>
-    </p:spTree>
-    <p:extLst>
-      <p:ext uri="{BB962C8B-B14F-4D97-AF65-F5344CB8AC3E}">
-        <p14:creationId xmlns:p14="http://schemas.microsoft.com/office/powerpoint/2010/main" val="2397707452"/>
-      </p:ext>
-    </p:extLst>
-  </p:cSld>
-  <p:clrMapOvr>
-    <a:masterClrMapping/>
-  </p:clrMapOvr>
-</p:sld>
-</file>
-
-<file path=ppt/slides/slide45.xml><?xml version="1.0" encoding="utf-8"?>
-<p:sld xmlns:a="http://schemas.openxmlformats.org/drawingml/2006/main" xmlns:r="http://schemas.openxmlformats.org/officeDocument/2006/relationships" xmlns:p="http://schemas.openxmlformats.org/presentationml/2006/main">
-  <p:cSld>
-    <p:spTree>
-      <p:nvGrpSpPr>
-        <p:cNvPr id="1" name="Shape 134"/>
-        <p:cNvGrpSpPr/>
-        <p:nvPr/>
-      </p:nvGrpSpPr>
-      <p:grpSpPr>
-        <a:xfrm>
-          <a:off x="0" y="0"/>
-          <a:ext cx="0" cy="0"/>
-          <a:chOff x="0" y="0"/>
-          <a:chExt cx="0" cy="0"/>
-        </a:xfrm>
-      </p:grpSpPr>
-      <p:sp>
-        <p:nvSpPr>
-          <p:cNvPr id="135" name="Google Shape;135;p6"/>
-          <p:cNvSpPr txBox="1">
-            <a:spLocks noGrp="1"/>
-          </p:cNvSpPr>
-          <p:nvPr>
-            <p:ph type="title"/>
-          </p:nvPr>
-        </p:nvSpPr>
-        <p:spPr>
-          <a:prstGeom prst="rect">
-            <a:avLst/>
-          </a:prstGeom>
-          <a:ln/>
-        </p:spPr>
-        <p:style>
-          <a:lnRef idx="0">
-            <a:schemeClr val="accent3"/>
-          </a:lnRef>
-          <a:fillRef idx="3">
-            <a:schemeClr val="accent3"/>
-          </a:fillRef>
-          <a:effectRef idx="3">
-            <a:schemeClr val="accent3"/>
-          </a:effectRef>
-          <a:fontRef idx="minor">
-            <a:schemeClr val="lt1"/>
-          </a:fontRef>
-        </p:style>
-        <p:txBody>
-          <a:bodyPr spcFirstLastPara="1" wrap="square" lIns="91425" tIns="45700" rIns="91425" bIns="45700" anchor="ctr" anchorCtr="0">
-            <a:normAutofit/>
-          </a:bodyPr>
-          <a:lstStyle/>
-          <a:p>
-            <a:pPr lvl="0">
-              <a:defRPr/>
-            </a:pPr>
-            <a:r>
-              <a:rPr lang="en-IN" dirty="0">
-                <a:solidFill>
-                  <a:schemeClr val="tx1"/>
-                </a:solidFill>
-              </a:rPr>
-              <a:t>Thank you…..</a:t>
-            </a:r>
-            <a:endParaRPr lang="en-US" b="1" dirty="0">
-              <a:ln w="1905"/>
-              <a:solidFill>
-                <a:schemeClr val="tx1"/>
-              </a:solidFill>
-              <a:effectLst>
-                <a:innerShdw blurRad="69850" dist="43180" dir="5400000">
-                  <a:srgbClr val="000000">
-                    <a:alpha val="65000"/>
-                  </a:srgbClr>
-                </a:innerShdw>
-              </a:effectLst>
-            </a:endParaRPr>
-          </a:p>
-        </p:txBody>
-      </p:sp>
-      <p:sp>
-        <p:nvSpPr>
-          <p:cNvPr id="136" name="Google Shape;136;p6"/>
-          <p:cNvSpPr txBox="1">
-            <a:spLocks noGrp="1"/>
-          </p:cNvSpPr>
-          <p:nvPr>
-            <p:ph idx="1"/>
-          </p:nvPr>
-        </p:nvSpPr>
-        <p:spPr>
-          <a:xfrm>
-            <a:off x="0" y="1570892"/>
-            <a:ext cx="9144000" cy="5257800"/>
-          </a:xfrm>
-          <a:prstGeom prst="rect">
-            <a:avLst/>
-          </a:prstGeom>
-          <a:noFill/>
-          <a:ln>
-            <a:noFill/>
-          </a:ln>
-        </p:spPr>
-        <p:txBody>
-          <a:bodyPr spcFirstLastPara="1" wrap="square" lIns="91425" tIns="45700" rIns="91425" bIns="45700" anchor="t" anchorCtr="0">
-            <a:noAutofit/>
-          </a:bodyPr>
-          <a:lstStyle/>
-          <a:p>
-            <a:pPr marL="0" indent="0">
-              <a:buNone/>
-            </a:pPr>
-            <a:endParaRPr lang="en-US" b="1" dirty="0">
-              <a:solidFill>
-                <a:prstClr val="black"/>
-              </a:solidFill>
-            </a:endParaRPr>
-          </a:p>
-          <a:p>
-            <a:pPr marL="0" indent="0">
-              <a:buNone/>
-            </a:pPr>
-            <a:r>
-              <a:rPr lang="en-US" b="1" dirty="0">
-                <a:solidFill>
-                  <a:prstClr val="black"/>
-                </a:solidFill>
-              </a:rPr>
-              <a:t>					</a:t>
-            </a:r>
-          </a:p>
-          <a:p>
-            <a:endParaRPr lang="en-US" b="1" dirty="0">
-              <a:solidFill>
-                <a:prstClr val="black"/>
-              </a:solidFill>
-            </a:endParaRPr>
-          </a:p>
-          <a:p>
-            <a:pPr marL="0" indent="0">
-              <a:buNone/>
-            </a:pPr>
-            <a:r>
-              <a:rPr lang="en-US" b="1" dirty="0">
-                <a:solidFill>
-                  <a:prstClr val="black"/>
-                </a:solidFill>
-              </a:rPr>
-              <a:t>	You can mail your Queries to :</a:t>
-            </a:r>
-          </a:p>
-          <a:p>
-            <a:pPr marL="0" indent="0">
-              <a:buNone/>
-            </a:pPr>
-            <a:r>
-              <a:rPr lang="en-US" b="1" dirty="0">
-                <a:solidFill>
-                  <a:prstClr val="black"/>
-                </a:solidFill>
-              </a:rPr>
-              <a:t>		a2kousarj@gmail.com</a:t>
-            </a:r>
-            <a:endParaRPr lang="en-IN" dirty="0"/>
-          </a:p>
-          <a:p>
-            <a:pPr marL="0" indent="0">
-              <a:buNone/>
-            </a:pPr>
-            <a:endParaRPr lang="en-US" dirty="0"/>
-          </a:p>
-        </p:txBody>
-      </p:sp>
-      <p:sp>
-        <p:nvSpPr>
-          <p:cNvPr id="137" name="Google Shape;137;p6"/>
-          <p:cNvSpPr txBox="1">
-            <a:spLocks noGrp="1"/>
-          </p:cNvSpPr>
-          <p:nvPr>
-            <p:ph type="sldNum" sz="quarter" idx="12"/>
-          </p:nvPr>
-        </p:nvSpPr>
-        <p:spPr>
-          <a:prstGeom prst="rect">
-            <a:avLst/>
-          </a:prstGeom>
-          <a:noFill/>
-          <a:ln>
-            <a:noFill/>
-          </a:ln>
-        </p:spPr>
-        <p:txBody>
-          <a:bodyPr spcFirstLastPara="1" wrap="square" lIns="91425" tIns="45700" rIns="91425" bIns="45700" anchor="ctr" anchorCtr="0">
-            <a:noAutofit/>
-          </a:bodyPr>
-          <a:lstStyle/>
-          <a:p>
-            <a:pPr marL="0" lvl="0" indent="0" algn="r" rtl="0">
-              <a:spcBef>
-                <a:spcPts val="0"/>
-              </a:spcBef>
-              <a:spcAft>
-                <a:spcPts val="0"/>
-              </a:spcAft>
-              <a:buNone/>
-            </a:pPr>
-            <a:fld id="{00000000-1234-1234-1234-123412341234}" type="slidenum">
-              <a:rPr lang="en-IN"/>
-              <a:t>45</a:t>
-            </a:fld>
-            <a:endParaRPr/>
-          </a:p>
-        </p:txBody>
-      </p:sp>
-    </p:spTree>
-    <p:extLst>
-      <p:ext uri="{BB962C8B-B14F-4D97-AF65-F5344CB8AC3E}">
-        <p14:creationId xmlns:p14="http://schemas.microsoft.com/office/powerpoint/2010/main" val="2397707452"/>
-      </p:ext>
-    </p:extLst>
-  </p:cSld>
-  <p:clrMapOvr>
-    <a:masterClrMapping/>
-  </p:clrMapOvr>
-</p:sld>
-</file>
-
-<file path=ppt/slides/slide46.xml><?xml version="1.0" encoding="utf-8"?>
-<p:sld xmlns:a="http://schemas.openxmlformats.org/drawingml/2006/main" xmlns:r="http://schemas.openxmlformats.org/officeDocument/2006/relationships" xmlns:p="http://schemas.openxmlformats.org/presentationml/2006/main">
-  <p:cSld>
-    <p:spTree>
-      <p:nvGrpSpPr>
-        <p:cNvPr id="1" name="Shape 134"/>
-        <p:cNvGrpSpPr/>
-        <p:nvPr/>
-      </p:nvGrpSpPr>
-      <p:grpSpPr>
-        <a:xfrm>
-          <a:off x="0" y="0"/>
-          <a:ext cx="0" cy="0"/>
-          <a:chOff x="0" y="0"/>
-          <a:chExt cx="0" cy="0"/>
-        </a:xfrm>
-      </p:grpSpPr>
-      <p:sp>
-        <p:nvSpPr>
-          <p:cNvPr id="135" name="Google Shape;135;p6"/>
-          <p:cNvSpPr txBox="1">
-            <a:spLocks noGrp="1"/>
-          </p:cNvSpPr>
-          <p:nvPr>
-            <p:ph type="title"/>
-          </p:nvPr>
-        </p:nvSpPr>
-        <p:spPr>
-          <a:prstGeom prst="rect">
-            <a:avLst/>
-          </a:prstGeom>
-          <a:ln/>
-        </p:spPr>
-        <p:style>
-          <a:lnRef idx="0">
-            <a:schemeClr val="accent3"/>
-          </a:lnRef>
-          <a:fillRef idx="3">
-            <a:schemeClr val="accent3"/>
-          </a:fillRef>
-          <a:effectRef idx="3">
-            <a:schemeClr val="accent3"/>
-          </a:effectRef>
-          <a:fontRef idx="minor">
-            <a:schemeClr val="lt1"/>
-          </a:fontRef>
-        </p:style>
-        <p:txBody>
-          <a:bodyPr spcFirstLastPara="1" wrap="square" lIns="91425" tIns="45700" rIns="91425" bIns="45700" anchor="ctr" anchorCtr="0">
-            <a:normAutofit/>
-          </a:bodyPr>
-          <a:lstStyle/>
-          <a:p>
-            <a:pPr lvl="0">
-              <a:defRPr/>
-            </a:pPr>
-            <a:r>
-              <a:rPr lang="en-IN" dirty="0">
-                <a:solidFill>
-                  <a:schemeClr val="tx1"/>
-                </a:solidFill>
-              </a:rPr>
-              <a:t>Thank you…..</a:t>
-            </a:r>
-            <a:endParaRPr lang="en-US" b="1" dirty="0">
-              <a:ln w="1905"/>
-              <a:solidFill>
-                <a:schemeClr val="tx1"/>
-              </a:solidFill>
-              <a:effectLst>
-                <a:innerShdw blurRad="69850" dist="43180" dir="5400000">
-                  <a:srgbClr val="000000">
-                    <a:alpha val="65000"/>
-                  </a:srgbClr>
-                </a:innerShdw>
-              </a:effectLst>
-            </a:endParaRPr>
-          </a:p>
-        </p:txBody>
-      </p:sp>
-      <p:sp>
-        <p:nvSpPr>
-          <p:cNvPr id="136" name="Google Shape;136;p6"/>
-          <p:cNvSpPr txBox="1">
-            <a:spLocks noGrp="1"/>
-          </p:cNvSpPr>
-          <p:nvPr>
-            <p:ph idx="1"/>
-          </p:nvPr>
-        </p:nvSpPr>
-        <p:spPr>
-          <a:xfrm>
-            <a:off x="0" y="1570892"/>
-            <a:ext cx="9144000" cy="5257800"/>
-          </a:xfrm>
-          <a:prstGeom prst="rect">
-            <a:avLst/>
-          </a:prstGeom>
-          <a:noFill/>
-          <a:ln>
-            <a:noFill/>
-          </a:ln>
-        </p:spPr>
-        <p:txBody>
-          <a:bodyPr spcFirstLastPara="1" wrap="square" lIns="91425" tIns="45700" rIns="91425" bIns="45700" anchor="t" anchorCtr="0">
-            <a:noAutofit/>
-          </a:bodyPr>
-          <a:lstStyle/>
-          <a:p>
-            <a:pPr marL="0" indent="0">
-              <a:buNone/>
-            </a:pPr>
-            <a:endParaRPr lang="en-US" b="1" dirty="0">
-              <a:solidFill>
-                <a:prstClr val="black"/>
-              </a:solidFill>
-            </a:endParaRPr>
-          </a:p>
-          <a:p>
-            <a:pPr marL="0" indent="0">
-              <a:buNone/>
-            </a:pPr>
-            <a:r>
-              <a:rPr lang="en-US" b="1" dirty="0">
-                <a:solidFill>
-                  <a:prstClr val="black"/>
-                </a:solidFill>
-              </a:rPr>
-              <a:t>					</a:t>
-            </a:r>
-          </a:p>
-          <a:p>
-            <a:endParaRPr lang="en-US" b="1" dirty="0">
-              <a:solidFill>
-                <a:prstClr val="black"/>
-              </a:solidFill>
-            </a:endParaRPr>
-          </a:p>
-          <a:p>
-            <a:pPr marL="0" indent="0">
-              <a:buNone/>
-            </a:pPr>
-            <a:r>
-              <a:rPr lang="en-US" b="1" dirty="0">
-                <a:solidFill>
-                  <a:prstClr val="black"/>
-                </a:solidFill>
-              </a:rPr>
-              <a:t>	You can mail your Queries to :</a:t>
-            </a:r>
-          </a:p>
-          <a:p>
-            <a:pPr marL="0" indent="0">
-              <a:buNone/>
-            </a:pPr>
-            <a:r>
-              <a:rPr lang="en-US" b="1" dirty="0">
-                <a:solidFill>
-                  <a:prstClr val="black"/>
-                </a:solidFill>
-              </a:rPr>
-              <a:t>		a2kousarj@gmail.com</a:t>
-            </a:r>
-            <a:endParaRPr lang="en-IN" dirty="0"/>
-          </a:p>
-          <a:p>
-            <a:pPr marL="0" indent="0">
-              <a:buNone/>
-            </a:pPr>
-            <a:endParaRPr lang="en-US" dirty="0"/>
-          </a:p>
-        </p:txBody>
-      </p:sp>
-      <p:sp>
-        <p:nvSpPr>
-          <p:cNvPr id="137" name="Google Shape;137;p6"/>
-          <p:cNvSpPr txBox="1">
-            <a:spLocks noGrp="1"/>
-          </p:cNvSpPr>
-          <p:nvPr>
-            <p:ph type="sldNum" sz="quarter" idx="12"/>
-          </p:nvPr>
-        </p:nvSpPr>
-        <p:spPr>
-          <a:prstGeom prst="rect">
-            <a:avLst/>
-          </a:prstGeom>
-          <a:noFill/>
-          <a:ln>
-            <a:noFill/>
-          </a:ln>
-        </p:spPr>
-        <p:txBody>
-          <a:bodyPr spcFirstLastPara="1" wrap="square" lIns="91425" tIns="45700" rIns="91425" bIns="45700" anchor="ctr" anchorCtr="0">
-            <a:noAutofit/>
-          </a:bodyPr>
-          <a:lstStyle/>
-          <a:p>
-            <a:pPr marL="0" lvl="0" indent="0" algn="r" rtl="0">
-              <a:spcBef>
-                <a:spcPts val="0"/>
-              </a:spcBef>
-              <a:spcAft>
-                <a:spcPts val="0"/>
-              </a:spcAft>
-              <a:buNone/>
-            </a:pPr>
-            <a:fld id="{00000000-1234-1234-1234-123412341234}" type="slidenum">
-              <a:rPr lang="en-IN"/>
-              <a:t>46</a:t>
-            </a:fld>
-            <a:endParaRPr/>
-          </a:p>
-        </p:txBody>
-      </p:sp>
-    </p:spTree>
-    <p:extLst>
-      <p:ext uri="{BB962C8B-B14F-4D97-AF65-F5344CB8AC3E}">
-        <p14:creationId xmlns:p14="http://schemas.microsoft.com/office/powerpoint/2010/main" val="2397707452"/>
-      </p:ext>
-    </p:extLst>
-  </p:cSld>
-  <p:clrMapOvr>
-    <a:masterClrMapping/>
-  </p:clrMapOvr>
-</p:sld>
-</file>
-
-<file path=ppt/slides/slide47.xml><?xml version="1.0" encoding="utf-8"?>
-<p:sld xmlns:a="http://schemas.openxmlformats.org/drawingml/2006/main" xmlns:r="http://schemas.openxmlformats.org/officeDocument/2006/relationships" xmlns:p="http://schemas.openxmlformats.org/presentationml/2006/main">
-  <p:cSld>
-    <p:spTree>
-      <p:nvGrpSpPr>
-        <p:cNvPr id="1" name="Shape 134"/>
-        <p:cNvGrpSpPr/>
-        <p:nvPr/>
-      </p:nvGrpSpPr>
-      <p:grpSpPr>
-        <a:xfrm>
-          <a:off x="0" y="0"/>
-          <a:ext cx="0" cy="0"/>
-          <a:chOff x="0" y="0"/>
-          <a:chExt cx="0" cy="0"/>
-        </a:xfrm>
-      </p:grpSpPr>
-      <p:sp>
-        <p:nvSpPr>
-          <p:cNvPr id="135" name="Google Shape;135;p6"/>
-          <p:cNvSpPr txBox="1">
-            <a:spLocks noGrp="1"/>
-          </p:cNvSpPr>
-          <p:nvPr>
-            <p:ph type="title"/>
-          </p:nvPr>
-        </p:nvSpPr>
-        <p:spPr>
-          <a:prstGeom prst="rect">
-            <a:avLst/>
-          </a:prstGeom>
-          <a:ln/>
-        </p:spPr>
-        <p:style>
-          <a:lnRef idx="0">
-            <a:schemeClr val="accent3"/>
-          </a:lnRef>
-          <a:fillRef idx="3">
-            <a:schemeClr val="accent3"/>
-          </a:fillRef>
-          <a:effectRef idx="3">
-            <a:schemeClr val="accent3"/>
-          </a:effectRef>
-          <a:fontRef idx="minor">
-            <a:schemeClr val="lt1"/>
-          </a:fontRef>
-        </p:style>
-        <p:txBody>
-          <a:bodyPr spcFirstLastPara="1" wrap="square" lIns="91425" tIns="45700" rIns="91425" bIns="45700" anchor="ctr" anchorCtr="0">
-            <a:normAutofit/>
-          </a:bodyPr>
-          <a:lstStyle/>
-          <a:p>
-            <a:pPr lvl="0">
-              <a:defRPr/>
-            </a:pPr>
-            <a:r>
-              <a:rPr lang="en-IN" dirty="0">
-                <a:solidFill>
-                  <a:schemeClr val="tx1"/>
-                </a:solidFill>
-              </a:rPr>
-              <a:t>Thank you…..</a:t>
-            </a:r>
-            <a:endParaRPr lang="en-US" b="1" dirty="0">
-              <a:ln w="1905"/>
-              <a:solidFill>
-                <a:schemeClr val="tx1"/>
-              </a:solidFill>
-              <a:effectLst>
-                <a:innerShdw blurRad="69850" dist="43180" dir="5400000">
-                  <a:srgbClr val="000000">
-                    <a:alpha val="65000"/>
-                  </a:srgbClr>
-                </a:innerShdw>
-              </a:effectLst>
-            </a:endParaRPr>
-          </a:p>
-        </p:txBody>
-      </p:sp>
-      <p:sp>
-        <p:nvSpPr>
-          <p:cNvPr id="136" name="Google Shape;136;p6"/>
-          <p:cNvSpPr txBox="1">
-            <a:spLocks noGrp="1"/>
-          </p:cNvSpPr>
-          <p:nvPr>
-            <p:ph idx="1"/>
-          </p:nvPr>
-        </p:nvSpPr>
-        <p:spPr>
-          <a:xfrm>
-            <a:off x="0" y="1570892"/>
-            <a:ext cx="9144000" cy="5257800"/>
-          </a:xfrm>
-          <a:prstGeom prst="rect">
-            <a:avLst/>
-          </a:prstGeom>
-          <a:noFill/>
-          <a:ln>
-            <a:noFill/>
-          </a:ln>
-        </p:spPr>
-        <p:txBody>
-          <a:bodyPr spcFirstLastPara="1" wrap="square" lIns="91425" tIns="45700" rIns="91425" bIns="45700" anchor="t" anchorCtr="0">
-            <a:noAutofit/>
-          </a:bodyPr>
-          <a:lstStyle/>
-          <a:p>
-            <a:pPr marL="0" indent="0">
-              <a:buNone/>
-            </a:pPr>
-            <a:endParaRPr lang="en-US" b="1" dirty="0">
-              <a:solidFill>
-                <a:prstClr val="black"/>
-              </a:solidFill>
-            </a:endParaRPr>
-          </a:p>
-          <a:p>
-            <a:pPr marL="0" indent="0">
-              <a:buNone/>
-            </a:pPr>
-            <a:r>
-              <a:rPr lang="en-US" b="1" dirty="0">
-                <a:solidFill>
-                  <a:prstClr val="black"/>
-                </a:solidFill>
-              </a:rPr>
-              <a:t>					</a:t>
-            </a:r>
-          </a:p>
-          <a:p>
-            <a:endParaRPr lang="en-US" b="1" dirty="0">
-              <a:solidFill>
-                <a:prstClr val="black"/>
-              </a:solidFill>
-            </a:endParaRPr>
-          </a:p>
-          <a:p>
-            <a:pPr marL="0" indent="0">
-              <a:buNone/>
-            </a:pPr>
-            <a:r>
-              <a:rPr lang="en-US" b="1" dirty="0">
-                <a:solidFill>
-                  <a:prstClr val="black"/>
-                </a:solidFill>
-              </a:rPr>
-              <a:t>	You can mail your Queries to :</a:t>
-            </a:r>
-          </a:p>
-          <a:p>
-            <a:pPr marL="0" indent="0">
-              <a:buNone/>
-            </a:pPr>
-            <a:r>
-              <a:rPr lang="en-US" b="1" dirty="0">
-                <a:solidFill>
-                  <a:prstClr val="black"/>
-                </a:solidFill>
-              </a:rPr>
-              <a:t>		a2kousarj@gmail.com</a:t>
-            </a:r>
-            <a:endParaRPr lang="en-IN" dirty="0"/>
-          </a:p>
-          <a:p>
-            <a:pPr marL="0" indent="0">
-              <a:buNone/>
-            </a:pPr>
-            <a:endParaRPr lang="en-US" dirty="0"/>
-          </a:p>
-        </p:txBody>
-      </p:sp>
-      <p:sp>
-        <p:nvSpPr>
-          <p:cNvPr id="137" name="Google Shape;137;p6"/>
-          <p:cNvSpPr txBox="1">
-            <a:spLocks noGrp="1"/>
-          </p:cNvSpPr>
-          <p:nvPr>
-            <p:ph type="sldNum" sz="quarter" idx="12"/>
-          </p:nvPr>
-        </p:nvSpPr>
-        <p:spPr>
-          <a:prstGeom prst="rect">
-            <a:avLst/>
-          </a:prstGeom>
-          <a:noFill/>
-          <a:ln>
-            <a:noFill/>
-          </a:ln>
-        </p:spPr>
-        <p:txBody>
-          <a:bodyPr spcFirstLastPara="1" wrap="square" lIns="91425" tIns="45700" rIns="91425" bIns="45700" anchor="ctr" anchorCtr="0">
-            <a:noAutofit/>
-          </a:bodyPr>
-          <a:lstStyle/>
-          <a:p>
-            <a:pPr marL="0" lvl="0" indent="0" algn="r" rtl="0">
-              <a:spcBef>
-                <a:spcPts val="0"/>
-              </a:spcBef>
-              <a:spcAft>
-                <a:spcPts val="0"/>
-              </a:spcAft>
-              <a:buNone/>
-            </a:pPr>
-            <a:fld id="{00000000-1234-1234-1234-123412341234}" type="slidenum">
-              <a:rPr lang="en-IN"/>
-              <a:t>47</a:t>
-            </a:fld>
-            <a:endParaRPr/>
-          </a:p>
-        </p:txBody>
-      </p:sp>
-    </p:spTree>
-    <p:extLst>
-      <p:ext uri="{BB962C8B-B14F-4D97-AF65-F5344CB8AC3E}">
-        <p14:creationId xmlns:p14="http://schemas.microsoft.com/office/powerpoint/2010/main" val="2397707452"/>
-      </p:ext>
-    </p:extLst>
-  </p:cSld>
-  <p:clrMapOvr>
-    <a:masterClrMapping/>
-  </p:clrMapOvr>
-</p:sld>
-</file>
-
-<file path=ppt/slides/slide48.xml><?xml version="1.0" encoding="utf-8"?>
-<p:sld xmlns:a="http://schemas.openxmlformats.org/drawingml/2006/main" xmlns:r="http://schemas.openxmlformats.org/officeDocument/2006/relationships" xmlns:p="http://schemas.openxmlformats.org/presentationml/2006/main">
-  <p:cSld>
-    <p:spTree>
-      <p:nvGrpSpPr>
-        <p:cNvPr id="1" name="Shape 134"/>
-        <p:cNvGrpSpPr/>
-        <p:nvPr/>
-      </p:nvGrpSpPr>
-      <p:grpSpPr>
-        <a:xfrm>
-          <a:off x="0" y="0"/>
-          <a:ext cx="0" cy="0"/>
-          <a:chOff x="0" y="0"/>
-          <a:chExt cx="0" cy="0"/>
-        </a:xfrm>
-      </p:grpSpPr>
-      <p:sp>
-        <p:nvSpPr>
-          <p:cNvPr id="135" name="Google Shape;135;p6"/>
-          <p:cNvSpPr txBox="1">
-            <a:spLocks noGrp="1"/>
-          </p:cNvSpPr>
-          <p:nvPr>
-            <p:ph type="title"/>
-          </p:nvPr>
-        </p:nvSpPr>
-        <p:spPr>
-          <a:prstGeom prst="rect">
-            <a:avLst/>
-          </a:prstGeom>
-          <a:ln/>
-        </p:spPr>
-        <p:style>
-          <a:lnRef idx="0">
-            <a:schemeClr val="accent3"/>
-          </a:lnRef>
-          <a:fillRef idx="3">
-            <a:schemeClr val="accent3"/>
-          </a:fillRef>
-          <a:effectRef idx="3">
-            <a:schemeClr val="accent3"/>
-          </a:effectRef>
-          <a:fontRef idx="minor">
-            <a:schemeClr val="lt1"/>
-          </a:fontRef>
-        </p:style>
-        <p:txBody>
-          <a:bodyPr spcFirstLastPara="1" wrap="square" lIns="91425" tIns="45700" rIns="91425" bIns="45700" anchor="ctr" anchorCtr="0">
-            <a:normAutofit/>
-          </a:bodyPr>
-          <a:lstStyle/>
-          <a:p>
-            <a:pPr lvl="0">
-              <a:defRPr/>
-            </a:pPr>
-            <a:r>
-              <a:rPr lang="en-IN" dirty="0">
-                <a:solidFill>
-                  <a:schemeClr val="tx1"/>
-                </a:solidFill>
-              </a:rPr>
-              <a:t>Thank you…..</a:t>
-            </a:r>
-            <a:endParaRPr lang="en-US" b="1" dirty="0">
-              <a:ln w="1905"/>
-              <a:solidFill>
-                <a:schemeClr val="tx1"/>
-              </a:solidFill>
-              <a:effectLst>
-                <a:innerShdw blurRad="69850" dist="43180" dir="5400000">
-                  <a:srgbClr val="000000">
-                    <a:alpha val="65000"/>
-                  </a:srgbClr>
-                </a:innerShdw>
-              </a:effectLst>
-            </a:endParaRPr>
-          </a:p>
-        </p:txBody>
-      </p:sp>
-      <p:sp>
-        <p:nvSpPr>
-          <p:cNvPr id="136" name="Google Shape;136;p6"/>
-          <p:cNvSpPr txBox="1">
-            <a:spLocks noGrp="1"/>
-          </p:cNvSpPr>
-          <p:nvPr>
-            <p:ph idx="1"/>
-          </p:nvPr>
-        </p:nvSpPr>
-        <p:spPr>
-          <a:xfrm>
-            <a:off x="0" y="1570892"/>
-            <a:ext cx="9144000" cy="5257800"/>
-          </a:xfrm>
-          <a:prstGeom prst="rect">
-            <a:avLst/>
-          </a:prstGeom>
-          <a:noFill/>
-          <a:ln>
-            <a:noFill/>
-          </a:ln>
-        </p:spPr>
-        <p:txBody>
-          <a:bodyPr spcFirstLastPara="1" wrap="square" lIns="91425" tIns="45700" rIns="91425" bIns="45700" anchor="t" anchorCtr="0">
-            <a:noAutofit/>
-          </a:bodyPr>
-          <a:lstStyle/>
-          <a:p>
-            <a:pPr marL="0" indent="0">
-              <a:buNone/>
-            </a:pPr>
-            <a:endParaRPr lang="en-US" b="1" dirty="0">
-              <a:solidFill>
-                <a:prstClr val="black"/>
-              </a:solidFill>
-            </a:endParaRPr>
-          </a:p>
-          <a:p>
-            <a:pPr marL="0" indent="0">
-              <a:buNone/>
-            </a:pPr>
-            <a:r>
-              <a:rPr lang="en-US" b="1" dirty="0">
-                <a:solidFill>
-                  <a:prstClr val="black"/>
-                </a:solidFill>
-              </a:rPr>
-              <a:t>					</a:t>
-            </a:r>
-          </a:p>
-          <a:p>
-            <a:endParaRPr lang="en-US" b="1" dirty="0">
-              <a:solidFill>
-                <a:prstClr val="black"/>
-              </a:solidFill>
-            </a:endParaRPr>
-          </a:p>
-          <a:p>
-            <a:pPr marL="0" indent="0">
-              <a:buNone/>
-            </a:pPr>
-            <a:r>
-              <a:rPr lang="en-US" b="1" dirty="0">
-                <a:solidFill>
-                  <a:prstClr val="black"/>
-                </a:solidFill>
-              </a:rPr>
-              <a:t>	You can mail your Queries to :</a:t>
-            </a:r>
-          </a:p>
-          <a:p>
-            <a:pPr marL="0" indent="0">
-              <a:buNone/>
-            </a:pPr>
-            <a:r>
-              <a:rPr lang="en-US" b="1" dirty="0">
-                <a:solidFill>
-                  <a:prstClr val="black"/>
-                </a:solidFill>
-              </a:rPr>
-              <a:t>		a2kousarj@gmail.com</a:t>
-            </a:r>
-            <a:endParaRPr lang="en-IN" dirty="0"/>
-          </a:p>
-          <a:p>
-            <a:pPr marL="0" indent="0">
-              <a:buNone/>
-            </a:pPr>
-            <a:endParaRPr lang="en-US" dirty="0"/>
-          </a:p>
-        </p:txBody>
-      </p:sp>
-      <p:sp>
-        <p:nvSpPr>
-          <p:cNvPr id="137" name="Google Shape;137;p6"/>
-          <p:cNvSpPr txBox="1">
-            <a:spLocks noGrp="1"/>
-          </p:cNvSpPr>
-          <p:nvPr>
-            <p:ph type="sldNum" sz="quarter" idx="12"/>
-          </p:nvPr>
-        </p:nvSpPr>
-        <p:spPr>
-          <a:prstGeom prst="rect">
-            <a:avLst/>
-          </a:prstGeom>
-          <a:noFill/>
-          <a:ln>
-            <a:noFill/>
-          </a:ln>
-        </p:spPr>
-        <p:txBody>
-          <a:bodyPr spcFirstLastPara="1" wrap="square" lIns="91425" tIns="45700" rIns="91425" bIns="45700" anchor="ctr" anchorCtr="0">
-            <a:noAutofit/>
-          </a:bodyPr>
-          <a:lstStyle/>
-          <a:p>
-            <a:pPr marL="0" lvl="0" indent="0" algn="r" rtl="0">
-              <a:spcBef>
-                <a:spcPts val="0"/>
-              </a:spcBef>
-              <a:spcAft>
-                <a:spcPts val="0"/>
-              </a:spcAft>
-              <a:buNone/>
-            </a:pPr>
-            <a:fld id="{00000000-1234-1234-1234-123412341234}" type="slidenum">
-              <a:rPr lang="en-IN"/>
-              <a:t>48</a:t>
-            </a:fld>
-            <a:endParaRPr/>
-          </a:p>
-        </p:txBody>
-      </p:sp>
-    </p:spTree>
-    <p:extLst>
-      <p:ext uri="{BB962C8B-B14F-4D97-AF65-F5344CB8AC3E}">
-        <p14:creationId xmlns:p14="http://schemas.microsoft.com/office/powerpoint/2010/main" val="2397707452"/>
-      </p:ext>
-    </p:extLst>
-  </p:cSld>
-  <p:clrMapOvr>
-    <a:masterClrMapping/>
-  </p:clrMapOvr>
-</p:sld>
-</file>
-
-<file path=ppt/slides/slide49.xml><?xml version="1.0" encoding="utf-8"?>
-<p:sld xmlns:a="http://schemas.openxmlformats.org/drawingml/2006/main" xmlns:r="http://schemas.openxmlformats.org/officeDocument/2006/relationships" xmlns:p="http://schemas.openxmlformats.org/presentationml/2006/main">
-  <p:cSld>
-    <p:spTree>
-      <p:nvGrpSpPr>
-        <p:cNvPr id="1" name="Shape 134"/>
-        <p:cNvGrpSpPr/>
-        <p:nvPr/>
-      </p:nvGrpSpPr>
-      <p:grpSpPr>
-        <a:xfrm>
-          <a:off x="0" y="0"/>
-          <a:ext cx="0" cy="0"/>
-          <a:chOff x="0" y="0"/>
-          <a:chExt cx="0" cy="0"/>
-        </a:xfrm>
-      </p:grpSpPr>
-      <p:sp>
-        <p:nvSpPr>
-          <p:cNvPr id="135" name="Google Shape;135;p6"/>
-          <p:cNvSpPr txBox="1">
-            <a:spLocks noGrp="1"/>
-          </p:cNvSpPr>
-          <p:nvPr>
-            <p:ph type="title"/>
-          </p:nvPr>
-        </p:nvSpPr>
-        <p:spPr>
-          <a:prstGeom prst="rect">
-            <a:avLst/>
-          </a:prstGeom>
-          <a:ln/>
-        </p:spPr>
-        <p:style>
-          <a:lnRef idx="0">
-            <a:schemeClr val="accent3"/>
-          </a:lnRef>
-          <a:fillRef idx="3">
-            <a:schemeClr val="accent3"/>
-          </a:fillRef>
-          <a:effectRef idx="3">
-            <a:schemeClr val="accent3"/>
-          </a:effectRef>
-          <a:fontRef idx="minor">
-            <a:schemeClr val="lt1"/>
-          </a:fontRef>
-        </p:style>
-        <p:txBody>
-          <a:bodyPr spcFirstLastPara="1" wrap="square" lIns="91425" tIns="45700" rIns="91425" bIns="45700" anchor="ctr" anchorCtr="0">
-            <a:normAutofit/>
-          </a:bodyPr>
-          <a:lstStyle/>
-          <a:p>
-            <a:pPr lvl="0">
-              <a:defRPr/>
-            </a:pPr>
-            <a:r>
-              <a:rPr lang="en-IN" dirty="0">
-                <a:solidFill>
-                  <a:schemeClr val="tx1"/>
-                </a:solidFill>
-              </a:rPr>
-              <a:t>Thank you…..</a:t>
-            </a:r>
-            <a:endParaRPr lang="en-US" b="1" dirty="0">
-              <a:ln w="1905"/>
-              <a:solidFill>
-                <a:schemeClr val="tx1"/>
-              </a:solidFill>
-              <a:effectLst>
-                <a:innerShdw blurRad="69850" dist="43180" dir="5400000">
-                  <a:srgbClr val="000000">
-                    <a:alpha val="65000"/>
-                  </a:srgbClr>
-                </a:innerShdw>
-              </a:effectLst>
-            </a:endParaRPr>
-          </a:p>
-        </p:txBody>
-      </p:sp>
-      <p:sp>
-        <p:nvSpPr>
-          <p:cNvPr id="136" name="Google Shape;136;p6"/>
-          <p:cNvSpPr txBox="1">
-            <a:spLocks noGrp="1"/>
-          </p:cNvSpPr>
-          <p:nvPr>
-            <p:ph idx="1"/>
-          </p:nvPr>
-        </p:nvSpPr>
-        <p:spPr>
-          <a:xfrm>
-            <a:off x="0" y="1570892"/>
-            <a:ext cx="9144000" cy="5257800"/>
-          </a:xfrm>
-          <a:prstGeom prst="rect">
-            <a:avLst/>
-          </a:prstGeom>
-          <a:noFill/>
-          <a:ln>
-            <a:noFill/>
-          </a:ln>
-        </p:spPr>
-        <p:txBody>
-          <a:bodyPr spcFirstLastPara="1" wrap="square" lIns="91425" tIns="45700" rIns="91425" bIns="45700" anchor="t" anchorCtr="0">
-            <a:noAutofit/>
-          </a:bodyPr>
-          <a:lstStyle/>
-          <a:p>
-            <a:pPr marL="0" indent="0">
-              <a:buNone/>
-            </a:pPr>
-            <a:endParaRPr lang="en-US" b="1" dirty="0">
-              <a:solidFill>
-                <a:prstClr val="black"/>
-              </a:solidFill>
-            </a:endParaRPr>
-          </a:p>
-          <a:p>
-            <a:pPr marL="0" indent="0">
-              <a:buNone/>
-            </a:pPr>
-            <a:r>
-              <a:rPr lang="en-US" b="1" dirty="0">
-                <a:solidFill>
-                  <a:prstClr val="black"/>
-                </a:solidFill>
-              </a:rPr>
-              <a:t>					</a:t>
-            </a:r>
-          </a:p>
-          <a:p>
-            <a:endParaRPr lang="en-US" b="1" dirty="0">
-              <a:solidFill>
-                <a:prstClr val="black"/>
-              </a:solidFill>
-            </a:endParaRPr>
-          </a:p>
-          <a:p>
-            <a:pPr marL="0" indent="0">
-              <a:buNone/>
-            </a:pPr>
-            <a:r>
-              <a:rPr lang="en-US" b="1" dirty="0">
-                <a:solidFill>
-                  <a:prstClr val="black"/>
-                </a:solidFill>
-              </a:rPr>
-              <a:t>	You can mail your Queries to :</a:t>
-            </a:r>
-          </a:p>
-          <a:p>
-            <a:pPr marL="0" indent="0">
-              <a:buNone/>
-            </a:pPr>
-            <a:r>
-              <a:rPr lang="en-US" b="1" dirty="0">
-                <a:solidFill>
-                  <a:prstClr val="black"/>
-                </a:solidFill>
-              </a:rPr>
-              <a:t>		a2kousarj@gmail.com</a:t>
-            </a:r>
-            <a:endParaRPr lang="en-IN" dirty="0"/>
-          </a:p>
-          <a:p>
-            <a:pPr marL="0" indent="0">
-              <a:buNone/>
-            </a:pPr>
-            <a:endParaRPr lang="en-US" dirty="0"/>
-          </a:p>
-        </p:txBody>
-      </p:sp>
-      <p:sp>
-        <p:nvSpPr>
-          <p:cNvPr id="137" name="Google Shape;137;p6"/>
-          <p:cNvSpPr txBox="1">
-            <a:spLocks noGrp="1"/>
-          </p:cNvSpPr>
-          <p:nvPr>
-            <p:ph type="sldNum" sz="quarter" idx="12"/>
-          </p:nvPr>
-        </p:nvSpPr>
-        <p:spPr>
-          <a:prstGeom prst="rect">
-            <a:avLst/>
-          </a:prstGeom>
-          <a:noFill/>
-          <a:ln>
-            <a:noFill/>
-          </a:ln>
-        </p:spPr>
-        <p:txBody>
-          <a:bodyPr spcFirstLastPara="1" wrap="square" lIns="91425" tIns="45700" rIns="91425" bIns="45700" anchor="ctr" anchorCtr="0">
-            <a:noAutofit/>
-          </a:bodyPr>
-          <a:lstStyle/>
-          <a:p>
-            <a:pPr marL="0" lvl="0" indent="0" algn="r" rtl="0">
-              <a:spcBef>
-                <a:spcPts val="0"/>
-              </a:spcBef>
-              <a:spcAft>
-                <a:spcPts val="0"/>
-              </a:spcAft>
-              <a:buNone/>
-            </a:pPr>
-            <a:fld id="{00000000-1234-1234-1234-123412341234}" type="slidenum">
-              <a:rPr lang="en-IN"/>
-              <a:t>49</a:t>
-            </a:fld>
-            <a:endParaRPr/>
-          </a:p>
-        </p:txBody>
-      </p:sp>
-    </p:spTree>
-    <p:extLst>
-      <p:ext uri="{BB962C8B-B14F-4D97-AF65-F5344CB8AC3E}">
-        <p14:creationId xmlns:p14="http://schemas.microsoft.com/office/powerpoint/2010/main" val="2397707452"/>
-      </p:ext>
-    </p:extLst>
-  </p:cSld>
-  <p:clrMapOvr>
-    <a:masterClrMapping/>
-  </p:clrMapOvr>
-</p:sld>
-</file>
-
 <file path=ppt/slides/slide5.xml><?xml version="1.0" encoding="utf-8"?>
 <p:sld xmlns:a="http://schemas.openxmlformats.org/drawingml/2006/main" xmlns:r="http://schemas.openxmlformats.org/officeDocument/2006/relationships" xmlns:p="http://schemas.openxmlformats.org/presentationml/2006/main">
   <p:cSld>
@@ -22200,7 +17406,7 @@
         </p:nvSpPr>
         <p:spPr>
           <a:xfrm>
-            <a:off x="0" y="0"/>
+            <a:off x="1524000" y="0"/>
             <a:ext cx="9144000" cy="1066800"/>
           </a:xfrm>
           <a:prstGeom prst="rect">
@@ -22223,7 +17429,7 @@
           </a:fontRef>
         </p:style>
         <p:txBody>
-          <a:bodyPr spcFirstLastPara="1" wrap="square" lIns="91425" tIns="45700" rIns="91425" bIns="45700" anchor="ctr" anchorCtr="0">
+          <a:bodyPr spcFirstLastPara="1" vert="horz" wrap="square" lIns="91425" tIns="45700" rIns="91425" bIns="45700" rtlCol="0" anchor="ctr" anchorCtr="0">
             <a:normAutofit/>
           </a:bodyPr>
           <a:lstStyle/>
@@ -22252,7 +17458,7 @@
         </p:nvSpPr>
         <p:spPr>
           <a:xfrm>
-            <a:off x="6553200" y="6356350"/>
+            <a:off x="8077200" y="6356351"/>
             <a:ext cx="2133600" cy="365125"/>
           </a:xfrm>
           <a:prstGeom prst="rect">
@@ -22264,22 +17470,14 @@
           </a:ln>
         </p:spPr>
         <p:txBody>
-          <a:bodyPr spcFirstLastPara="1" wrap="square" lIns="91425" tIns="45700" rIns="91425" bIns="45700" anchor="ctr" anchorCtr="0">
+          <a:bodyPr spcFirstLastPara="1" vert="horz" wrap="square" lIns="91425" tIns="45700" rIns="91425" bIns="45700" rtlCol="0" anchor="ctr" anchorCtr="0">
             <a:noAutofit/>
           </a:bodyPr>
           <a:lstStyle/>
           <a:p>
-            <a:pPr marL="0" lvl="0" indent="0" algn="r" rtl="0">
-              <a:spcBef>
-                <a:spcPts val="0"/>
-              </a:spcBef>
-              <a:spcAft>
-                <a:spcPts val="0"/>
-              </a:spcAft>
-              <a:buNone/>
-            </a:pPr>
             <a:fld id="{00000000-1234-1234-1234-123412341234}" type="slidenum">
               <a:rPr lang="en-IN"/>
+              <a:pPr/>
               <a:t>5</a:t>
             </a:fld>
             <a:endParaRPr/>
@@ -22309,7 +17507,7 @@
         </p:blipFill>
         <p:spPr bwMode="auto">
           <a:xfrm>
-            <a:off x="152400" y="1219199"/>
+            <a:off x="1676401" y="1219200"/>
             <a:ext cx="2121877" cy="5240215"/>
           </a:xfrm>
           <a:prstGeom prst="rect">
@@ -22353,7 +17551,7 @@
         </p:nvSpPr>
         <p:spPr>
           <a:xfrm>
-            <a:off x="2514600" y="1210300"/>
+            <a:off x="4038600" y="1210300"/>
             <a:ext cx="6248400" cy="5647700"/>
           </a:xfrm>
           <a:prstGeom prst="rect">
@@ -22612,1830 +17810,6 @@
     <p:extLst>
       <p:ext uri="{BB962C8B-B14F-4D97-AF65-F5344CB8AC3E}">
         <p14:creationId xmlns:p14="http://schemas.microsoft.com/office/powerpoint/2010/main" val="1015039199"/>
-      </p:ext>
-    </p:extLst>
-  </p:cSld>
-  <p:clrMapOvr>
-    <a:masterClrMapping/>
-  </p:clrMapOvr>
-</p:sld>
-</file>
-
-<file path=ppt/slides/slide50.xml><?xml version="1.0" encoding="utf-8"?>
-<p:sld xmlns:a="http://schemas.openxmlformats.org/drawingml/2006/main" xmlns:r="http://schemas.openxmlformats.org/officeDocument/2006/relationships" xmlns:p="http://schemas.openxmlformats.org/presentationml/2006/main">
-  <p:cSld>
-    <p:spTree>
-      <p:nvGrpSpPr>
-        <p:cNvPr id="1" name="Shape 134"/>
-        <p:cNvGrpSpPr/>
-        <p:nvPr/>
-      </p:nvGrpSpPr>
-      <p:grpSpPr>
-        <a:xfrm>
-          <a:off x="0" y="0"/>
-          <a:ext cx="0" cy="0"/>
-          <a:chOff x="0" y="0"/>
-          <a:chExt cx="0" cy="0"/>
-        </a:xfrm>
-      </p:grpSpPr>
-      <p:sp>
-        <p:nvSpPr>
-          <p:cNvPr id="135" name="Google Shape;135;p6"/>
-          <p:cNvSpPr txBox="1">
-            <a:spLocks noGrp="1"/>
-          </p:cNvSpPr>
-          <p:nvPr>
-            <p:ph type="title"/>
-          </p:nvPr>
-        </p:nvSpPr>
-        <p:spPr>
-          <a:prstGeom prst="rect">
-            <a:avLst/>
-          </a:prstGeom>
-          <a:ln/>
-        </p:spPr>
-        <p:style>
-          <a:lnRef idx="0">
-            <a:schemeClr val="accent3"/>
-          </a:lnRef>
-          <a:fillRef idx="3">
-            <a:schemeClr val="accent3"/>
-          </a:fillRef>
-          <a:effectRef idx="3">
-            <a:schemeClr val="accent3"/>
-          </a:effectRef>
-          <a:fontRef idx="minor">
-            <a:schemeClr val="lt1"/>
-          </a:fontRef>
-        </p:style>
-        <p:txBody>
-          <a:bodyPr spcFirstLastPara="1" wrap="square" lIns="91425" tIns="45700" rIns="91425" bIns="45700" anchor="ctr" anchorCtr="0">
-            <a:normAutofit/>
-          </a:bodyPr>
-          <a:lstStyle/>
-          <a:p>
-            <a:pPr lvl="0">
-              <a:defRPr/>
-            </a:pPr>
-            <a:r>
-              <a:rPr lang="en-IN" dirty="0">
-                <a:solidFill>
-                  <a:schemeClr val="tx1"/>
-                </a:solidFill>
-              </a:rPr>
-              <a:t>Thank you…..</a:t>
-            </a:r>
-            <a:endParaRPr lang="en-US" b="1" dirty="0">
-              <a:ln w="1905"/>
-              <a:solidFill>
-                <a:schemeClr val="tx1"/>
-              </a:solidFill>
-              <a:effectLst>
-                <a:innerShdw blurRad="69850" dist="43180" dir="5400000">
-                  <a:srgbClr val="000000">
-                    <a:alpha val="65000"/>
-                  </a:srgbClr>
-                </a:innerShdw>
-              </a:effectLst>
-            </a:endParaRPr>
-          </a:p>
-        </p:txBody>
-      </p:sp>
-      <p:sp>
-        <p:nvSpPr>
-          <p:cNvPr id="136" name="Google Shape;136;p6"/>
-          <p:cNvSpPr txBox="1">
-            <a:spLocks noGrp="1"/>
-          </p:cNvSpPr>
-          <p:nvPr>
-            <p:ph idx="1"/>
-          </p:nvPr>
-        </p:nvSpPr>
-        <p:spPr>
-          <a:xfrm>
-            <a:off x="0" y="1570892"/>
-            <a:ext cx="9144000" cy="5257800"/>
-          </a:xfrm>
-          <a:prstGeom prst="rect">
-            <a:avLst/>
-          </a:prstGeom>
-          <a:noFill/>
-          <a:ln>
-            <a:noFill/>
-          </a:ln>
-        </p:spPr>
-        <p:txBody>
-          <a:bodyPr spcFirstLastPara="1" wrap="square" lIns="91425" tIns="45700" rIns="91425" bIns="45700" anchor="t" anchorCtr="0">
-            <a:noAutofit/>
-          </a:bodyPr>
-          <a:lstStyle/>
-          <a:p>
-            <a:pPr marL="0" indent="0">
-              <a:buNone/>
-            </a:pPr>
-            <a:endParaRPr lang="en-US" b="1" dirty="0">
-              <a:solidFill>
-                <a:prstClr val="black"/>
-              </a:solidFill>
-            </a:endParaRPr>
-          </a:p>
-          <a:p>
-            <a:pPr marL="0" indent="0">
-              <a:buNone/>
-            </a:pPr>
-            <a:r>
-              <a:rPr lang="en-US" b="1" dirty="0">
-                <a:solidFill>
-                  <a:prstClr val="black"/>
-                </a:solidFill>
-              </a:rPr>
-              <a:t>					</a:t>
-            </a:r>
-          </a:p>
-          <a:p>
-            <a:endParaRPr lang="en-US" b="1" dirty="0">
-              <a:solidFill>
-                <a:prstClr val="black"/>
-              </a:solidFill>
-            </a:endParaRPr>
-          </a:p>
-          <a:p>
-            <a:pPr marL="0" indent="0">
-              <a:buNone/>
-            </a:pPr>
-            <a:r>
-              <a:rPr lang="en-US" b="1" dirty="0">
-                <a:solidFill>
-                  <a:prstClr val="black"/>
-                </a:solidFill>
-              </a:rPr>
-              <a:t>	You can mail your Queries to :</a:t>
-            </a:r>
-          </a:p>
-          <a:p>
-            <a:pPr marL="0" indent="0">
-              <a:buNone/>
-            </a:pPr>
-            <a:r>
-              <a:rPr lang="en-US" b="1" dirty="0">
-                <a:solidFill>
-                  <a:prstClr val="black"/>
-                </a:solidFill>
-              </a:rPr>
-              <a:t>		a2kousarj@gmail.com</a:t>
-            </a:r>
-            <a:endParaRPr lang="en-IN" dirty="0"/>
-          </a:p>
-          <a:p>
-            <a:pPr marL="0" indent="0">
-              <a:buNone/>
-            </a:pPr>
-            <a:endParaRPr lang="en-US" dirty="0"/>
-          </a:p>
-        </p:txBody>
-      </p:sp>
-      <p:sp>
-        <p:nvSpPr>
-          <p:cNvPr id="137" name="Google Shape;137;p6"/>
-          <p:cNvSpPr txBox="1">
-            <a:spLocks noGrp="1"/>
-          </p:cNvSpPr>
-          <p:nvPr>
-            <p:ph type="sldNum" sz="quarter" idx="12"/>
-          </p:nvPr>
-        </p:nvSpPr>
-        <p:spPr>
-          <a:prstGeom prst="rect">
-            <a:avLst/>
-          </a:prstGeom>
-          <a:noFill/>
-          <a:ln>
-            <a:noFill/>
-          </a:ln>
-        </p:spPr>
-        <p:txBody>
-          <a:bodyPr spcFirstLastPara="1" wrap="square" lIns="91425" tIns="45700" rIns="91425" bIns="45700" anchor="ctr" anchorCtr="0">
-            <a:noAutofit/>
-          </a:bodyPr>
-          <a:lstStyle/>
-          <a:p>
-            <a:pPr marL="0" lvl="0" indent="0" algn="r" rtl="0">
-              <a:spcBef>
-                <a:spcPts val="0"/>
-              </a:spcBef>
-              <a:spcAft>
-                <a:spcPts val="0"/>
-              </a:spcAft>
-              <a:buNone/>
-            </a:pPr>
-            <a:fld id="{00000000-1234-1234-1234-123412341234}" type="slidenum">
-              <a:rPr lang="en-IN"/>
-              <a:t>50</a:t>
-            </a:fld>
-            <a:endParaRPr/>
-          </a:p>
-        </p:txBody>
-      </p:sp>
-    </p:spTree>
-    <p:extLst>
-      <p:ext uri="{BB962C8B-B14F-4D97-AF65-F5344CB8AC3E}">
-        <p14:creationId xmlns:p14="http://schemas.microsoft.com/office/powerpoint/2010/main" val="2397707452"/>
-      </p:ext>
-    </p:extLst>
-  </p:cSld>
-  <p:clrMapOvr>
-    <a:masterClrMapping/>
-  </p:clrMapOvr>
-</p:sld>
-</file>
-
-<file path=ppt/slides/slide51.xml><?xml version="1.0" encoding="utf-8"?>
-<p:sld xmlns:a="http://schemas.openxmlformats.org/drawingml/2006/main" xmlns:r="http://schemas.openxmlformats.org/officeDocument/2006/relationships" xmlns:p="http://schemas.openxmlformats.org/presentationml/2006/main">
-  <p:cSld>
-    <p:spTree>
-      <p:nvGrpSpPr>
-        <p:cNvPr id="1" name="Shape 134"/>
-        <p:cNvGrpSpPr/>
-        <p:nvPr/>
-      </p:nvGrpSpPr>
-      <p:grpSpPr>
-        <a:xfrm>
-          <a:off x="0" y="0"/>
-          <a:ext cx="0" cy="0"/>
-          <a:chOff x="0" y="0"/>
-          <a:chExt cx="0" cy="0"/>
-        </a:xfrm>
-      </p:grpSpPr>
-      <p:sp>
-        <p:nvSpPr>
-          <p:cNvPr id="135" name="Google Shape;135;p6"/>
-          <p:cNvSpPr txBox="1">
-            <a:spLocks noGrp="1"/>
-          </p:cNvSpPr>
-          <p:nvPr>
-            <p:ph type="title"/>
-          </p:nvPr>
-        </p:nvSpPr>
-        <p:spPr>
-          <a:prstGeom prst="rect">
-            <a:avLst/>
-          </a:prstGeom>
-          <a:ln/>
-        </p:spPr>
-        <p:style>
-          <a:lnRef idx="0">
-            <a:schemeClr val="accent3"/>
-          </a:lnRef>
-          <a:fillRef idx="3">
-            <a:schemeClr val="accent3"/>
-          </a:fillRef>
-          <a:effectRef idx="3">
-            <a:schemeClr val="accent3"/>
-          </a:effectRef>
-          <a:fontRef idx="minor">
-            <a:schemeClr val="lt1"/>
-          </a:fontRef>
-        </p:style>
-        <p:txBody>
-          <a:bodyPr spcFirstLastPara="1" wrap="square" lIns="91425" tIns="45700" rIns="91425" bIns="45700" anchor="ctr" anchorCtr="0">
-            <a:normAutofit/>
-          </a:bodyPr>
-          <a:lstStyle/>
-          <a:p>
-            <a:pPr lvl="0">
-              <a:defRPr/>
-            </a:pPr>
-            <a:r>
-              <a:rPr lang="en-IN" dirty="0">
-                <a:solidFill>
-                  <a:schemeClr val="tx1"/>
-                </a:solidFill>
-              </a:rPr>
-              <a:t>Thank you…..</a:t>
-            </a:r>
-            <a:endParaRPr lang="en-US" b="1" dirty="0">
-              <a:ln w="1905"/>
-              <a:solidFill>
-                <a:schemeClr val="tx1"/>
-              </a:solidFill>
-              <a:effectLst>
-                <a:innerShdw blurRad="69850" dist="43180" dir="5400000">
-                  <a:srgbClr val="000000">
-                    <a:alpha val="65000"/>
-                  </a:srgbClr>
-                </a:innerShdw>
-              </a:effectLst>
-            </a:endParaRPr>
-          </a:p>
-        </p:txBody>
-      </p:sp>
-      <p:sp>
-        <p:nvSpPr>
-          <p:cNvPr id="136" name="Google Shape;136;p6"/>
-          <p:cNvSpPr txBox="1">
-            <a:spLocks noGrp="1"/>
-          </p:cNvSpPr>
-          <p:nvPr>
-            <p:ph idx="1"/>
-          </p:nvPr>
-        </p:nvSpPr>
-        <p:spPr>
-          <a:xfrm>
-            <a:off x="0" y="1570892"/>
-            <a:ext cx="9144000" cy="5257800"/>
-          </a:xfrm>
-          <a:prstGeom prst="rect">
-            <a:avLst/>
-          </a:prstGeom>
-          <a:noFill/>
-          <a:ln>
-            <a:noFill/>
-          </a:ln>
-        </p:spPr>
-        <p:txBody>
-          <a:bodyPr spcFirstLastPara="1" wrap="square" lIns="91425" tIns="45700" rIns="91425" bIns="45700" anchor="t" anchorCtr="0">
-            <a:noAutofit/>
-          </a:bodyPr>
-          <a:lstStyle/>
-          <a:p>
-            <a:pPr marL="0" indent="0">
-              <a:buNone/>
-            </a:pPr>
-            <a:endParaRPr lang="en-US" b="1" dirty="0">
-              <a:solidFill>
-                <a:prstClr val="black"/>
-              </a:solidFill>
-            </a:endParaRPr>
-          </a:p>
-          <a:p>
-            <a:pPr marL="0" indent="0">
-              <a:buNone/>
-            </a:pPr>
-            <a:r>
-              <a:rPr lang="en-US" b="1" dirty="0">
-                <a:solidFill>
-                  <a:prstClr val="black"/>
-                </a:solidFill>
-              </a:rPr>
-              <a:t>					</a:t>
-            </a:r>
-          </a:p>
-          <a:p>
-            <a:endParaRPr lang="en-US" b="1" dirty="0">
-              <a:solidFill>
-                <a:prstClr val="black"/>
-              </a:solidFill>
-            </a:endParaRPr>
-          </a:p>
-          <a:p>
-            <a:pPr marL="0" indent="0">
-              <a:buNone/>
-            </a:pPr>
-            <a:r>
-              <a:rPr lang="en-US" b="1" dirty="0">
-                <a:solidFill>
-                  <a:prstClr val="black"/>
-                </a:solidFill>
-              </a:rPr>
-              <a:t>	You can mail your Queries to :</a:t>
-            </a:r>
-          </a:p>
-          <a:p>
-            <a:pPr marL="0" indent="0">
-              <a:buNone/>
-            </a:pPr>
-            <a:r>
-              <a:rPr lang="en-US" b="1" dirty="0">
-                <a:solidFill>
-                  <a:prstClr val="black"/>
-                </a:solidFill>
-              </a:rPr>
-              <a:t>		a2kousarj@gmail.com</a:t>
-            </a:r>
-            <a:endParaRPr lang="en-IN" dirty="0"/>
-          </a:p>
-          <a:p>
-            <a:pPr marL="0" indent="0">
-              <a:buNone/>
-            </a:pPr>
-            <a:endParaRPr lang="en-US" dirty="0"/>
-          </a:p>
-        </p:txBody>
-      </p:sp>
-      <p:sp>
-        <p:nvSpPr>
-          <p:cNvPr id="137" name="Google Shape;137;p6"/>
-          <p:cNvSpPr txBox="1">
-            <a:spLocks noGrp="1"/>
-          </p:cNvSpPr>
-          <p:nvPr>
-            <p:ph type="sldNum" sz="quarter" idx="12"/>
-          </p:nvPr>
-        </p:nvSpPr>
-        <p:spPr>
-          <a:prstGeom prst="rect">
-            <a:avLst/>
-          </a:prstGeom>
-          <a:noFill/>
-          <a:ln>
-            <a:noFill/>
-          </a:ln>
-        </p:spPr>
-        <p:txBody>
-          <a:bodyPr spcFirstLastPara="1" wrap="square" lIns="91425" tIns="45700" rIns="91425" bIns="45700" anchor="ctr" anchorCtr="0">
-            <a:noAutofit/>
-          </a:bodyPr>
-          <a:lstStyle/>
-          <a:p>
-            <a:pPr marL="0" lvl="0" indent="0" algn="r" rtl="0">
-              <a:spcBef>
-                <a:spcPts val="0"/>
-              </a:spcBef>
-              <a:spcAft>
-                <a:spcPts val="0"/>
-              </a:spcAft>
-              <a:buNone/>
-            </a:pPr>
-            <a:fld id="{00000000-1234-1234-1234-123412341234}" type="slidenum">
-              <a:rPr lang="en-IN"/>
-              <a:t>51</a:t>
-            </a:fld>
-            <a:endParaRPr/>
-          </a:p>
-        </p:txBody>
-      </p:sp>
-    </p:spTree>
-    <p:extLst>
-      <p:ext uri="{BB962C8B-B14F-4D97-AF65-F5344CB8AC3E}">
-        <p14:creationId xmlns:p14="http://schemas.microsoft.com/office/powerpoint/2010/main" val="2397707452"/>
-      </p:ext>
-    </p:extLst>
-  </p:cSld>
-  <p:clrMapOvr>
-    <a:masterClrMapping/>
-  </p:clrMapOvr>
-</p:sld>
-</file>
-
-<file path=ppt/slides/slide52.xml><?xml version="1.0" encoding="utf-8"?>
-<p:sld xmlns:a="http://schemas.openxmlformats.org/drawingml/2006/main" xmlns:r="http://schemas.openxmlformats.org/officeDocument/2006/relationships" xmlns:p="http://schemas.openxmlformats.org/presentationml/2006/main">
-  <p:cSld>
-    <p:spTree>
-      <p:nvGrpSpPr>
-        <p:cNvPr id="1" name="Shape 134"/>
-        <p:cNvGrpSpPr/>
-        <p:nvPr/>
-      </p:nvGrpSpPr>
-      <p:grpSpPr>
-        <a:xfrm>
-          <a:off x="0" y="0"/>
-          <a:ext cx="0" cy="0"/>
-          <a:chOff x="0" y="0"/>
-          <a:chExt cx="0" cy="0"/>
-        </a:xfrm>
-      </p:grpSpPr>
-      <p:sp>
-        <p:nvSpPr>
-          <p:cNvPr id="135" name="Google Shape;135;p6"/>
-          <p:cNvSpPr txBox="1">
-            <a:spLocks noGrp="1"/>
-          </p:cNvSpPr>
-          <p:nvPr>
-            <p:ph type="title"/>
-          </p:nvPr>
-        </p:nvSpPr>
-        <p:spPr>
-          <a:prstGeom prst="rect">
-            <a:avLst/>
-          </a:prstGeom>
-          <a:ln/>
-        </p:spPr>
-        <p:style>
-          <a:lnRef idx="0">
-            <a:schemeClr val="accent3"/>
-          </a:lnRef>
-          <a:fillRef idx="3">
-            <a:schemeClr val="accent3"/>
-          </a:fillRef>
-          <a:effectRef idx="3">
-            <a:schemeClr val="accent3"/>
-          </a:effectRef>
-          <a:fontRef idx="minor">
-            <a:schemeClr val="lt1"/>
-          </a:fontRef>
-        </p:style>
-        <p:txBody>
-          <a:bodyPr spcFirstLastPara="1" wrap="square" lIns="91425" tIns="45700" rIns="91425" bIns="45700" anchor="ctr" anchorCtr="0">
-            <a:normAutofit/>
-          </a:bodyPr>
-          <a:lstStyle/>
-          <a:p>
-            <a:pPr lvl="0">
-              <a:defRPr/>
-            </a:pPr>
-            <a:r>
-              <a:rPr lang="en-IN" dirty="0">
-                <a:solidFill>
-                  <a:schemeClr val="tx1"/>
-                </a:solidFill>
-              </a:rPr>
-              <a:t>Thank you…..</a:t>
-            </a:r>
-            <a:endParaRPr lang="en-US" b="1" dirty="0">
-              <a:ln w="1905"/>
-              <a:solidFill>
-                <a:schemeClr val="tx1"/>
-              </a:solidFill>
-              <a:effectLst>
-                <a:innerShdw blurRad="69850" dist="43180" dir="5400000">
-                  <a:srgbClr val="000000">
-                    <a:alpha val="65000"/>
-                  </a:srgbClr>
-                </a:innerShdw>
-              </a:effectLst>
-            </a:endParaRPr>
-          </a:p>
-        </p:txBody>
-      </p:sp>
-      <p:sp>
-        <p:nvSpPr>
-          <p:cNvPr id="136" name="Google Shape;136;p6"/>
-          <p:cNvSpPr txBox="1">
-            <a:spLocks noGrp="1"/>
-          </p:cNvSpPr>
-          <p:nvPr>
-            <p:ph idx="1"/>
-          </p:nvPr>
-        </p:nvSpPr>
-        <p:spPr>
-          <a:xfrm>
-            <a:off x="0" y="1570892"/>
-            <a:ext cx="9144000" cy="5257800"/>
-          </a:xfrm>
-          <a:prstGeom prst="rect">
-            <a:avLst/>
-          </a:prstGeom>
-          <a:noFill/>
-          <a:ln>
-            <a:noFill/>
-          </a:ln>
-        </p:spPr>
-        <p:txBody>
-          <a:bodyPr spcFirstLastPara="1" wrap="square" lIns="91425" tIns="45700" rIns="91425" bIns="45700" anchor="t" anchorCtr="0">
-            <a:noAutofit/>
-          </a:bodyPr>
-          <a:lstStyle/>
-          <a:p>
-            <a:pPr marL="0" indent="0">
-              <a:buNone/>
-            </a:pPr>
-            <a:endParaRPr lang="en-US" b="1" dirty="0">
-              <a:solidFill>
-                <a:prstClr val="black"/>
-              </a:solidFill>
-            </a:endParaRPr>
-          </a:p>
-          <a:p>
-            <a:pPr marL="0" indent="0">
-              <a:buNone/>
-            </a:pPr>
-            <a:r>
-              <a:rPr lang="en-US" b="1" dirty="0">
-                <a:solidFill>
-                  <a:prstClr val="black"/>
-                </a:solidFill>
-              </a:rPr>
-              <a:t>					</a:t>
-            </a:r>
-          </a:p>
-          <a:p>
-            <a:endParaRPr lang="en-US" b="1" dirty="0">
-              <a:solidFill>
-                <a:prstClr val="black"/>
-              </a:solidFill>
-            </a:endParaRPr>
-          </a:p>
-          <a:p>
-            <a:pPr marL="0" indent="0">
-              <a:buNone/>
-            </a:pPr>
-            <a:r>
-              <a:rPr lang="en-US" b="1" dirty="0">
-                <a:solidFill>
-                  <a:prstClr val="black"/>
-                </a:solidFill>
-              </a:rPr>
-              <a:t>	You can mail your Queries to :</a:t>
-            </a:r>
-          </a:p>
-          <a:p>
-            <a:pPr marL="0" indent="0">
-              <a:buNone/>
-            </a:pPr>
-            <a:r>
-              <a:rPr lang="en-US" b="1" dirty="0">
-                <a:solidFill>
-                  <a:prstClr val="black"/>
-                </a:solidFill>
-              </a:rPr>
-              <a:t>		a2kousarj@gmail.com</a:t>
-            </a:r>
-            <a:endParaRPr lang="en-IN" dirty="0"/>
-          </a:p>
-          <a:p>
-            <a:pPr marL="0" indent="0">
-              <a:buNone/>
-            </a:pPr>
-            <a:endParaRPr lang="en-US" dirty="0"/>
-          </a:p>
-        </p:txBody>
-      </p:sp>
-      <p:sp>
-        <p:nvSpPr>
-          <p:cNvPr id="137" name="Google Shape;137;p6"/>
-          <p:cNvSpPr txBox="1">
-            <a:spLocks noGrp="1"/>
-          </p:cNvSpPr>
-          <p:nvPr>
-            <p:ph type="sldNum" sz="quarter" idx="12"/>
-          </p:nvPr>
-        </p:nvSpPr>
-        <p:spPr>
-          <a:prstGeom prst="rect">
-            <a:avLst/>
-          </a:prstGeom>
-          <a:noFill/>
-          <a:ln>
-            <a:noFill/>
-          </a:ln>
-        </p:spPr>
-        <p:txBody>
-          <a:bodyPr spcFirstLastPara="1" wrap="square" lIns="91425" tIns="45700" rIns="91425" bIns="45700" anchor="ctr" anchorCtr="0">
-            <a:noAutofit/>
-          </a:bodyPr>
-          <a:lstStyle/>
-          <a:p>
-            <a:pPr marL="0" lvl="0" indent="0" algn="r" rtl="0">
-              <a:spcBef>
-                <a:spcPts val="0"/>
-              </a:spcBef>
-              <a:spcAft>
-                <a:spcPts val="0"/>
-              </a:spcAft>
-              <a:buNone/>
-            </a:pPr>
-            <a:fld id="{00000000-1234-1234-1234-123412341234}" type="slidenum">
-              <a:rPr lang="en-IN"/>
-              <a:t>52</a:t>
-            </a:fld>
-            <a:endParaRPr/>
-          </a:p>
-        </p:txBody>
-      </p:sp>
-    </p:spTree>
-    <p:extLst>
-      <p:ext uri="{BB962C8B-B14F-4D97-AF65-F5344CB8AC3E}">
-        <p14:creationId xmlns:p14="http://schemas.microsoft.com/office/powerpoint/2010/main" val="2397707452"/>
-      </p:ext>
-    </p:extLst>
-  </p:cSld>
-  <p:clrMapOvr>
-    <a:masterClrMapping/>
-  </p:clrMapOvr>
-</p:sld>
-</file>
-
-<file path=ppt/slides/slide53.xml><?xml version="1.0" encoding="utf-8"?>
-<p:sld xmlns:a="http://schemas.openxmlformats.org/drawingml/2006/main" xmlns:r="http://schemas.openxmlformats.org/officeDocument/2006/relationships" xmlns:p="http://schemas.openxmlformats.org/presentationml/2006/main">
-  <p:cSld>
-    <p:spTree>
-      <p:nvGrpSpPr>
-        <p:cNvPr id="1" name="Shape 134"/>
-        <p:cNvGrpSpPr/>
-        <p:nvPr/>
-      </p:nvGrpSpPr>
-      <p:grpSpPr>
-        <a:xfrm>
-          <a:off x="0" y="0"/>
-          <a:ext cx="0" cy="0"/>
-          <a:chOff x="0" y="0"/>
-          <a:chExt cx="0" cy="0"/>
-        </a:xfrm>
-      </p:grpSpPr>
-      <p:sp>
-        <p:nvSpPr>
-          <p:cNvPr id="135" name="Google Shape;135;p6"/>
-          <p:cNvSpPr txBox="1">
-            <a:spLocks noGrp="1"/>
-          </p:cNvSpPr>
-          <p:nvPr>
-            <p:ph type="title"/>
-          </p:nvPr>
-        </p:nvSpPr>
-        <p:spPr>
-          <a:prstGeom prst="rect">
-            <a:avLst/>
-          </a:prstGeom>
-          <a:ln/>
-        </p:spPr>
-        <p:style>
-          <a:lnRef idx="0">
-            <a:schemeClr val="accent3"/>
-          </a:lnRef>
-          <a:fillRef idx="3">
-            <a:schemeClr val="accent3"/>
-          </a:fillRef>
-          <a:effectRef idx="3">
-            <a:schemeClr val="accent3"/>
-          </a:effectRef>
-          <a:fontRef idx="minor">
-            <a:schemeClr val="lt1"/>
-          </a:fontRef>
-        </p:style>
-        <p:txBody>
-          <a:bodyPr spcFirstLastPara="1" wrap="square" lIns="91425" tIns="45700" rIns="91425" bIns="45700" anchor="ctr" anchorCtr="0">
-            <a:normAutofit/>
-          </a:bodyPr>
-          <a:lstStyle/>
-          <a:p>
-            <a:pPr lvl="0">
-              <a:defRPr/>
-            </a:pPr>
-            <a:r>
-              <a:rPr lang="en-IN" dirty="0">
-                <a:solidFill>
-                  <a:schemeClr val="tx1"/>
-                </a:solidFill>
-              </a:rPr>
-              <a:t>Thank you…..</a:t>
-            </a:r>
-            <a:endParaRPr lang="en-US" b="1" dirty="0">
-              <a:ln w="1905"/>
-              <a:solidFill>
-                <a:schemeClr val="tx1"/>
-              </a:solidFill>
-              <a:effectLst>
-                <a:innerShdw blurRad="69850" dist="43180" dir="5400000">
-                  <a:srgbClr val="000000">
-                    <a:alpha val="65000"/>
-                  </a:srgbClr>
-                </a:innerShdw>
-              </a:effectLst>
-            </a:endParaRPr>
-          </a:p>
-        </p:txBody>
-      </p:sp>
-      <p:sp>
-        <p:nvSpPr>
-          <p:cNvPr id="136" name="Google Shape;136;p6"/>
-          <p:cNvSpPr txBox="1">
-            <a:spLocks noGrp="1"/>
-          </p:cNvSpPr>
-          <p:nvPr>
-            <p:ph idx="1"/>
-          </p:nvPr>
-        </p:nvSpPr>
-        <p:spPr>
-          <a:xfrm>
-            <a:off x="0" y="1570892"/>
-            <a:ext cx="9144000" cy="5257800"/>
-          </a:xfrm>
-          <a:prstGeom prst="rect">
-            <a:avLst/>
-          </a:prstGeom>
-          <a:noFill/>
-          <a:ln>
-            <a:noFill/>
-          </a:ln>
-        </p:spPr>
-        <p:txBody>
-          <a:bodyPr spcFirstLastPara="1" wrap="square" lIns="91425" tIns="45700" rIns="91425" bIns="45700" anchor="t" anchorCtr="0">
-            <a:noAutofit/>
-          </a:bodyPr>
-          <a:lstStyle/>
-          <a:p>
-            <a:pPr marL="0" indent="0">
-              <a:buNone/>
-            </a:pPr>
-            <a:endParaRPr lang="en-US" b="1" dirty="0">
-              <a:solidFill>
-                <a:prstClr val="black"/>
-              </a:solidFill>
-            </a:endParaRPr>
-          </a:p>
-          <a:p>
-            <a:pPr marL="0" indent="0">
-              <a:buNone/>
-            </a:pPr>
-            <a:r>
-              <a:rPr lang="en-US" b="1" dirty="0">
-                <a:solidFill>
-                  <a:prstClr val="black"/>
-                </a:solidFill>
-              </a:rPr>
-              <a:t>					</a:t>
-            </a:r>
-          </a:p>
-          <a:p>
-            <a:endParaRPr lang="en-US" b="1" dirty="0">
-              <a:solidFill>
-                <a:prstClr val="black"/>
-              </a:solidFill>
-            </a:endParaRPr>
-          </a:p>
-          <a:p>
-            <a:pPr marL="0" indent="0">
-              <a:buNone/>
-            </a:pPr>
-            <a:r>
-              <a:rPr lang="en-US" b="1" dirty="0">
-                <a:solidFill>
-                  <a:prstClr val="black"/>
-                </a:solidFill>
-              </a:rPr>
-              <a:t>	You can mail your Queries to :</a:t>
-            </a:r>
-          </a:p>
-          <a:p>
-            <a:pPr marL="0" indent="0">
-              <a:buNone/>
-            </a:pPr>
-            <a:r>
-              <a:rPr lang="en-US" b="1" dirty="0">
-                <a:solidFill>
-                  <a:prstClr val="black"/>
-                </a:solidFill>
-              </a:rPr>
-              <a:t>		a2kousarj@gmail.com</a:t>
-            </a:r>
-            <a:endParaRPr lang="en-IN" dirty="0"/>
-          </a:p>
-          <a:p>
-            <a:pPr marL="0" indent="0">
-              <a:buNone/>
-            </a:pPr>
-            <a:endParaRPr lang="en-US" dirty="0"/>
-          </a:p>
-        </p:txBody>
-      </p:sp>
-      <p:sp>
-        <p:nvSpPr>
-          <p:cNvPr id="137" name="Google Shape;137;p6"/>
-          <p:cNvSpPr txBox="1">
-            <a:spLocks noGrp="1"/>
-          </p:cNvSpPr>
-          <p:nvPr>
-            <p:ph type="sldNum" sz="quarter" idx="12"/>
-          </p:nvPr>
-        </p:nvSpPr>
-        <p:spPr>
-          <a:prstGeom prst="rect">
-            <a:avLst/>
-          </a:prstGeom>
-          <a:noFill/>
-          <a:ln>
-            <a:noFill/>
-          </a:ln>
-        </p:spPr>
-        <p:txBody>
-          <a:bodyPr spcFirstLastPara="1" wrap="square" lIns="91425" tIns="45700" rIns="91425" bIns="45700" anchor="ctr" anchorCtr="0">
-            <a:noAutofit/>
-          </a:bodyPr>
-          <a:lstStyle/>
-          <a:p>
-            <a:pPr marL="0" lvl="0" indent="0" algn="r" rtl="0">
-              <a:spcBef>
-                <a:spcPts val="0"/>
-              </a:spcBef>
-              <a:spcAft>
-                <a:spcPts val="0"/>
-              </a:spcAft>
-              <a:buNone/>
-            </a:pPr>
-            <a:fld id="{00000000-1234-1234-1234-123412341234}" type="slidenum">
-              <a:rPr lang="en-IN"/>
-              <a:t>53</a:t>
-            </a:fld>
-            <a:endParaRPr/>
-          </a:p>
-        </p:txBody>
-      </p:sp>
-    </p:spTree>
-    <p:extLst>
-      <p:ext uri="{BB962C8B-B14F-4D97-AF65-F5344CB8AC3E}">
-        <p14:creationId xmlns:p14="http://schemas.microsoft.com/office/powerpoint/2010/main" val="2397707452"/>
-      </p:ext>
-    </p:extLst>
-  </p:cSld>
-  <p:clrMapOvr>
-    <a:masterClrMapping/>
-  </p:clrMapOvr>
-</p:sld>
-</file>
-
-<file path=ppt/slides/slide54.xml><?xml version="1.0" encoding="utf-8"?>
-<p:sld xmlns:a="http://schemas.openxmlformats.org/drawingml/2006/main" xmlns:r="http://schemas.openxmlformats.org/officeDocument/2006/relationships" xmlns:p="http://schemas.openxmlformats.org/presentationml/2006/main">
-  <p:cSld>
-    <p:spTree>
-      <p:nvGrpSpPr>
-        <p:cNvPr id="1" name="Shape 134"/>
-        <p:cNvGrpSpPr/>
-        <p:nvPr/>
-      </p:nvGrpSpPr>
-      <p:grpSpPr>
-        <a:xfrm>
-          <a:off x="0" y="0"/>
-          <a:ext cx="0" cy="0"/>
-          <a:chOff x="0" y="0"/>
-          <a:chExt cx="0" cy="0"/>
-        </a:xfrm>
-      </p:grpSpPr>
-      <p:sp>
-        <p:nvSpPr>
-          <p:cNvPr id="135" name="Google Shape;135;p6"/>
-          <p:cNvSpPr txBox="1">
-            <a:spLocks noGrp="1"/>
-          </p:cNvSpPr>
-          <p:nvPr>
-            <p:ph type="title"/>
-          </p:nvPr>
-        </p:nvSpPr>
-        <p:spPr>
-          <a:prstGeom prst="rect">
-            <a:avLst/>
-          </a:prstGeom>
-          <a:ln/>
-        </p:spPr>
-        <p:style>
-          <a:lnRef idx="0">
-            <a:schemeClr val="accent3"/>
-          </a:lnRef>
-          <a:fillRef idx="3">
-            <a:schemeClr val="accent3"/>
-          </a:fillRef>
-          <a:effectRef idx="3">
-            <a:schemeClr val="accent3"/>
-          </a:effectRef>
-          <a:fontRef idx="minor">
-            <a:schemeClr val="lt1"/>
-          </a:fontRef>
-        </p:style>
-        <p:txBody>
-          <a:bodyPr spcFirstLastPara="1" wrap="square" lIns="91425" tIns="45700" rIns="91425" bIns="45700" anchor="ctr" anchorCtr="0">
-            <a:normAutofit/>
-          </a:bodyPr>
-          <a:lstStyle/>
-          <a:p>
-            <a:pPr lvl="0">
-              <a:defRPr/>
-            </a:pPr>
-            <a:r>
-              <a:rPr lang="en-IN" dirty="0">
-                <a:solidFill>
-                  <a:schemeClr val="tx1"/>
-                </a:solidFill>
-              </a:rPr>
-              <a:t>Thank you…..</a:t>
-            </a:r>
-            <a:endParaRPr lang="en-US" b="1" dirty="0">
-              <a:ln w="1905"/>
-              <a:solidFill>
-                <a:schemeClr val="tx1"/>
-              </a:solidFill>
-              <a:effectLst>
-                <a:innerShdw blurRad="69850" dist="43180" dir="5400000">
-                  <a:srgbClr val="000000">
-                    <a:alpha val="65000"/>
-                  </a:srgbClr>
-                </a:innerShdw>
-              </a:effectLst>
-            </a:endParaRPr>
-          </a:p>
-        </p:txBody>
-      </p:sp>
-      <p:sp>
-        <p:nvSpPr>
-          <p:cNvPr id="136" name="Google Shape;136;p6"/>
-          <p:cNvSpPr txBox="1">
-            <a:spLocks noGrp="1"/>
-          </p:cNvSpPr>
-          <p:nvPr>
-            <p:ph idx="1"/>
-          </p:nvPr>
-        </p:nvSpPr>
-        <p:spPr>
-          <a:xfrm>
-            <a:off x="0" y="1570892"/>
-            <a:ext cx="9144000" cy="5257800"/>
-          </a:xfrm>
-          <a:prstGeom prst="rect">
-            <a:avLst/>
-          </a:prstGeom>
-          <a:noFill/>
-          <a:ln>
-            <a:noFill/>
-          </a:ln>
-        </p:spPr>
-        <p:txBody>
-          <a:bodyPr spcFirstLastPara="1" wrap="square" lIns="91425" tIns="45700" rIns="91425" bIns="45700" anchor="t" anchorCtr="0">
-            <a:noAutofit/>
-          </a:bodyPr>
-          <a:lstStyle/>
-          <a:p>
-            <a:pPr marL="0" indent="0">
-              <a:buNone/>
-            </a:pPr>
-            <a:endParaRPr lang="en-US" b="1" dirty="0">
-              <a:solidFill>
-                <a:prstClr val="black"/>
-              </a:solidFill>
-            </a:endParaRPr>
-          </a:p>
-          <a:p>
-            <a:pPr marL="0" indent="0">
-              <a:buNone/>
-            </a:pPr>
-            <a:r>
-              <a:rPr lang="en-US" b="1" dirty="0">
-                <a:solidFill>
-                  <a:prstClr val="black"/>
-                </a:solidFill>
-              </a:rPr>
-              <a:t>					</a:t>
-            </a:r>
-          </a:p>
-          <a:p>
-            <a:endParaRPr lang="en-US" b="1" dirty="0">
-              <a:solidFill>
-                <a:prstClr val="black"/>
-              </a:solidFill>
-            </a:endParaRPr>
-          </a:p>
-          <a:p>
-            <a:pPr marL="0" indent="0">
-              <a:buNone/>
-            </a:pPr>
-            <a:r>
-              <a:rPr lang="en-US" b="1" dirty="0">
-                <a:solidFill>
-                  <a:prstClr val="black"/>
-                </a:solidFill>
-              </a:rPr>
-              <a:t>	You can mail your Queries to :</a:t>
-            </a:r>
-          </a:p>
-          <a:p>
-            <a:pPr marL="0" indent="0">
-              <a:buNone/>
-            </a:pPr>
-            <a:r>
-              <a:rPr lang="en-US" b="1" dirty="0">
-                <a:solidFill>
-                  <a:prstClr val="black"/>
-                </a:solidFill>
-              </a:rPr>
-              <a:t>		a2kousarj@gmail.com</a:t>
-            </a:r>
-            <a:endParaRPr lang="en-IN" dirty="0"/>
-          </a:p>
-          <a:p>
-            <a:pPr marL="0" indent="0">
-              <a:buNone/>
-            </a:pPr>
-            <a:endParaRPr lang="en-US" dirty="0"/>
-          </a:p>
-        </p:txBody>
-      </p:sp>
-      <p:sp>
-        <p:nvSpPr>
-          <p:cNvPr id="137" name="Google Shape;137;p6"/>
-          <p:cNvSpPr txBox="1">
-            <a:spLocks noGrp="1"/>
-          </p:cNvSpPr>
-          <p:nvPr>
-            <p:ph type="sldNum" sz="quarter" idx="12"/>
-          </p:nvPr>
-        </p:nvSpPr>
-        <p:spPr>
-          <a:prstGeom prst="rect">
-            <a:avLst/>
-          </a:prstGeom>
-          <a:noFill/>
-          <a:ln>
-            <a:noFill/>
-          </a:ln>
-        </p:spPr>
-        <p:txBody>
-          <a:bodyPr spcFirstLastPara="1" wrap="square" lIns="91425" tIns="45700" rIns="91425" bIns="45700" anchor="ctr" anchorCtr="0">
-            <a:noAutofit/>
-          </a:bodyPr>
-          <a:lstStyle/>
-          <a:p>
-            <a:pPr marL="0" lvl="0" indent="0" algn="r" rtl="0">
-              <a:spcBef>
-                <a:spcPts val="0"/>
-              </a:spcBef>
-              <a:spcAft>
-                <a:spcPts val="0"/>
-              </a:spcAft>
-              <a:buNone/>
-            </a:pPr>
-            <a:fld id="{00000000-1234-1234-1234-123412341234}" type="slidenum">
-              <a:rPr lang="en-IN"/>
-              <a:t>54</a:t>
-            </a:fld>
-            <a:endParaRPr/>
-          </a:p>
-        </p:txBody>
-      </p:sp>
-    </p:spTree>
-    <p:extLst>
-      <p:ext uri="{BB962C8B-B14F-4D97-AF65-F5344CB8AC3E}">
-        <p14:creationId xmlns:p14="http://schemas.microsoft.com/office/powerpoint/2010/main" val="2397707452"/>
-      </p:ext>
-    </p:extLst>
-  </p:cSld>
-  <p:clrMapOvr>
-    <a:masterClrMapping/>
-  </p:clrMapOvr>
-</p:sld>
-</file>
-
-<file path=ppt/slides/slide55.xml><?xml version="1.0" encoding="utf-8"?>
-<p:sld xmlns:a="http://schemas.openxmlformats.org/drawingml/2006/main" xmlns:r="http://schemas.openxmlformats.org/officeDocument/2006/relationships" xmlns:p="http://schemas.openxmlformats.org/presentationml/2006/main">
-  <p:cSld>
-    <p:spTree>
-      <p:nvGrpSpPr>
-        <p:cNvPr id="1" name="Shape 134"/>
-        <p:cNvGrpSpPr/>
-        <p:nvPr/>
-      </p:nvGrpSpPr>
-      <p:grpSpPr>
-        <a:xfrm>
-          <a:off x="0" y="0"/>
-          <a:ext cx="0" cy="0"/>
-          <a:chOff x="0" y="0"/>
-          <a:chExt cx="0" cy="0"/>
-        </a:xfrm>
-      </p:grpSpPr>
-      <p:sp>
-        <p:nvSpPr>
-          <p:cNvPr id="135" name="Google Shape;135;p6"/>
-          <p:cNvSpPr txBox="1">
-            <a:spLocks noGrp="1"/>
-          </p:cNvSpPr>
-          <p:nvPr>
-            <p:ph type="title"/>
-          </p:nvPr>
-        </p:nvSpPr>
-        <p:spPr>
-          <a:prstGeom prst="rect">
-            <a:avLst/>
-          </a:prstGeom>
-          <a:ln/>
-        </p:spPr>
-        <p:style>
-          <a:lnRef idx="0">
-            <a:schemeClr val="accent3"/>
-          </a:lnRef>
-          <a:fillRef idx="3">
-            <a:schemeClr val="accent3"/>
-          </a:fillRef>
-          <a:effectRef idx="3">
-            <a:schemeClr val="accent3"/>
-          </a:effectRef>
-          <a:fontRef idx="minor">
-            <a:schemeClr val="lt1"/>
-          </a:fontRef>
-        </p:style>
-        <p:txBody>
-          <a:bodyPr spcFirstLastPara="1" wrap="square" lIns="91425" tIns="45700" rIns="91425" bIns="45700" anchor="ctr" anchorCtr="0">
-            <a:normAutofit/>
-          </a:bodyPr>
-          <a:lstStyle/>
-          <a:p>
-            <a:pPr lvl="0">
-              <a:defRPr/>
-            </a:pPr>
-            <a:r>
-              <a:rPr lang="en-IN" dirty="0">
-                <a:solidFill>
-                  <a:schemeClr val="tx1"/>
-                </a:solidFill>
-              </a:rPr>
-              <a:t>Thank you…..</a:t>
-            </a:r>
-            <a:endParaRPr lang="en-US" b="1" dirty="0">
-              <a:ln w="1905"/>
-              <a:solidFill>
-                <a:schemeClr val="tx1"/>
-              </a:solidFill>
-              <a:effectLst>
-                <a:innerShdw blurRad="69850" dist="43180" dir="5400000">
-                  <a:srgbClr val="000000">
-                    <a:alpha val="65000"/>
-                  </a:srgbClr>
-                </a:innerShdw>
-              </a:effectLst>
-            </a:endParaRPr>
-          </a:p>
-        </p:txBody>
-      </p:sp>
-      <p:sp>
-        <p:nvSpPr>
-          <p:cNvPr id="136" name="Google Shape;136;p6"/>
-          <p:cNvSpPr txBox="1">
-            <a:spLocks noGrp="1"/>
-          </p:cNvSpPr>
-          <p:nvPr>
-            <p:ph idx="1"/>
-          </p:nvPr>
-        </p:nvSpPr>
-        <p:spPr>
-          <a:xfrm>
-            <a:off x="0" y="1570892"/>
-            <a:ext cx="9144000" cy="5257800"/>
-          </a:xfrm>
-          <a:prstGeom prst="rect">
-            <a:avLst/>
-          </a:prstGeom>
-          <a:noFill/>
-          <a:ln>
-            <a:noFill/>
-          </a:ln>
-        </p:spPr>
-        <p:txBody>
-          <a:bodyPr spcFirstLastPara="1" wrap="square" lIns="91425" tIns="45700" rIns="91425" bIns="45700" anchor="t" anchorCtr="0">
-            <a:noAutofit/>
-          </a:bodyPr>
-          <a:lstStyle/>
-          <a:p>
-            <a:pPr marL="0" indent="0">
-              <a:buNone/>
-            </a:pPr>
-            <a:endParaRPr lang="en-US" b="1" dirty="0">
-              <a:solidFill>
-                <a:prstClr val="black"/>
-              </a:solidFill>
-            </a:endParaRPr>
-          </a:p>
-          <a:p>
-            <a:pPr marL="0" indent="0">
-              <a:buNone/>
-            </a:pPr>
-            <a:r>
-              <a:rPr lang="en-US" b="1" dirty="0">
-                <a:solidFill>
-                  <a:prstClr val="black"/>
-                </a:solidFill>
-              </a:rPr>
-              <a:t>					</a:t>
-            </a:r>
-          </a:p>
-          <a:p>
-            <a:endParaRPr lang="en-US" b="1" dirty="0">
-              <a:solidFill>
-                <a:prstClr val="black"/>
-              </a:solidFill>
-            </a:endParaRPr>
-          </a:p>
-          <a:p>
-            <a:pPr marL="0" indent="0">
-              <a:buNone/>
-            </a:pPr>
-            <a:r>
-              <a:rPr lang="en-US" b="1" dirty="0">
-                <a:solidFill>
-                  <a:prstClr val="black"/>
-                </a:solidFill>
-              </a:rPr>
-              <a:t>	You can mail your Queries to :</a:t>
-            </a:r>
-          </a:p>
-          <a:p>
-            <a:pPr marL="0" indent="0">
-              <a:buNone/>
-            </a:pPr>
-            <a:r>
-              <a:rPr lang="en-US" b="1" dirty="0">
-                <a:solidFill>
-                  <a:prstClr val="black"/>
-                </a:solidFill>
-              </a:rPr>
-              <a:t>		a2kousarj@gmail.com</a:t>
-            </a:r>
-            <a:endParaRPr lang="en-IN" dirty="0"/>
-          </a:p>
-          <a:p>
-            <a:pPr marL="0" indent="0">
-              <a:buNone/>
-            </a:pPr>
-            <a:endParaRPr lang="en-US" dirty="0"/>
-          </a:p>
-        </p:txBody>
-      </p:sp>
-      <p:sp>
-        <p:nvSpPr>
-          <p:cNvPr id="137" name="Google Shape;137;p6"/>
-          <p:cNvSpPr txBox="1">
-            <a:spLocks noGrp="1"/>
-          </p:cNvSpPr>
-          <p:nvPr>
-            <p:ph type="sldNum" sz="quarter" idx="12"/>
-          </p:nvPr>
-        </p:nvSpPr>
-        <p:spPr>
-          <a:prstGeom prst="rect">
-            <a:avLst/>
-          </a:prstGeom>
-          <a:noFill/>
-          <a:ln>
-            <a:noFill/>
-          </a:ln>
-        </p:spPr>
-        <p:txBody>
-          <a:bodyPr spcFirstLastPara="1" wrap="square" lIns="91425" tIns="45700" rIns="91425" bIns="45700" anchor="ctr" anchorCtr="0">
-            <a:noAutofit/>
-          </a:bodyPr>
-          <a:lstStyle/>
-          <a:p>
-            <a:pPr marL="0" lvl="0" indent="0" algn="r" rtl="0">
-              <a:spcBef>
-                <a:spcPts val="0"/>
-              </a:spcBef>
-              <a:spcAft>
-                <a:spcPts val="0"/>
-              </a:spcAft>
-              <a:buNone/>
-            </a:pPr>
-            <a:fld id="{00000000-1234-1234-1234-123412341234}" type="slidenum">
-              <a:rPr lang="en-IN"/>
-              <a:t>55</a:t>
-            </a:fld>
-            <a:endParaRPr/>
-          </a:p>
-        </p:txBody>
-      </p:sp>
-    </p:spTree>
-    <p:extLst>
-      <p:ext uri="{BB962C8B-B14F-4D97-AF65-F5344CB8AC3E}">
-        <p14:creationId xmlns:p14="http://schemas.microsoft.com/office/powerpoint/2010/main" val="2397707452"/>
-      </p:ext>
-    </p:extLst>
-  </p:cSld>
-  <p:clrMapOvr>
-    <a:masterClrMapping/>
-  </p:clrMapOvr>
-</p:sld>
-</file>
-
-<file path=ppt/slides/slide56.xml><?xml version="1.0" encoding="utf-8"?>
-<p:sld xmlns:a="http://schemas.openxmlformats.org/drawingml/2006/main" xmlns:r="http://schemas.openxmlformats.org/officeDocument/2006/relationships" xmlns:p="http://schemas.openxmlformats.org/presentationml/2006/main">
-  <p:cSld>
-    <p:spTree>
-      <p:nvGrpSpPr>
-        <p:cNvPr id="1" name="Shape 134"/>
-        <p:cNvGrpSpPr/>
-        <p:nvPr/>
-      </p:nvGrpSpPr>
-      <p:grpSpPr>
-        <a:xfrm>
-          <a:off x="0" y="0"/>
-          <a:ext cx="0" cy="0"/>
-          <a:chOff x="0" y="0"/>
-          <a:chExt cx="0" cy="0"/>
-        </a:xfrm>
-      </p:grpSpPr>
-      <p:sp>
-        <p:nvSpPr>
-          <p:cNvPr id="135" name="Google Shape;135;p6"/>
-          <p:cNvSpPr txBox="1">
-            <a:spLocks noGrp="1"/>
-          </p:cNvSpPr>
-          <p:nvPr>
-            <p:ph type="title"/>
-          </p:nvPr>
-        </p:nvSpPr>
-        <p:spPr>
-          <a:prstGeom prst="rect">
-            <a:avLst/>
-          </a:prstGeom>
-          <a:ln/>
-        </p:spPr>
-        <p:style>
-          <a:lnRef idx="0">
-            <a:schemeClr val="accent3"/>
-          </a:lnRef>
-          <a:fillRef idx="3">
-            <a:schemeClr val="accent3"/>
-          </a:fillRef>
-          <a:effectRef idx="3">
-            <a:schemeClr val="accent3"/>
-          </a:effectRef>
-          <a:fontRef idx="minor">
-            <a:schemeClr val="lt1"/>
-          </a:fontRef>
-        </p:style>
-        <p:txBody>
-          <a:bodyPr spcFirstLastPara="1" wrap="square" lIns="91425" tIns="45700" rIns="91425" bIns="45700" anchor="ctr" anchorCtr="0">
-            <a:normAutofit/>
-          </a:bodyPr>
-          <a:lstStyle/>
-          <a:p>
-            <a:pPr lvl="0">
-              <a:defRPr/>
-            </a:pPr>
-            <a:r>
-              <a:rPr lang="en-IN" dirty="0">
-                <a:solidFill>
-                  <a:schemeClr val="tx1"/>
-                </a:solidFill>
-              </a:rPr>
-              <a:t>Thank you…..</a:t>
-            </a:r>
-            <a:endParaRPr lang="en-US" b="1" dirty="0">
-              <a:ln w="1905"/>
-              <a:solidFill>
-                <a:schemeClr val="tx1"/>
-              </a:solidFill>
-              <a:effectLst>
-                <a:innerShdw blurRad="69850" dist="43180" dir="5400000">
-                  <a:srgbClr val="000000">
-                    <a:alpha val="65000"/>
-                  </a:srgbClr>
-                </a:innerShdw>
-              </a:effectLst>
-            </a:endParaRPr>
-          </a:p>
-        </p:txBody>
-      </p:sp>
-      <p:sp>
-        <p:nvSpPr>
-          <p:cNvPr id="136" name="Google Shape;136;p6"/>
-          <p:cNvSpPr txBox="1">
-            <a:spLocks noGrp="1"/>
-          </p:cNvSpPr>
-          <p:nvPr>
-            <p:ph idx="1"/>
-          </p:nvPr>
-        </p:nvSpPr>
-        <p:spPr>
-          <a:xfrm>
-            <a:off x="0" y="1570892"/>
-            <a:ext cx="9144000" cy="5257800"/>
-          </a:xfrm>
-          <a:prstGeom prst="rect">
-            <a:avLst/>
-          </a:prstGeom>
-          <a:noFill/>
-          <a:ln>
-            <a:noFill/>
-          </a:ln>
-        </p:spPr>
-        <p:txBody>
-          <a:bodyPr spcFirstLastPara="1" wrap="square" lIns="91425" tIns="45700" rIns="91425" bIns="45700" anchor="t" anchorCtr="0">
-            <a:noAutofit/>
-          </a:bodyPr>
-          <a:lstStyle/>
-          <a:p>
-            <a:pPr marL="0" indent="0">
-              <a:buNone/>
-            </a:pPr>
-            <a:endParaRPr lang="en-US" b="1" dirty="0">
-              <a:solidFill>
-                <a:prstClr val="black"/>
-              </a:solidFill>
-            </a:endParaRPr>
-          </a:p>
-          <a:p>
-            <a:pPr marL="0" indent="0">
-              <a:buNone/>
-            </a:pPr>
-            <a:r>
-              <a:rPr lang="en-US" b="1" dirty="0">
-                <a:solidFill>
-                  <a:prstClr val="black"/>
-                </a:solidFill>
-              </a:rPr>
-              <a:t>					</a:t>
-            </a:r>
-          </a:p>
-          <a:p>
-            <a:endParaRPr lang="en-US" b="1" dirty="0">
-              <a:solidFill>
-                <a:prstClr val="black"/>
-              </a:solidFill>
-            </a:endParaRPr>
-          </a:p>
-          <a:p>
-            <a:pPr marL="0" indent="0">
-              <a:buNone/>
-            </a:pPr>
-            <a:r>
-              <a:rPr lang="en-US" b="1" dirty="0">
-                <a:solidFill>
-                  <a:prstClr val="black"/>
-                </a:solidFill>
-              </a:rPr>
-              <a:t>	You can mail your Queries to :</a:t>
-            </a:r>
-          </a:p>
-          <a:p>
-            <a:pPr marL="0" indent="0">
-              <a:buNone/>
-            </a:pPr>
-            <a:r>
-              <a:rPr lang="en-US" b="1" dirty="0">
-                <a:solidFill>
-                  <a:prstClr val="black"/>
-                </a:solidFill>
-              </a:rPr>
-              <a:t>		a2kousarj@gmail.com</a:t>
-            </a:r>
-            <a:endParaRPr lang="en-IN" dirty="0"/>
-          </a:p>
-          <a:p>
-            <a:pPr marL="0" indent="0">
-              <a:buNone/>
-            </a:pPr>
-            <a:endParaRPr lang="en-US" dirty="0"/>
-          </a:p>
-        </p:txBody>
-      </p:sp>
-      <p:sp>
-        <p:nvSpPr>
-          <p:cNvPr id="137" name="Google Shape;137;p6"/>
-          <p:cNvSpPr txBox="1">
-            <a:spLocks noGrp="1"/>
-          </p:cNvSpPr>
-          <p:nvPr>
-            <p:ph type="sldNum" sz="quarter" idx="12"/>
-          </p:nvPr>
-        </p:nvSpPr>
-        <p:spPr>
-          <a:prstGeom prst="rect">
-            <a:avLst/>
-          </a:prstGeom>
-          <a:noFill/>
-          <a:ln>
-            <a:noFill/>
-          </a:ln>
-        </p:spPr>
-        <p:txBody>
-          <a:bodyPr spcFirstLastPara="1" wrap="square" lIns="91425" tIns="45700" rIns="91425" bIns="45700" anchor="ctr" anchorCtr="0">
-            <a:noAutofit/>
-          </a:bodyPr>
-          <a:lstStyle/>
-          <a:p>
-            <a:pPr marL="0" lvl="0" indent="0" algn="r" rtl="0">
-              <a:spcBef>
-                <a:spcPts val="0"/>
-              </a:spcBef>
-              <a:spcAft>
-                <a:spcPts val="0"/>
-              </a:spcAft>
-              <a:buNone/>
-            </a:pPr>
-            <a:fld id="{00000000-1234-1234-1234-123412341234}" type="slidenum">
-              <a:rPr lang="en-IN"/>
-              <a:t>56</a:t>
-            </a:fld>
-            <a:endParaRPr/>
-          </a:p>
-        </p:txBody>
-      </p:sp>
-    </p:spTree>
-    <p:extLst>
-      <p:ext uri="{BB962C8B-B14F-4D97-AF65-F5344CB8AC3E}">
-        <p14:creationId xmlns:p14="http://schemas.microsoft.com/office/powerpoint/2010/main" val="2397707452"/>
-      </p:ext>
-    </p:extLst>
-  </p:cSld>
-  <p:clrMapOvr>
-    <a:masterClrMapping/>
-  </p:clrMapOvr>
-</p:sld>
-</file>
-
-<file path=ppt/slides/slide57.xml><?xml version="1.0" encoding="utf-8"?>
-<p:sld xmlns:a="http://schemas.openxmlformats.org/drawingml/2006/main" xmlns:r="http://schemas.openxmlformats.org/officeDocument/2006/relationships" xmlns:p="http://schemas.openxmlformats.org/presentationml/2006/main">
-  <p:cSld>
-    <p:spTree>
-      <p:nvGrpSpPr>
-        <p:cNvPr id="1" name="Shape 134"/>
-        <p:cNvGrpSpPr/>
-        <p:nvPr/>
-      </p:nvGrpSpPr>
-      <p:grpSpPr>
-        <a:xfrm>
-          <a:off x="0" y="0"/>
-          <a:ext cx="0" cy="0"/>
-          <a:chOff x="0" y="0"/>
-          <a:chExt cx="0" cy="0"/>
-        </a:xfrm>
-      </p:grpSpPr>
-      <p:sp>
-        <p:nvSpPr>
-          <p:cNvPr id="135" name="Google Shape;135;p6"/>
-          <p:cNvSpPr txBox="1">
-            <a:spLocks noGrp="1"/>
-          </p:cNvSpPr>
-          <p:nvPr>
-            <p:ph type="title"/>
-          </p:nvPr>
-        </p:nvSpPr>
-        <p:spPr>
-          <a:prstGeom prst="rect">
-            <a:avLst/>
-          </a:prstGeom>
-          <a:ln/>
-        </p:spPr>
-        <p:style>
-          <a:lnRef idx="0">
-            <a:schemeClr val="accent3"/>
-          </a:lnRef>
-          <a:fillRef idx="3">
-            <a:schemeClr val="accent3"/>
-          </a:fillRef>
-          <a:effectRef idx="3">
-            <a:schemeClr val="accent3"/>
-          </a:effectRef>
-          <a:fontRef idx="minor">
-            <a:schemeClr val="lt1"/>
-          </a:fontRef>
-        </p:style>
-        <p:txBody>
-          <a:bodyPr spcFirstLastPara="1" wrap="square" lIns="91425" tIns="45700" rIns="91425" bIns="45700" anchor="ctr" anchorCtr="0">
-            <a:normAutofit/>
-          </a:bodyPr>
-          <a:lstStyle/>
-          <a:p>
-            <a:pPr lvl="0">
-              <a:defRPr/>
-            </a:pPr>
-            <a:r>
-              <a:rPr lang="en-IN" dirty="0">
-                <a:solidFill>
-                  <a:schemeClr val="tx1"/>
-                </a:solidFill>
-              </a:rPr>
-              <a:t>Thank you…..</a:t>
-            </a:r>
-            <a:endParaRPr lang="en-US" b="1" dirty="0">
-              <a:ln w="1905"/>
-              <a:solidFill>
-                <a:schemeClr val="tx1"/>
-              </a:solidFill>
-              <a:effectLst>
-                <a:innerShdw blurRad="69850" dist="43180" dir="5400000">
-                  <a:srgbClr val="000000">
-                    <a:alpha val="65000"/>
-                  </a:srgbClr>
-                </a:innerShdw>
-              </a:effectLst>
-            </a:endParaRPr>
-          </a:p>
-        </p:txBody>
-      </p:sp>
-      <p:sp>
-        <p:nvSpPr>
-          <p:cNvPr id="136" name="Google Shape;136;p6"/>
-          <p:cNvSpPr txBox="1">
-            <a:spLocks noGrp="1"/>
-          </p:cNvSpPr>
-          <p:nvPr>
-            <p:ph idx="1"/>
-          </p:nvPr>
-        </p:nvSpPr>
-        <p:spPr>
-          <a:xfrm>
-            <a:off x="0" y="1570892"/>
-            <a:ext cx="9144000" cy="5257800"/>
-          </a:xfrm>
-          <a:prstGeom prst="rect">
-            <a:avLst/>
-          </a:prstGeom>
-          <a:noFill/>
-          <a:ln>
-            <a:noFill/>
-          </a:ln>
-        </p:spPr>
-        <p:txBody>
-          <a:bodyPr spcFirstLastPara="1" wrap="square" lIns="91425" tIns="45700" rIns="91425" bIns="45700" anchor="t" anchorCtr="0">
-            <a:noAutofit/>
-          </a:bodyPr>
-          <a:lstStyle/>
-          <a:p>
-            <a:pPr marL="0" indent="0">
-              <a:buNone/>
-            </a:pPr>
-            <a:endParaRPr lang="en-US" b="1" dirty="0">
-              <a:solidFill>
-                <a:prstClr val="black"/>
-              </a:solidFill>
-            </a:endParaRPr>
-          </a:p>
-          <a:p>
-            <a:pPr marL="0" indent="0">
-              <a:buNone/>
-            </a:pPr>
-            <a:r>
-              <a:rPr lang="en-US" b="1" dirty="0">
-                <a:solidFill>
-                  <a:prstClr val="black"/>
-                </a:solidFill>
-              </a:rPr>
-              <a:t>					</a:t>
-            </a:r>
-          </a:p>
-          <a:p>
-            <a:endParaRPr lang="en-US" b="1" dirty="0">
-              <a:solidFill>
-                <a:prstClr val="black"/>
-              </a:solidFill>
-            </a:endParaRPr>
-          </a:p>
-          <a:p>
-            <a:pPr marL="0" indent="0">
-              <a:buNone/>
-            </a:pPr>
-            <a:r>
-              <a:rPr lang="en-US" b="1" dirty="0">
-                <a:solidFill>
-                  <a:prstClr val="black"/>
-                </a:solidFill>
-              </a:rPr>
-              <a:t>	You can mail your Queries to :</a:t>
-            </a:r>
-          </a:p>
-          <a:p>
-            <a:pPr marL="0" indent="0">
-              <a:buNone/>
-            </a:pPr>
-            <a:r>
-              <a:rPr lang="en-US" b="1" dirty="0">
-                <a:solidFill>
-                  <a:prstClr val="black"/>
-                </a:solidFill>
-              </a:rPr>
-              <a:t>		a2kousarj@gmail.com</a:t>
-            </a:r>
-            <a:endParaRPr lang="en-IN" dirty="0"/>
-          </a:p>
-          <a:p>
-            <a:pPr marL="0" indent="0">
-              <a:buNone/>
-            </a:pPr>
-            <a:endParaRPr lang="en-US" dirty="0"/>
-          </a:p>
-        </p:txBody>
-      </p:sp>
-      <p:sp>
-        <p:nvSpPr>
-          <p:cNvPr id="137" name="Google Shape;137;p6"/>
-          <p:cNvSpPr txBox="1">
-            <a:spLocks noGrp="1"/>
-          </p:cNvSpPr>
-          <p:nvPr>
-            <p:ph type="sldNum" sz="quarter" idx="12"/>
-          </p:nvPr>
-        </p:nvSpPr>
-        <p:spPr>
-          <a:prstGeom prst="rect">
-            <a:avLst/>
-          </a:prstGeom>
-          <a:noFill/>
-          <a:ln>
-            <a:noFill/>
-          </a:ln>
-        </p:spPr>
-        <p:txBody>
-          <a:bodyPr spcFirstLastPara="1" wrap="square" lIns="91425" tIns="45700" rIns="91425" bIns="45700" anchor="ctr" anchorCtr="0">
-            <a:noAutofit/>
-          </a:bodyPr>
-          <a:lstStyle/>
-          <a:p>
-            <a:pPr marL="0" lvl="0" indent="0" algn="r" rtl="0">
-              <a:spcBef>
-                <a:spcPts val="0"/>
-              </a:spcBef>
-              <a:spcAft>
-                <a:spcPts val="0"/>
-              </a:spcAft>
-              <a:buNone/>
-            </a:pPr>
-            <a:fld id="{00000000-1234-1234-1234-123412341234}" type="slidenum">
-              <a:rPr lang="en-IN"/>
-              <a:t>57</a:t>
-            </a:fld>
-            <a:endParaRPr/>
-          </a:p>
-        </p:txBody>
-      </p:sp>
-    </p:spTree>
-    <p:extLst>
-      <p:ext uri="{BB962C8B-B14F-4D97-AF65-F5344CB8AC3E}">
-        <p14:creationId xmlns:p14="http://schemas.microsoft.com/office/powerpoint/2010/main" val="2397707452"/>
       </p:ext>
     </p:extLst>
   </p:cSld>
@@ -24493,7 +17867,7 @@
           </a:fontRef>
         </p:style>
         <p:txBody>
-          <a:bodyPr spcFirstLastPara="1" wrap="square" lIns="91425" tIns="45700" rIns="91425" bIns="45700" anchor="ctr" anchorCtr="0">
+          <a:bodyPr spcFirstLastPara="1" vert="horz" wrap="square" lIns="91425" tIns="45700" rIns="91425" bIns="45700" rtlCol="0" anchor="ctr" anchorCtr="0">
             <a:normAutofit/>
           </a:bodyPr>
           <a:lstStyle/>
@@ -24522,7 +17896,7 @@
         </p:nvSpPr>
         <p:spPr>
           <a:xfrm>
-            <a:off x="0" y="1570892"/>
+            <a:off x="1524000" y="1570892"/>
             <a:ext cx="9144000" cy="5257800"/>
           </a:xfrm>
           <a:prstGeom prst="rect">
@@ -24534,7 +17908,7 @@
           </a:ln>
         </p:spPr>
         <p:txBody>
-          <a:bodyPr spcFirstLastPara="1" wrap="square" lIns="91425" tIns="45700" rIns="91425" bIns="45700" anchor="t" anchorCtr="0">
+          <a:bodyPr spcFirstLastPara="1" vert="horz" wrap="square" lIns="91425" tIns="45700" rIns="91425" bIns="45700" rtlCol="0" anchor="t" anchorCtr="0">
             <a:noAutofit/>
           </a:bodyPr>
           <a:lstStyle/>
@@ -24671,22 +18045,14 @@
           </a:ln>
         </p:spPr>
         <p:txBody>
-          <a:bodyPr spcFirstLastPara="1" wrap="square" lIns="91425" tIns="45700" rIns="91425" bIns="45700" anchor="ctr" anchorCtr="0">
+          <a:bodyPr spcFirstLastPara="1" vert="horz" wrap="square" lIns="91425" tIns="45700" rIns="91425" bIns="45700" rtlCol="0" anchor="ctr" anchorCtr="0">
             <a:noAutofit/>
           </a:bodyPr>
           <a:lstStyle/>
           <a:p>
-            <a:pPr marL="0" lvl="0" indent="0" algn="r" rtl="0">
-              <a:spcBef>
-                <a:spcPts val="0"/>
-              </a:spcBef>
-              <a:spcAft>
-                <a:spcPts val="0"/>
-              </a:spcAft>
-              <a:buNone/>
-            </a:pPr>
             <a:fld id="{00000000-1234-1234-1234-123412341234}" type="slidenum">
               <a:rPr lang="en-IN"/>
+              <a:pPr/>
               <a:t>6</a:t>
             </a:fld>
             <a:endParaRPr/>
@@ -24754,7 +18120,7 @@
           </a:fontRef>
         </p:style>
         <p:txBody>
-          <a:bodyPr spcFirstLastPara="1" wrap="square" lIns="91425" tIns="45700" rIns="91425" bIns="45700" anchor="ctr" anchorCtr="0">
+          <a:bodyPr spcFirstLastPara="1" vert="horz" wrap="square" lIns="91425" tIns="45700" rIns="91425" bIns="45700" rtlCol="0" anchor="ctr" anchorCtr="0">
             <a:normAutofit/>
           </a:bodyPr>
           <a:lstStyle/>
@@ -24791,22 +18157,14 @@
           </a:ln>
         </p:spPr>
         <p:txBody>
-          <a:bodyPr spcFirstLastPara="1" wrap="square" lIns="91425" tIns="45700" rIns="91425" bIns="45700" anchor="ctr" anchorCtr="0">
+          <a:bodyPr spcFirstLastPara="1" vert="horz" wrap="square" lIns="91425" tIns="45700" rIns="91425" bIns="45700" rtlCol="0" anchor="ctr" anchorCtr="0">
             <a:noAutofit/>
           </a:bodyPr>
           <a:lstStyle/>
           <a:p>
-            <a:pPr marL="0" lvl="0" indent="0" algn="r" rtl="0">
-              <a:spcBef>
-                <a:spcPts val="0"/>
-              </a:spcBef>
-              <a:spcAft>
-                <a:spcPts val="0"/>
-              </a:spcAft>
-              <a:buNone/>
-            </a:pPr>
             <a:fld id="{00000000-1234-1234-1234-123412341234}" type="slidenum">
               <a:rPr lang="en-IN"/>
+              <a:pPr/>
               <a:t>7</a:t>
             </a:fld>
             <a:endParaRPr/>
@@ -24838,7 +18196,7 @@
         </p:blipFill>
         <p:spPr bwMode="auto">
           <a:xfrm>
-            <a:off x="0" y="1600201"/>
+            <a:off x="1524000" y="1600201"/>
             <a:ext cx="9144000" cy="4384670"/>
           </a:xfrm>
           <a:prstGeom prst="rect">
@@ -24935,7 +18293,7 @@
           </a:fontRef>
         </p:style>
         <p:txBody>
-          <a:bodyPr spcFirstLastPara="1" wrap="square" lIns="91425" tIns="45700" rIns="91425" bIns="45700" anchor="ctr" anchorCtr="0">
+          <a:bodyPr spcFirstLastPara="1" vert="horz" wrap="square" lIns="91425" tIns="45700" rIns="91425" bIns="45700" rtlCol="0" anchor="ctr" anchorCtr="0">
             <a:normAutofit/>
           </a:bodyPr>
           <a:lstStyle/>
@@ -24964,7 +18322,7 @@
         </p:nvSpPr>
         <p:spPr>
           <a:xfrm>
-            <a:off x="0" y="1371600"/>
+            <a:off x="1524000" y="1371600"/>
             <a:ext cx="9144000" cy="5457092"/>
           </a:xfrm>
           <a:prstGeom prst="rect">
@@ -24976,7 +18334,7 @@
           </a:ln>
         </p:spPr>
         <p:txBody>
-          <a:bodyPr spcFirstLastPara="1" wrap="square" lIns="91425" tIns="45700" rIns="91425" bIns="45700" anchor="t" anchorCtr="0">
+          <a:bodyPr spcFirstLastPara="1" vert="horz" wrap="square" lIns="91425" tIns="45700" rIns="91425" bIns="45700" rtlCol="0" anchor="t" anchorCtr="0">
             <a:noAutofit/>
           </a:bodyPr>
           <a:lstStyle/>
@@ -25152,22 +18510,14 @@
           </a:ln>
         </p:spPr>
         <p:txBody>
-          <a:bodyPr spcFirstLastPara="1" wrap="square" lIns="91425" tIns="45700" rIns="91425" bIns="45700" anchor="ctr" anchorCtr="0">
+          <a:bodyPr spcFirstLastPara="1" vert="horz" wrap="square" lIns="91425" tIns="45700" rIns="91425" bIns="45700" rtlCol="0" anchor="ctr" anchorCtr="0">
             <a:noAutofit/>
           </a:bodyPr>
           <a:lstStyle/>
           <a:p>
-            <a:pPr marL="0" lvl="0" indent="0" algn="r" rtl="0">
-              <a:spcBef>
-                <a:spcPts val="0"/>
-              </a:spcBef>
-              <a:spcAft>
-                <a:spcPts val="0"/>
-              </a:spcAft>
-              <a:buNone/>
-            </a:pPr>
             <a:fld id="{00000000-1234-1234-1234-123412341234}" type="slidenum">
               <a:rPr lang="en-IN"/>
+              <a:pPr/>
               <a:t>8</a:t>
             </a:fld>
             <a:endParaRPr/>
@@ -25216,7 +18566,7 @@
         </p:nvSpPr>
         <p:spPr>
           <a:xfrm>
-            <a:off x="381000" y="76200"/>
+            <a:off x="1905000" y="76200"/>
             <a:ext cx="8229600" cy="1143000"/>
           </a:xfrm>
           <a:prstGeom prst="rect">
@@ -25239,7 +18589,7 @@
           </a:fontRef>
         </p:style>
         <p:txBody>
-          <a:bodyPr spcFirstLastPara="1" wrap="square" lIns="91425" tIns="45700" rIns="91425" bIns="45700" anchor="ctr" anchorCtr="0">
+          <a:bodyPr spcFirstLastPara="1" vert="horz" wrap="square" lIns="91425" tIns="45700" rIns="91425" bIns="45700" rtlCol="0" anchor="ctr" anchorCtr="0">
             <a:normAutofit/>
           </a:bodyPr>
           <a:lstStyle/>
@@ -25268,7 +18618,7 @@
         </p:nvSpPr>
         <p:spPr>
           <a:xfrm>
-            <a:off x="0" y="1371600"/>
+            <a:off x="1524000" y="1371600"/>
             <a:ext cx="9144000" cy="5257800"/>
           </a:xfrm>
           <a:prstGeom prst="rect">
@@ -25280,7 +18630,7 @@
           </a:ln>
         </p:spPr>
         <p:txBody>
-          <a:bodyPr spcFirstLastPara="1" wrap="square" lIns="91425" tIns="45700" rIns="91425" bIns="45700" anchor="t" anchorCtr="0">
+          <a:bodyPr spcFirstLastPara="1" vert="horz" wrap="square" lIns="91425" tIns="45700" rIns="91425" bIns="45700" rtlCol="0" anchor="t" anchorCtr="0">
             <a:noAutofit/>
           </a:bodyPr>
           <a:lstStyle/>
@@ -25369,22 +18719,14 @@
           </a:ln>
         </p:spPr>
         <p:txBody>
-          <a:bodyPr spcFirstLastPara="1" wrap="square" lIns="91425" tIns="45700" rIns="91425" bIns="45700" anchor="ctr" anchorCtr="0">
+          <a:bodyPr spcFirstLastPara="1" vert="horz" wrap="square" lIns="91425" tIns="45700" rIns="91425" bIns="45700" rtlCol="0" anchor="ctr" anchorCtr="0">
             <a:noAutofit/>
           </a:bodyPr>
           <a:lstStyle/>
           <a:p>
-            <a:pPr marL="0" lvl="0" indent="0" algn="r" rtl="0">
-              <a:spcBef>
-                <a:spcPts val="0"/>
-              </a:spcBef>
-              <a:spcAft>
-                <a:spcPts val="0"/>
-              </a:spcAft>
-              <a:buNone/>
-            </a:pPr>
             <a:fld id="{00000000-1234-1234-1234-123412341234}" type="slidenum">
               <a:rPr lang="en-IN"/>
+              <a:pPr/>
               <a:t>9</a:t>
             </a:fld>
             <a:endParaRPr/>
